--- a/Construction 1/UI Prototypes.pptx
+++ b/Construction 1/UI Prototypes.pptx
@@ -11,9 +11,13 @@
     <p:sldId id="261" r:id="rId5"/>
     <p:sldId id="262" r:id="rId6"/>
     <p:sldId id="265" r:id="rId7"/>
-    <p:sldId id="260" r:id="rId8"/>
-    <p:sldId id="263" r:id="rId9"/>
-    <p:sldId id="264" r:id="rId10"/>
+    <p:sldId id="263" r:id="rId8"/>
+    <p:sldId id="264" r:id="rId9"/>
+    <p:sldId id="266" r:id="rId10"/>
+    <p:sldId id="260" r:id="rId11"/>
+    <p:sldId id="267" r:id="rId12"/>
+    <p:sldId id="268" r:id="rId13"/>
+    <p:sldId id="269" r:id="rId14"/>
   </p:sldIdLst>
   <p:sldSz cx="12192000" cy="6858000"/>
   <p:notesSz cx="6858000" cy="9144000"/>
@@ -335,7 +339,7 @@
           <a:p>
             <a:fld id="{034BAC6A-0E2C-43AD-ADB1-F06FA3E3FDA4}" type="datetimeFigureOut">
               <a:rPr lang="en-US" smtClean="0"/>
-              <a:t>2/24/2021</a:t>
+              <a:t>2/25/2021</a:t>
             </a:fld>
             <a:endParaRPr lang="en-US"/>
           </a:p>
@@ -573,7 +577,7 @@
           <a:p>
             <a:fld id="{034BAC6A-0E2C-43AD-ADB1-F06FA3E3FDA4}" type="datetimeFigureOut">
               <a:rPr lang="en-US" smtClean="0"/>
-              <a:t>2/24/2021</a:t>
+              <a:t>2/25/2021</a:t>
             </a:fld>
             <a:endParaRPr lang="en-US"/>
           </a:p>
@@ -811,7 +815,7 @@
           <a:p>
             <a:fld id="{034BAC6A-0E2C-43AD-ADB1-F06FA3E3FDA4}" type="datetimeFigureOut">
               <a:rPr lang="en-US" smtClean="0"/>
-              <a:t>2/24/2021</a:t>
+              <a:t>2/25/2021</a:t>
             </a:fld>
             <a:endParaRPr lang="en-US"/>
           </a:p>
@@ -1061,7 +1065,7 @@
           <a:p>
             <a:fld id="{034BAC6A-0E2C-43AD-ADB1-F06FA3E3FDA4}" type="datetimeFigureOut">
               <a:rPr lang="en-US" smtClean="0"/>
-              <a:t>2/24/2021</a:t>
+              <a:t>2/25/2021</a:t>
             </a:fld>
             <a:endParaRPr lang="en-US"/>
           </a:p>
@@ -1299,7 +1303,7 @@
           <a:p>
             <a:fld id="{034BAC6A-0E2C-43AD-ADB1-F06FA3E3FDA4}" type="datetimeFigureOut">
               <a:rPr lang="en-US" smtClean="0"/>
-              <a:t>2/24/2021</a:t>
+              <a:t>2/25/2021</a:t>
             </a:fld>
             <a:endParaRPr lang="en-US"/>
           </a:p>
@@ -1604,7 +1608,7 @@
           <a:p>
             <a:fld id="{034BAC6A-0E2C-43AD-ADB1-F06FA3E3FDA4}" type="datetimeFigureOut">
               <a:rPr lang="en-US" smtClean="0"/>
-              <a:t>2/24/2021</a:t>
+              <a:t>2/25/2021</a:t>
             </a:fld>
             <a:endParaRPr lang="en-US"/>
           </a:p>
@@ -1907,7 +1911,7 @@
           <a:p>
             <a:fld id="{034BAC6A-0E2C-43AD-ADB1-F06FA3E3FDA4}" type="datetimeFigureOut">
               <a:rPr lang="en-US" smtClean="0"/>
-              <a:t>2/24/2021</a:t>
+              <a:t>2/25/2021</a:t>
             </a:fld>
             <a:endParaRPr lang="en-US"/>
           </a:p>
@@ -2358,7 +2362,7 @@
           <a:p>
             <a:fld id="{034BAC6A-0E2C-43AD-ADB1-F06FA3E3FDA4}" type="datetimeFigureOut">
               <a:rPr lang="en-US" smtClean="0"/>
-              <a:t>2/24/2021</a:t>
+              <a:t>2/25/2021</a:t>
             </a:fld>
             <a:endParaRPr lang="en-US"/>
           </a:p>
@@ -2531,7 +2535,7 @@
           <a:p>
             <a:fld id="{034BAC6A-0E2C-43AD-ADB1-F06FA3E3FDA4}" type="datetimeFigureOut">
               <a:rPr lang="en-US" smtClean="0"/>
-              <a:t>2/24/2021</a:t>
+              <a:t>2/25/2021</a:t>
             </a:fld>
             <a:endParaRPr lang="en-US"/>
           </a:p>
@@ -2668,7 +2672,7 @@
           <a:p>
             <a:fld id="{034BAC6A-0E2C-43AD-ADB1-F06FA3E3FDA4}" type="datetimeFigureOut">
               <a:rPr lang="en-US" smtClean="0"/>
-              <a:t>2/24/2021</a:t>
+              <a:t>2/25/2021</a:t>
             </a:fld>
             <a:endParaRPr lang="en-US"/>
           </a:p>
@@ -3012,7 +3016,7 @@
           <a:p>
             <a:fld id="{034BAC6A-0E2C-43AD-ADB1-F06FA3E3FDA4}" type="datetimeFigureOut">
               <a:rPr lang="en-US" smtClean="0"/>
-              <a:t>2/24/2021</a:t>
+              <a:t>2/25/2021</a:t>
             </a:fld>
             <a:endParaRPr lang="en-US"/>
           </a:p>
@@ -3250,7 +3254,7 @@
           <a:p>
             <a:fld id="{034BAC6A-0E2C-43AD-ADB1-F06FA3E3FDA4}" type="datetimeFigureOut">
               <a:rPr lang="en-US" smtClean="0"/>
-              <a:t>2/24/2021</a:t>
+              <a:t>2/25/2021</a:t>
             </a:fld>
             <a:endParaRPr lang="en-US"/>
           </a:p>
@@ -3571,7 +3575,7 @@
           <a:p>
             <a:fld id="{034BAC6A-0E2C-43AD-ADB1-F06FA3E3FDA4}" type="datetimeFigureOut">
               <a:rPr lang="en-US" smtClean="0"/>
-              <a:t>2/24/2021</a:t>
+              <a:t>2/25/2021</a:t>
             </a:fld>
             <a:endParaRPr lang="en-US"/>
           </a:p>
@@ -3809,7 +3813,7 @@
           <a:p>
             <a:fld id="{034BAC6A-0E2C-43AD-ADB1-F06FA3E3FDA4}" type="datetimeFigureOut">
               <a:rPr lang="en-US" smtClean="0"/>
-              <a:t>2/24/2021</a:t>
+              <a:t>2/25/2021</a:t>
             </a:fld>
             <a:endParaRPr lang="en-US"/>
           </a:p>
@@ -4047,7 +4051,7 @@
           <a:p>
             <a:fld id="{034BAC6A-0E2C-43AD-ADB1-F06FA3E3FDA4}" type="datetimeFigureOut">
               <a:rPr lang="en-US" smtClean="0"/>
-              <a:t>2/24/2021</a:t>
+              <a:t>2/25/2021</a:t>
             </a:fld>
             <a:endParaRPr lang="en-US"/>
           </a:p>
@@ -4352,7 +4356,7 @@
           <a:p>
             <a:fld id="{034BAC6A-0E2C-43AD-ADB1-F06FA3E3FDA4}" type="datetimeFigureOut">
               <a:rPr lang="en-US" smtClean="0"/>
-              <a:t>2/24/2021</a:t>
+              <a:t>2/25/2021</a:t>
             </a:fld>
             <a:endParaRPr lang="en-US"/>
           </a:p>
@@ -4655,7 +4659,7 @@
           <a:p>
             <a:fld id="{034BAC6A-0E2C-43AD-ADB1-F06FA3E3FDA4}" type="datetimeFigureOut">
               <a:rPr lang="en-US" smtClean="0"/>
-              <a:t>2/24/2021</a:t>
+              <a:t>2/25/2021</a:t>
             </a:fld>
             <a:endParaRPr lang="en-US"/>
           </a:p>
@@ -5106,7 +5110,7 @@
           <a:p>
             <a:fld id="{034BAC6A-0E2C-43AD-ADB1-F06FA3E3FDA4}" type="datetimeFigureOut">
               <a:rPr lang="en-US" smtClean="0"/>
-              <a:t>2/24/2021</a:t>
+              <a:t>2/25/2021</a:t>
             </a:fld>
             <a:endParaRPr lang="en-US"/>
           </a:p>
@@ -5231,7 +5235,7 @@
         <p:spPr>
           <a:xfrm>
             <a:off x="838200" y="365125"/>
-            <a:ext cx="10515600" cy="1325563"/>
+            <a:ext cx="10515600" cy="676275"/>
           </a:xfrm>
           <a:prstGeom prst="rect">
             <a:avLst/>
@@ -5279,7 +5283,7 @@
           <a:p>
             <a:fld id="{034BAC6A-0E2C-43AD-ADB1-F06FA3E3FDA4}" type="datetimeFigureOut">
               <a:rPr lang="en-US" smtClean="0"/>
-              <a:t>2/24/2021</a:t>
+              <a:t>2/25/2021</a:t>
             </a:fld>
             <a:endParaRPr lang="en-US"/>
           </a:p>
@@ -5416,7 +5420,7 @@
           <a:p>
             <a:fld id="{034BAC6A-0E2C-43AD-ADB1-F06FA3E3FDA4}" type="datetimeFigureOut">
               <a:rPr lang="en-US" smtClean="0"/>
-              <a:t>2/24/2021</a:t>
+              <a:t>2/25/2021</a:t>
             </a:fld>
             <a:endParaRPr lang="en-US"/>
           </a:p>
@@ -5760,7 +5764,7 @@
           <a:p>
             <a:fld id="{034BAC6A-0E2C-43AD-ADB1-F06FA3E3FDA4}" type="datetimeFigureOut">
               <a:rPr lang="en-US" smtClean="0"/>
-              <a:t>2/24/2021</a:t>
+              <a:t>2/25/2021</a:t>
             </a:fld>
             <a:endParaRPr lang="en-US"/>
           </a:p>
@@ -6081,7 +6085,7 @@
           <a:p>
             <a:fld id="{034BAC6A-0E2C-43AD-ADB1-F06FA3E3FDA4}" type="datetimeFigureOut">
               <a:rPr lang="en-US" smtClean="0"/>
-              <a:t>2/24/2021</a:t>
+              <a:t>2/25/2021</a:t>
             </a:fld>
             <a:endParaRPr lang="en-US"/>
           </a:p>
@@ -6206,7 +6210,7 @@
         </p:nvSpPr>
         <p:spPr>
           <a:xfrm>
-            <a:off x="633248" y="1087222"/>
+            <a:off x="633248" y="1106025"/>
             <a:ext cx="10515600" cy="5452628"/>
           </a:xfrm>
           <a:prstGeom prst="rect">
@@ -6232,7 +6236,7 @@
           <a:lstStyle/>
           <a:p>
             <a:pPr algn="ctr"/>
-            <a:endParaRPr lang="en-US"/>
+            <a:endParaRPr lang="en-US" dirty="0"/>
           </a:p>
         </p:txBody>
       </p:sp>
@@ -6256,6 +6260,12 @@
           <a:prstGeom prst="rect">
             <a:avLst/>
           </a:prstGeom>
+          <a:solidFill>
+            <a:schemeClr val="accent1">
+              <a:lumMod val="60000"/>
+              <a:lumOff val="40000"/>
+            </a:schemeClr>
+          </a:solidFill>
         </p:spPr>
         <p:style>
           <a:lnRef idx="2">
@@ -6284,10 +6294,10 @@
       </p:sp>
       <p:sp>
         <p:nvSpPr>
-          <p:cNvPr id="9" name="Smiley Face 8">
-            <a:extLst>
-              <a:ext uri="{FF2B5EF4-FFF2-40B4-BE49-F238E27FC236}">
-                <a16:creationId xmlns:a16="http://schemas.microsoft.com/office/drawing/2014/main" id="{27BFE05D-05DE-43B4-9DE0-51AEA0302550}"/>
+          <p:cNvPr id="2" name="Rectangle 1">
+            <a:extLst>
+              <a:ext uri="{FF2B5EF4-FFF2-40B4-BE49-F238E27FC236}">
+                <a16:creationId xmlns:a16="http://schemas.microsoft.com/office/drawing/2014/main" id="{BF44697D-9470-45F9-89DD-402FF9F078E8}"/>
               </a:ext>
             </a:extLst>
           </p:cNvPr>
@@ -6296,145 +6306,21 @@
         </p:nvSpPr>
         <p:spPr>
           <a:xfrm>
-            <a:off x="10486925" y="1178105"/>
-            <a:ext cx="315310" cy="315310"/>
-          </a:xfrm>
-          <a:prstGeom prst="smileyFace">
-            <a:avLst/>
-          </a:prstGeom>
-        </p:spPr>
-        <p:style>
-          <a:lnRef idx="2">
-            <a:schemeClr val="accent2">
-              <a:shade val="50000"/>
+            <a:off x="1480030" y="1536700"/>
+            <a:ext cx="2107720" cy="260350"/>
+          </a:xfrm>
+          <a:prstGeom prst="rect">
+            <a:avLst/>
+          </a:prstGeom>
+          <a:solidFill>
+            <a:schemeClr val="accent1">
+              <a:lumMod val="60000"/>
+              <a:lumOff val="40000"/>
             </a:schemeClr>
-          </a:lnRef>
-          <a:fillRef idx="1">
-            <a:schemeClr val="accent2"/>
-          </a:fillRef>
-          <a:effectRef idx="0">
-            <a:schemeClr val="accent2"/>
-          </a:effectRef>
-          <a:fontRef idx="minor">
-            <a:schemeClr val="lt1"/>
-          </a:fontRef>
-        </p:style>
-        <p:txBody>
-          <a:bodyPr rtlCol="0" anchor="ctr"/>
-          <a:lstStyle/>
-          <a:p>
-            <a:pPr algn="ctr"/>
-            <a:endParaRPr lang="en-US"/>
-          </a:p>
-        </p:txBody>
-      </p:sp>
-      <p:sp>
-        <p:nvSpPr>
-          <p:cNvPr id="10" name="TextBox 9">
-            <a:extLst>
-              <a:ext uri="{FF2B5EF4-FFF2-40B4-BE49-F238E27FC236}">
-                <a16:creationId xmlns:a16="http://schemas.microsoft.com/office/drawing/2014/main" id="{9D637F92-E753-46F6-8EF5-026FA712453D}"/>
-              </a:ext>
-            </a:extLst>
-          </p:cNvPr>
-          <p:cNvSpPr txBox="1"/>
-          <p:nvPr userDrawn="1"/>
-        </p:nvSpPr>
-        <p:spPr>
-          <a:xfrm>
-            <a:off x="10266830" y="1565852"/>
-            <a:ext cx="755500" cy="369332"/>
-          </a:xfrm>
-          <a:prstGeom prst="rect">
-            <a:avLst/>
-          </a:prstGeom>
-        </p:spPr>
-        <p:style>
-          <a:lnRef idx="0">
-            <a:schemeClr val="accent2"/>
-          </a:lnRef>
-          <a:fillRef idx="3">
-            <a:schemeClr val="accent2"/>
-          </a:fillRef>
-          <a:effectRef idx="3">
-            <a:schemeClr val="accent2"/>
-          </a:effectRef>
-          <a:fontRef idx="minor">
-            <a:schemeClr val="lt1"/>
-          </a:fontRef>
-        </p:style>
-        <p:txBody>
-          <a:bodyPr wrap="square" rtlCol="0">
-            <a:spAutoFit/>
-          </a:bodyPr>
-          <a:lstStyle/>
-          <a:p>
-            <a:r>
-              <a:rPr lang="en-US" dirty="0"/>
-              <a:t>login</a:t>
-            </a:r>
-          </a:p>
-        </p:txBody>
-      </p:sp>
-      <p:pic>
-        <p:nvPicPr>
-          <p:cNvPr id="12" name="Graphic 11" descr="Home outline">
-            <a:extLst>
-              <a:ext uri="{FF2B5EF4-FFF2-40B4-BE49-F238E27FC236}">
-                <a16:creationId xmlns:a16="http://schemas.microsoft.com/office/drawing/2014/main" id="{5B73AEBA-0ACC-4D3E-8811-152033843B43}"/>
-              </a:ext>
-            </a:extLst>
-          </p:cNvPr>
-          <p:cNvPicPr>
-            <a:picLocks noChangeAspect="1"/>
-          </p:cNvPicPr>
-          <p:nvPr userDrawn="1"/>
-        </p:nvPicPr>
-        <p:blipFill>
-          <a:blip r:embed="rId13">
-            <a:extLst>
-              <a:ext uri="{28A0092B-C50C-407E-A947-70E740481C1C}">
-                <a14:useLocalDpi xmlns:a14="http://schemas.microsoft.com/office/drawing/2010/main" val="0"/>
-              </a:ext>
-              <a:ext uri="{96DAC541-7B7A-43D3-8B79-37D633B846F1}">
-                <asvg:svgBlip xmlns:asvg="http://schemas.microsoft.com/office/drawing/2016/SVG/main" r:embed="rId14"/>
-              </a:ext>
-            </a:extLst>
-          </a:blip>
-          <a:stretch>
-            <a:fillRect/>
-          </a:stretch>
-        </p:blipFill>
-        <p:spPr>
-          <a:xfrm>
-            <a:off x="1024104" y="1135178"/>
-            <a:ext cx="536619" cy="536619"/>
-          </a:xfrm>
-          <a:prstGeom prst="rect">
-            <a:avLst/>
-          </a:prstGeom>
-        </p:spPr>
-      </p:pic>
-      <p:sp>
-        <p:nvSpPr>
-          <p:cNvPr id="16" name="Rectangle 15">
-            <a:extLst>
-              <a:ext uri="{FF2B5EF4-FFF2-40B4-BE49-F238E27FC236}">
-                <a16:creationId xmlns:a16="http://schemas.microsoft.com/office/drawing/2014/main" id="{CB5C44CE-79C3-4131-AE62-54FEB0E62E49}"/>
-              </a:ext>
-            </a:extLst>
-          </p:cNvPr>
-          <p:cNvSpPr/>
-          <p:nvPr userDrawn="1"/>
-        </p:nvSpPr>
-        <p:spPr>
-          <a:xfrm>
-            <a:off x="927399" y="1671797"/>
-            <a:ext cx="769624" cy="263387"/>
-          </a:xfrm>
-          <a:prstGeom prst="rect">
-            <a:avLst/>
-          </a:prstGeom>
+          </a:solidFill>
+          <a:ln>
+            <a:noFill/>
+          </a:ln>
         </p:spPr>
         <p:style>
           <a:lnRef idx="2">
@@ -6456,14 +6342,218 @@
           <a:bodyPr rtlCol="0" anchor="ctr"/>
           <a:lstStyle/>
           <a:p>
-            <a:pPr algn="ctr"/>
-            <a:r>
-              <a:rPr lang="en-US" sz="1600" dirty="0"/>
-              <a:t>HOME</a:t>
-            </a:r>
-          </a:p>
-        </p:txBody>
-      </p:sp>
+            <a:pPr algn="l"/>
+            <a:r>
+              <a:rPr lang="en-US" sz="2800" dirty="0" err="1">
+                <a:solidFill>
+                  <a:schemeClr val="accent1">
+                    <a:lumMod val="50000"/>
+                  </a:schemeClr>
+                </a:solidFill>
+              </a:rPr>
+              <a:t>Better</a:t>
+            </a:r>
+            <a:r>
+              <a:rPr lang="en-US" sz="2800" i="1" dirty="0" err="1">
+                <a:solidFill>
+                  <a:schemeClr val="accent1">
+                    <a:lumMod val="50000"/>
+                  </a:schemeClr>
+                </a:solidFill>
+              </a:rPr>
+              <a:t>Books</a:t>
+            </a:r>
+            <a:endParaRPr lang="en-US" sz="2800" i="1" dirty="0">
+              <a:solidFill>
+                <a:schemeClr val="accent1">
+                  <a:lumMod val="50000"/>
+                </a:schemeClr>
+              </a:solidFill>
+            </a:endParaRPr>
+          </a:p>
+        </p:txBody>
+      </p:sp>
+      <p:pic>
+        <p:nvPicPr>
+          <p:cNvPr id="19" name="Graphic 18" descr="Storytelling with solid fill">
+            <a:extLst>
+              <a:ext uri="{FF2B5EF4-FFF2-40B4-BE49-F238E27FC236}">
+                <a16:creationId xmlns:a16="http://schemas.microsoft.com/office/drawing/2014/main" id="{A75AA85A-3019-4C1C-9BFA-594598300F46}"/>
+              </a:ext>
+            </a:extLst>
+          </p:cNvPr>
+          <p:cNvPicPr>
+            <a:picLocks noChangeAspect="1"/>
+          </p:cNvPicPr>
+          <p:nvPr userDrawn="1"/>
+        </p:nvPicPr>
+        <p:blipFill>
+          <a:blip r:embed="rId13">
+            <a:extLst>
+              <a:ext uri="{28A0092B-C50C-407E-A947-70E740481C1C}">
+                <a14:useLocalDpi xmlns:a14="http://schemas.microsoft.com/office/drawing/2010/main" val="0"/>
+              </a:ext>
+              <a:ext uri="{96DAC541-7B7A-43D3-8B79-37D633B846F1}">
+                <asvg:svgBlip xmlns:asvg="http://schemas.microsoft.com/office/drawing/2016/SVG/main" r:embed="rId14"/>
+              </a:ext>
+            </a:extLst>
+          </a:blip>
+          <a:stretch>
+            <a:fillRect/>
+          </a:stretch>
+        </p:blipFill>
+        <p:spPr>
+          <a:xfrm>
+            <a:off x="799464" y="1344975"/>
+            <a:ext cx="514350" cy="514350"/>
+          </a:xfrm>
+          <a:prstGeom prst="rect">
+            <a:avLst/>
+          </a:prstGeom>
+        </p:spPr>
+      </p:pic>
+      <p:sp>
+        <p:nvSpPr>
+          <p:cNvPr id="20" name="TextBox 19">
+            <a:extLst>
+              <a:ext uri="{FF2B5EF4-FFF2-40B4-BE49-F238E27FC236}">
+                <a16:creationId xmlns:a16="http://schemas.microsoft.com/office/drawing/2014/main" id="{003274E0-D04C-494F-8011-4E3DE009FCA4}"/>
+              </a:ext>
+            </a:extLst>
+          </p:cNvPr>
+          <p:cNvSpPr txBox="1"/>
+          <p:nvPr userDrawn="1"/>
+        </p:nvSpPr>
+        <p:spPr>
+          <a:xfrm>
+            <a:off x="8604252" y="1527661"/>
+            <a:ext cx="1060448" cy="400110"/>
+          </a:xfrm>
+          <a:prstGeom prst="rect">
+            <a:avLst/>
+          </a:prstGeom>
+          <a:noFill/>
+        </p:spPr>
+        <p:style>
+          <a:lnRef idx="0">
+            <a:schemeClr val="accent2"/>
+          </a:lnRef>
+          <a:fillRef idx="3">
+            <a:schemeClr val="accent2"/>
+          </a:fillRef>
+          <a:effectRef idx="3">
+            <a:schemeClr val="accent2"/>
+          </a:effectRef>
+          <a:fontRef idx="minor">
+            <a:schemeClr val="lt1"/>
+          </a:fontRef>
+        </p:style>
+        <p:txBody>
+          <a:bodyPr wrap="square" rtlCol="0">
+            <a:spAutoFit/>
+          </a:bodyPr>
+          <a:lstStyle/>
+          <a:p>
+            <a:r>
+              <a:rPr lang="en-US" sz="2000" dirty="0"/>
+              <a:t>Sign Up</a:t>
+            </a:r>
+          </a:p>
+        </p:txBody>
+      </p:sp>
+      <p:sp>
+        <p:nvSpPr>
+          <p:cNvPr id="21" name="TextBox 20">
+            <a:extLst>
+              <a:ext uri="{FF2B5EF4-FFF2-40B4-BE49-F238E27FC236}">
+                <a16:creationId xmlns:a16="http://schemas.microsoft.com/office/drawing/2014/main" id="{96DC7057-809B-4A90-96EA-EABDA383AA51}"/>
+              </a:ext>
+            </a:extLst>
+          </p:cNvPr>
+          <p:cNvSpPr txBox="1"/>
+          <p:nvPr userDrawn="1"/>
+        </p:nvSpPr>
+        <p:spPr>
+          <a:xfrm>
+            <a:off x="9817740" y="1536700"/>
+            <a:ext cx="1060448" cy="400110"/>
+          </a:xfrm>
+          <a:prstGeom prst="rect">
+            <a:avLst/>
+          </a:prstGeom>
+          <a:noFill/>
+        </p:spPr>
+        <p:style>
+          <a:lnRef idx="0">
+            <a:schemeClr val="accent2"/>
+          </a:lnRef>
+          <a:fillRef idx="3">
+            <a:schemeClr val="accent2"/>
+          </a:fillRef>
+          <a:effectRef idx="3">
+            <a:schemeClr val="accent2"/>
+          </a:effectRef>
+          <a:fontRef idx="minor">
+            <a:schemeClr val="lt1"/>
+          </a:fontRef>
+        </p:style>
+        <p:txBody>
+          <a:bodyPr wrap="square" rtlCol="0">
+            <a:spAutoFit/>
+          </a:bodyPr>
+          <a:lstStyle/>
+          <a:p>
+            <a:r>
+              <a:rPr lang="en-US" sz="2000" dirty="0"/>
+              <a:t>Log In</a:t>
+            </a:r>
+          </a:p>
+        </p:txBody>
+      </p:sp>
+      <p:cxnSp>
+        <p:nvCxnSpPr>
+          <p:cNvPr id="22" name="Straight Connector 21">
+            <a:extLst>
+              <a:ext uri="{FF2B5EF4-FFF2-40B4-BE49-F238E27FC236}">
+                <a16:creationId xmlns:a16="http://schemas.microsoft.com/office/drawing/2014/main" id="{D32608E3-7A50-4EC3-921A-3CBCAA158A8C}"/>
+              </a:ext>
+            </a:extLst>
+          </p:cNvPr>
+          <p:cNvCxnSpPr/>
+          <p:nvPr userDrawn="1"/>
+        </p:nvCxnSpPr>
+        <p:spPr>
+          <a:xfrm>
+            <a:off x="9739003" y="1558439"/>
+            <a:ext cx="0" cy="369332"/>
+          </a:xfrm>
+          <a:prstGeom prst="line">
+            <a:avLst/>
+          </a:prstGeom>
+          <a:ln>
+            <a:solidFill>
+              <a:schemeClr val="tx1">
+                <a:lumMod val="50000"/>
+                <a:lumOff val="50000"/>
+              </a:schemeClr>
+            </a:solidFill>
+          </a:ln>
+        </p:spPr>
+        <p:style>
+          <a:lnRef idx="2">
+            <a:schemeClr val="dk1"/>
+          </a:lnRef>
+          <a:fillRef idx="0">
+            <a:schemeClr val="dk1"/>
+          </a:fillRef>
+          <a:effectRef idx="1">
+            <a:schemeClr val="dk1"/>
+          </a:effectRef>
+          <a:fontRef idx="minor">
+            <a:schemeClr val="tx1"/>
+          </a:fontRef>
+        </p:style>
+      </p:cxnSp>
     </p:spTree>
     <p:extLst>
       <p:ext uri="{BB962C8B-B14F-4D97-AF65-F5344CB8AC3E}">
@@ -6848,7 +6938,7 @@
         </p:nvSpPr>
         <p:spPr>
           <a:xfrm>
-            <a:off x="633248" y="1029119"/>
+            <a:off x="633248" y="1002287"/>
             <a:ext cx="10515600" cy="919655"/>
           </a:xfrm>
           <a:prstGeom prst="rect">
@@ -6856,19 +6946,17 @@
           </a:prstGeom>
         </p:spPr>
         <p:style>
-          <a:lnRef idx="2">
-            <a:schemeClr val="accent1">
-              <a:shade val="50000"/>
-            </a:schemeClr>
+          <a:lnRef idx="1">
+            <a:schemeClr val="accent1"/>
           </a:lnRef>
-          <a:fillRef idx="1">
+          <a:fillRef idx="2">
             <a:schemeClr val="accent1"/>
           </a:fillRef>
-          <a:effectRef idx="0">
+          <a:effectRef idx="1">
             <a:schemeClr val="accent1"/>
           </a:effectRef>
           <a:fontRef idx="minor">
-            <a:schemeClr val="lt1"/>
+            <a:schemeClr val="dk1"/>
           </a:fontRef>
         </p:style>
         <p:txBody>
@@ -6900,6 +6988,7 @@
           <a:prstGeom prst="rect">
             <a:avLst/>
           </a:prstGeom>
+          <a:noFill/>
         </p:spPr>
         <p:style>
           <a:lnRef idx="0">
@@ -6930,10 +7019,10 @@
       </p:sp>
       <p:pic>
         <p:nvPicPr>
-          <p:cNvPr id="12" name="Graphic 11" descr="Home outline">
-            <a:extLst>
-              <a:ext uri="{FF2B5EF4-FFF2-40B4-BE49-F238E27FC236}">
-                <a16:creationId xmlns:a16="http://schemas.microsoft.com/office/drawing/2014/main" id="{5B73AEBA-0ACC-4D3E-8811-152033843B43}"/>
+          <p:cNvPr id="9" name="Graphic 8" descr="Storytelling with solid fill">
+            <a:extLst>
+              <a:ext uri="{FF2B5EF4-FFF2-40B4-BE49-F238E27FC236}">
+                <a16:creationId xmlns:a16="http://schemas.microsoft.com/office/drawing/2014/main" id="{722B26ED-9591-4630-91FD-A57ABC23B195}"/>
               </a:ext>
             </a:extLst>
           </p:cNvPr>
@@ -6959,8 +7048,8 @@
         </p:blipFill>
         <p:spPr>
           <a:xfrm>
-            <a:off x="1008263" y="1029119"/>
-            <a:ext cx="536619" cy="536619"/>
+            <a:off x="785977" y="1204942"/>
+            <a:ext cx="514350" cy="514350"/>
           </a:xfrm>
           <a:prstGeom prst="rect">
             <a:avLst/>
@@ -6969,10 +7058,10 @@
       </p:pic>
       <p:sp>
         <p:nvSpPr>
-          <p:cNvPr id="16" name="Rectangle 15">
-            <a:extLst>
-              <a:ext uri="{FF2B5EF4-FFF2-40B4-BE49-F238E27FC236}">
-                <a16:creationId xmlns:a16="http://schemas.microsoft.com/office/drawing/2014/main" id="{CB5C44CE-79C3-4131-AE62-54FEB0E62E49}"/>
+          <p:cNvPr id="13" name="Rectangle 12">
+            <a:extLst>
+              <a:ext uri="{FF2B5EF4-FFF2-40B4-BE49-F238E27FC236}">
+                <a16:creationId xmlns:a16="http://schemas.microsoft.com/office/drawing/2014/main" id="{8C33A74C-EE9E-4DAB-8BA3-F349A9F39EC6}"/>
               </a:ext>
             </a:extLst>
           </p:cNvPr>
@@ -6981,72 +7070,96 @@
         </p:nvSpPr>
         <p:spPr>
           <a:xfrm>
-            <a:off x="838645" y="1565738"/>
-            <a:ext cx="875854" cy="318655"/>
-          </a:xfrm>
-          <a:prstGeom prst="rect">
-            <a:avLst/>
-          </a:prstGeom>
+            <a:off x="1453056" y="1386433"/>
+            <a:ext cx="2107720" cy="260350"/>
+          </a:xfrm>
+          <a:prstGeom prst="rect">
+            <a:avLst/>
+          </a:prstGeom>
+          <a:noFill/>
+          <a:ln>
+            <a:noFill/>
+          </a:ln>
         </p:spPr>
         <p:style>
-          <a:lnRef idx="2">
-            <a:schemeClr val="accent1">
-              <a:shade val="50000"/>
-            </a:schemeClr>
+          <a:lnRef idx="1">
+            <a:schemeClr val="accent1"/>
           </a:lnRef>
-          <a:fillRef idx="1">
+          <a:fillRef idx="2">
             <a:schemeClr val="accent1"/>
           </a:fillRef>
-          <a:effectRef idx="0">
+          <a:effectRef idx="1">
             <a:schemeClr val="accent1"/>
           </a:effectRef>
           <a:fontRef idx="minor">
-            <a:schemeClr val="lt1"/>
+            <a:schemeClr val="dk1"/>
           </a:fontRef>
         </p:style>
         <p:txBody>
           <a:bodyPr rtlCol="0" anchor="ctr"/>
           <a:lstStyle/>
           <a:p>
-            <a:pPr algn="ctr"/>
-            <a:r>
-              <a:rPr lang="en-US" sz="1600" dirty="0"/>
-              <a:t>HOME</a:t>
-            </a:r>
-          </a:p>
-        </p:txBody>
-      </p:sp>
-      <p:sp>
-        <p:nvSpPr>
-          <p:cNvPr id="2" name="Rectangle 1">
-            <a:extLst>
-              <a:ext uri="{FF2B5EF4-FFF2-40B4-BE49-F238E27FC236}">
-                <a16:creationId xmlns:a16="http://schemas.microsoft.com/office/drawing/2014/main" id="{5AB8D138-665E-41A5-ACC9-710D46C4A4DA}"/>
-              </a:ext>
-            </a:extLst>
-          </p:cNvPr>
-          <p:cNvSpPr/>
+            <a:pPr algn="l"/>
+            <a:r>
+              <a:rPr lang="en-US" sz="2800" dirty="0" err="1">
+                <a:solidFill>
+                  <a:schemeClr val="accent1">
+                    <a:lumMod val="50000"/>
+                  </a:schemeClr>
+                </a:solidFill>
+              </a:rPr>
+              <a:t>Better</a:t>
+            </a:r>
+            <a:r>
+              <a:rPr lang="en-US" sz="2800" i="1" dirty="0" err="1">
+                <a:solidFill>
+                  <a:schemeClr val="accent1">
+                    <a:lumMod val="50000"/>
+                  </a:schemeClr>
+                </a:solidFill>
+              </a:rPr>
+              <a:t>Books</a:t>
+            </a:r>
+            <a:endParaRPr lang="en-US" sz="2800" i="1" dirty="0">
+              <a:solidFill>
+                <a:schemeClr val="accent1">
+                  <a:lumMod val="50000"/>
+                </a:schemeClr>
+              </a:solidFill>
+            </a:endParaRPr>
+          </a:p>
+        </p:txBody>
+      </p:sp>
+      <p:sp>
+        <p:nvSpPr>
+          <p:cNvPr id="15" name="TextBox 14">
+            <a:extLst>
+              <a:ext uri="{FF2B5EF4-FFF2-40B4-BE49-F238E27FC236}">
+                <a16:creationId xmlns:a16="http://schemas.microsoft.com/office/drawing/2014/main" id="{DCE3F953-BB5D-4941-B52D-3A7691DCE605}"/>
+              </a:ext>
+            </a:extLst>
+          </p:cNvPr>
+          <p:cNvSpPr txBox="1"/>
           <p:nvPr userDrawn="1"/>
         </p:nvSpPr>
         <p:spPr>
           <a:xfrm>
-            <a:off x="8881782" y="1462117"/>
-            <a:ext cx="1202815" cy="369332"/>
-          </a:xfrm>
-          <a:prstGeom prst="rect">
-            <a:avLst/>
-          </a:prstGeom>
+            <a:off x="8705887" y="1462115"/>
+            <a:ext cx="1276308" cy="400110"/>
+          </a:xfrm>
+          <a:prstGeom prst="rect">
+            <a:avLst/>
+          </a:prstGeom>
+          <a:noFill/>
         </p:spPr>
         <p:style>
-          <a:lnRef idx="2">
-            <a:schemeClr val="accent2">
-              <a:shade val="50000"/>
-            </a:schemeClr>
+          <a:lnRef idx="0">
+            <a:schemeClr val="accent2"/>
           </a:lnRef>
-          <a:fillRef idx="1">
+          <a:fillRef idx="3">
             <a:schemeClr val="accent2"/>
           </a:fillRef>
-          <a:effectRef idx="0">
+          <a:effectRef idx="3">
             <a:schemeClr val="accent2"/>
           </a:effectRef>
           <a:fontRef idx="minor">
@@ -7054,76 +7167,62 @@
           </a:fontRef>
         </p:style>
         <p:txBody>
-          <a:bodyPr rtlCol="0" anchor="ctr"/>
-          <a:lstStyle/>
-          <a:p>
-            <a:pPr algn="ctr"/>
-            <a:r>
-              <a:rPr lang="en-US" b="1" cap="none" spc="50" dirty="0">
-                <a:ln w="9525" cmpd="sng">
-                  <a:solidFill>
-                    <a:schemeClr val="accent1"/>
-                  </a:solidFill>
-                  <a:prstDash val="solid"/>
-                </a:ln>
-                <a:solidFill>
-                  <a:srgbClr val="70AD47">
-                    <a:tint val="1000"/>
-                  </a:srgbClr>
-                </a:solidFill>
-                <a:effectLst>
-                  <a:glow rad="38100">
-                    <a:schemeClr val="accent1">
-                      <a:alpha val="40000"/>
-                    </a:schemeClr>
-                  </a:glow>
-                </a:effectLst>
-              </a:rPr>
-              <a:t>Nickname</a:t>
-            </a:r>
-            <a:endParaRPr lang="en-US" dirty="0"/>
-          </a:p>
-        </p:txBody>
-      </p:sp>
-      <p:pic>
-        <p:nvPicPr>
-          <p:cNvPr id="4" name="Graphic 3" descr="Smiling face outline with solid fill">
-            <a:extLst>
-              <a:ext uri="{FF2B5EF4-FFF2-40B4-BE49-F238E27FC236}">
-                <a16:creationId xmlns:a16="http://schemas.microsoft.com/office/drawing/2014/main" id="{57665379-3528-4F36-9255-DF77DDC80A46}"/>
-              </a:ext>
-            </a:extLst>
-          </p:cNvPr>
-          <p:cNvPicPr>
-            <a:picLocks noChangeAspect="1"/>
-          </p:cNvPicPr>
+          <a:bodyPr wrap="square" rtlCol="0">
+            <a:spAutoFit/>
+          </a:bodyPr>
+          <a:lstStyle/>
+          <a:p>
+            <a:r>
+              <a:rPr lang="en-US" sz="2000" dirty="0"/>
+              <a:t>Username</a:t>
+            </a:r>
+          </a:p>
+        </p:txBody>
+      </p:sp>
+      <p:cxnSp>
+        <p:nvCxnSpPr>
+          <p:cNvPr id="5" name="Straight Connector 4">
+            <a:extLst>
+              <a:ext uri="{FF2B5EF4-FFF2-40B4-BE49-F238E27FC236}">
+                <a16:creationId xmlns:a16="http://schemas.microsoft.com/office/drawing/2014/main" id="{9632DD5D-587C-47C0-A6EC-1A58244B9F83}"/>
+              </a:ext>
+            </a:extLst>
+          </p:cNvPr>
+          <p:cNvCxnSpPr/>
           <p:nvPr userDrawn="1"/>
-        </p:nvPicPr>
-        <p:blipFill>
-          <a:blip r:embed="rId15">
-            <a:extLst>
-              <a:ext uri="{28A0092B-C50C-407E-A947-70E740481C1C}">
-                <a14:useLocalDpi xmlns:a14="http://schemas.microsoft.com/office/drawing/2010/main" val="0"/>
-              </a:ext>
-              <a:ext uri="{96DAC541-7B7A-43D3-8B79-37D633B846F1}">
-                <asvg:svgBlip xmlns:asvg="http://schemas.microsoft.com/office/drawing/2016/SVG/main" r:embed="rId16"/>
-              </a:ext>
-            </a:extLst>
-          </a:blip>
-          <a:stretch>
-            <a:fillRect/>
-          </a:stretch>
-        </p:blipFill>
-        <p:spPr>
-          <a:xfrm>
-            <a:off x="8520693" y="1488946"/>
-            <a:ext cx="361089" cy="361089"/>
-          </a:xfrm>
-          <a:prstGeom prst="rect">
-            <a:avLst/>
-          </a:prstGeom>
-        </p:spPr>
-      </p:pic>
+        </p:nvCxnSpPr>
+        <p:spPr>
+          <a:xfrm>
+            <a:off x="10158103" y="1462115"/>
+            <a:ext cx="0" cy="369332"/>
+          </a:xfrm>
+          <a:prstGeom prst="line">
+            <a:avLst/>
+          </a:prstGeom>
+          <a:ln>
+            <a:solidFill>
+              <a:schemeClr val="tx1">
+                <a:lumMod val="50000"/>
+                <a:lumOff val="50000"/>
+              </a:schemeClr>
+            </a:solidFill>
+          </a:ln>
+        </p:spPr>
+        <p:style>
+          <a:lnRef idx="2">
+            <a:schemeClr val="dk1"/>
+          </a:lnRef>
+          <a:fillRef idx="0">
+            <a:schemeClr val="dk1"/>
+          </a:fillRef>
+          <a:effectRef idx="1">
+            <a:schemeClr val="dk1"/>
+          </a:effectRef>
+          <a:fontRef idx="minor">
+            <a:schemeClr val="tx1"/>
+          </a:fontRef>
+        </p:style>
+      </p:cxnSp>
     </p:spTree>
     <p:extLst>
       <p:ext uri="{BB962C8B-B14F-4D97-AF65-F5344CB8AC3E}">
@@ -8209,6 +8308,11 @@
           <a:prstGeom prst="roundRect">
             <a:avLst/>
           </a:prstGeom>
+          <a:solidFill>
+            <a:schemeClr val="bg2">
+              <a:lumMod val="75000"/>
+            </a:schemeClr>
+          </a:solidFill>
         </p:spPr>
         <p:style>
           <a:lnRef idx="2">
@@ -8233,7 +8337,7 @@
             <a:pPr algn="ctr"/>
             <a:r>
               <a:rPr lang="en-US" dirty="0"/>
-              <a:t>Request it</a:t>
+              <a:t>Not available</a:t>
             </a:r>
           </a:p>
         </p:txBody>
@@ -8548,6 +8652,1806 @@
 </p:sld>
 </file>
 
+<file path=ppt/slides/slide10.xml><?xml version="1.0" encoding="utf-8"?>
+<p:sld xmlns:a="http://schemas.openxmlformats.org/drawingml/2006/main" xmlns:r="http://schemas.openxmlformats.org/officeDocument/2006/relationships" xmlns:p="http://schemas.openxmlformats.org/presentationml/2006/main">
+  <p:cSld>
+    <p:spTree>
+      <p:nvGrpSpPr>
+        <p:cNvPr id="1" name=""/>
+        <p:cNvGrpSpPr/>
+        <p:nvPr/>
+      </p:nvGrpSpPr>
+      <p:grpSpPr>
+        <a:xfrm>
+          <a:off x="0" y="0"/>
+          <a:ext cx="0" cy="0"/>
+          <a:chOff x="0" y="0"/>
+          <a:chExt cx="0" cy="0"/>
+        </a:xfrm>
+      </p:grpSpPr>
+      <p:sp>
+        <p:nvSpPr>
+          <p:cNvPr id="2" name="TextBox 1">
+            <a:extLst>
+              <a:ext uri="{FF2B5EF4-FFF2-40B4-BE49-F238E27FC236}">
+                <a16:creationId xmlns:a16="http://schemas.microsoft.com/office/drawing/2014/main" id="{4960A76E-D00D-4B88-A482-B19C5DE15875}"/>
+              </a:ext>
+            </a:extLst>
+          </p:cNvPr>
+          <p:cNvSpPr txBox="1"/>
+          <p:nvPr/>
+        </p:nvSpPr>
+        <p:spPr>
+          <a:xfrm>
+            <a:off x="793376" y="584947"/>
+            <a:ext cx="4746812" cy="376518"/>
+          </a:xfrm>
+          <a:prstGeom prst="rect">
+            <a:avLst/>
+          </a:prstGeom>
+          <a:noFill/>
+        </p:spPr>
+        <p:txBody>
+          <a:bodyPr wrap="square" rtlCol="0">
+            <a:spAutoFit/>
+          </a:bodyPr>
+          <a:lstStyle/>
+          <a:p>
+            <a:r>
+              <a:rPr lang="en-US" dirty="0"/>
+              <a:t>UC 9</a:t>
+            </a:r>
+            <a:r>
+              <a:rPr lang="en-US" b="1" dirty="0"/>
+              <a:t> Delete book</a:t>
+            </a:r>
+          </a:p>
+        </p:txBody>
+      </p:sp>
+      <p:pic>
+        <p:nvPicPr>
+          <p:cNvPr id="5" name="Picture 4">
+            <a:extLst>
+              <a:ext uri="{FF2B5EF4-FFF2-40B4-BE49-F238E27FC236}">
+                <a16:creationId xmlns:a16="http://schemas.microsoft.com/office/drawing/2014/main" id="{AFF90224-2272-4C09-BE91-3FCD89883C38}"/>
+              </a:ext>
+            </a:extLst>
+          </p:cNvPr>
+          <p:cNvPicPr>
+            <a:picLocks noChangeAspect="1"/>
+          </p:cNvPicPr>
+          <p:nvPr/>
+        </p:nvPicPr>
+        <p:blipFill>
+          <a:blip r:embed="rId2"/>
+          <a:stretch>
+            <a:fillRect/>
+          </a:stretch>
+        </p:blipFill>
+        <p:spPr>
+          <a:xfrm>
+            <a:off x="1059837" y="2317270"/>
+            <a:ext cx="2032987" cy="2061222"/>
+          </a:xfrm>
+          <a:prstGeom prst="rect">
+            <a:avLst/>
+          </a:prstGeom>
+        </p:spPr>
+      </p:pic>
+      <p:sp>
+        <p:nvSpPr>
+          <p:cNvPr id="8" name="TextBox 7">
+            <a:extLst>
+              <a:ext uri="{FF2B5EF4-FFF2-40B4-BE49-F238E27FC236}">
+                <a16:creationId xmlns:a16="http://schemas.microsoft.com/office/drawing/2014/main" id="{E504FA9F-CF1F-4717-9C69-27431819458A}"/>
+              </a:ext>
+            </a:extLst>
+          </p:cNvPr>
+          <p:cNvSpPr txBox="1"/>
+          <p:nvPr/>
+        </p:nvSpPr>
+        <p:spPr>
+          <a:xfrm>
+            <a:off x="3650876" y="2423772"/>
+            <a:ext cx="2212041" cy="400110"/>
+          </a:xfrm>
+          <a:prstGeom prst="rect">
+            <a:avLst/>
+          </a:prstGeom>
+          <a:noFill/>
+        </p:spPr>
+        <p:txBody>
+          <a:bodyPr wrap="square" rtlCol="0">
+            <a:spAutoFit/>
+          </a:bodyPr>
+          <a:lstStyle/>
+          <a:p>
+            <a:r>
+              <a:rPr lang="en-US" sz="2000" b="1" dirty="0">
+                <a:latin typeface="Arial Black" panose="020B0A04020102020204" pitchFamily="34" charset="0"/>
+              </a:rPr>
+              <a:t>Anna Spring</a:t>
+            </a:r>
+          </a:p>
+        </p:txBody>
+      </p:sp>
+      <p:sp>
+        <p:nvSpPr>
+          <p:cNvPr id="11" name="TextBox 10">
+            <a:extLst>
+              <a:ext uri="{FF2B5EF4-FFF2-40B4-BE49-F238E27FC236}">
+                <a16:creationId xmlns:a16="http://schemas.microsoft.com/office/drawing/2014/main" id="{4EA9B248-2A96-4512-BCBC-5AADD522AAB8}"/>
+              </a:ext>
+            </a:extLst>
+          </p:cNvPr>
+          <p:cNvSpPr txBox="1"/>
+          <p:nvPr/>
+        </p:nvSpPr>
+        <p:spPr>
+          <a:xfrm>
+            <a:off x="3758454" y="2967119"/>
+            <a:ext cx="2212042" cy="369332"/>
+          </a:xfrm>
+          <a:prstGeom prst="rect">
+            <a:avLst/>
+          </a:prstGeom>
+        </p:spPr>
+        <p:style>
+          <a:lnRef idx="3">
+            <a:schemeClr val="lt1"/>
+          </a:lnRef>
+          <a:fillRef idx="1">
+            <a:schemeClr val="accent1"/>
+          </a:fillRef>
+          <a:effectRef idx="1">
+            <a:schemeClr val="accent1"/>
+          </a:effectRef>
+          <a:fontRef idx="minor">
+            <a:schemeClr val="lt1"/>
+          </a:fontRef>
+        </p:style>
+        <p:txBody>
+          <a:bodyPr wrap="square" rtlCol="0">
+            <a:spAutoFit/>
+          </a:bodyPr>
+          <a:lstStyle/>
+          <a:p>
+            <a:r>
+              <a:rPr lang="en-US" dirty="0"/>
+              <a:t>My Books:</a:t>
+            </a:r>
+          </a:p>
+        </p:txBody>
+      </p:sp>
+      <p:graphicFrame>
+        <p:nvGraphicFramePr>
+          <p:cNvPr id="12" name="Table 12">
+            <a:extLst>
+              <a:ext uri="{FF2B5EF4-FFF2-40B4-BE49-F238E27FC236}">
+                <a16:creationId xmlns:a16="http://schemas.microsoft.com/office/drawing/2014/main" id="{53D02EC7-1219-42C2-9969-AB54E675A03E}"/>
+              </a:ext>
+            </a:extLst>
+          </p:cNvPr>
+          <p:cNvGraphicFramePr>
+            <a:graphicFrameLocks noGrp="1"/>
+          </p:cNvGraphicFramePr>
+          <p:nvPr/>
+        </p:nvGraphicFramePr>
+        <p:xfrm>
+          <a:off x="3363310" y="3544061"/>
+          <a:ext cx="7583213" cy="670560"/>
+        </p:xfrm>
+        <a:graphic>
+          <a:graphicData uri="http://schemas.openxmlformats.org/drawingml/2006/table">
+            <a:tbl>
+              <a:tblPr firstRow="1" bandRow="1">
+                <a:tableStyleId>{5C22544A-7EE6-4342-B048-85BDC9FD1C3A}</a:tableStyleId>
+              </a:tblPr>
+              <a:tblGrid>
+                <a:gridCol w="1882807">
+                  <a:extLst>
+                    <a:ext uri="{9D8B030D-6E8A-4147-A177-3AD203B41FA5}">
+                      <a16:colId xmlns:a16="http://schemas.microsoft.com/office/drawing/2014/main" val="556389192"/>
+                    </a:ext>
+                  </a:extLst>
+                </a:gridCol>
+                <a:gridCol w="1132165">
+                  <a:extLst>
+                    <a:ext uri="{9D8B030D-6E8A-4147-A177-3AD203B41FA5}">
+                      <a16:colId xmlns:a16="http://schemas.microsoft.com/office/drawing/2014/main" val="3912181672"/>
+                    </a:ext>
+                  </a:extLst>
+                </a:gridCol>
+                <a:gridCol w="1461701">
+                  <a:extLst>
+                    <a:ext uri="{9D8B030D-6E8A-4147-A177-3AD203B41FA5}">
+                      <a16:colId xmlns:a16="http://schemas.microsoft.com/office/drawing/2014/main" val="1978353106"/>
+                    </a:ext>
+                  </a:extLst>
+                </a:gridCol>
+                <a:gridCol w="1553270">
+                  <a:extLst>
+                    <a:ext uri="{9D8B030D-6E8A-4147-A177-3AD203B41FA5}">
+                      <a16:colId xmlns:a16="http://schemas.microsoft.com/office/drawing/2014/main" val="1530916936"/>
+                    </a:ext>
+                  </a:extLst>
+                </a:gridCol>
+                <a:gridCol w="1553270">
+                  <a:extLst>
+                    <a:ext uri="{9D8B030D-6E8A-4147-A177-3AD203B41FA5}">
+                      <a16:colId xmlns:a16="http://schemas.microsoft.com/office/drawing/2014/main" val="1528737708"/>
+                    </a:ext>
+                  </a:extLst>
+                </a:gridCol>
+              </a:tblGrid>
+              <a:tr h="325809">
+                <a:tc>
+                  <a:txBody>
+                    <a:bodyPr/>
+                    <a:lstStyle/>
+                    <a:p>
+                      <a:r>
+                        <a:rPr lang="en-US" sz="1600" b="0" dirty="0">
+                          <a:solidFill>
+                            <a:schemeClr val="tx1">
+                              <a:lumMod val="95000"/>
+                              <a:lumOff val="5000"/>
+                            </a:schemeClr>
+                          </a:solidFill>
+                        </a:rPr>
+                        <a:t>Book1    </a:t>
+                      </a:r>
+                    </a:p>
+                  </a:txBody>
+                  <a:tcPr>
+                    <a:solidFill>
+                      <a:schemeClr val="bg2"/>
+                    </a:solidFill>
+                  </a:tcPr>
+                </a:tc>
+                <a:tc>
+                  <a:txBody>
+                    <a:bodyPr/>
+                    <a:lstStyle/>
+                    <a:p>
+                      <a:r>
+                        <a:rPr lang="en-US" sz="1600" b="0" dirty="0">
+                          <a:solidFill>
+                            <a:schemeClr val="tx1">
+                              <a:lumMod val="95000"/>
+                              <a:lumOff val="5000"/>
+                            </a:schemeClr>
+                          </a:solidFill>
+                        </a:rPr>
+                        <a:t>Author1</a:t>
+                      </a:r>
+                    </a:p>
+                  </a:txBody>
+                  <a:tcPr>
+                    <a:solidFill>
+                      <a:schemeClr val="bg2"/>
+                    </a:solidFill>
+                  </a:tcPr>
+                </a:tc>
+                <a:tc>
+                  <a:txBody>
+                    <a:bodyPr/>
+                    <a:lstStyle/>
+                    <a:p>
+                      <a:r>
+                        <a:rPr lang="en-US" sz="1600" dirty="0">
+                          <a:solidFill>
+                            <a:schemeClr val="tx1">
+                              <a:lumMod val="95000"/>
+                              <a:lumOff val="5000"/>
+                            </a:schemeClr>
+                          </a:solidFill>
+                        </a:rPr>
+                        <a:t>       </a:t>
+                      </a:r>
+                      <a:r>
+                        <a:rPr lang="en-US" sz="1600" b="0" dirty="0">
+                          <a:solidFill>
+                            <a:schemeClr val="tx1">
+                              <a:lumMod val="95000"/>
+                              <a:lumOff val="5000"/>
+                            </a:schemeClr>
+                          </a:solidFill>
+                        </a:rPr>
+                        <a:t>Availability</a:t>
+                      </a:r>
+                    </a:p>
+                  </a:txBody>
+                  <a:tcPr>
+                    <a:solidFill>
+                      <a:schemeClr val="bg2"/>
+                    </a:solidFill>
+                  </a:tcPr>
+                </a:tc>
+                <a:tc>
+                  <a:txBody>
+                    <a:bodyPr/>
+                    <a:lstStyle/>
+                    <a:p>
+                      <a:r>
+                        <a:rPr lang="en-US" sz="1600" b="0" dirty="0">
+                          <a:solidFill>
+                            <a:schemeClr val="tx1">
+                              <a:lumMod val="95000"/>
+                              <a:lumOff val="5000"/>
+                            </a:schemeClr>
+                          </a:solidFill>
+                        </a:rPr>
+                        <a:t>      Edit</a:t>
+                      </a:r>
+                    </a:p>
+                  </a:txBody>
+                  <a:tcPr>
+                    <a:solidFill>
+                      <a:schemeClr val="bg2"/>
+                    </a:solidFill>
+                  </a:tcPr>
+                </a:tc>
+                <a:tc>
+                  <a:txBody>
+                    <a:bodyPr/>
+                    <a:lstStyle/>
+                    <a:p>
+                      <a:r>
+                        <a:rPr lang="en-US" sz="1600" b="0" dirty="0">
+                          <a:solidFill>
+                            <a:schemeClr val="tx1">
+                              <a:lumMod val="95000"/>
+                              <a:lumOff val="5000"/>
+                            </a:schemeClr>
+                          </a:solidFill>
+                        </a:rPr>
+                        <a:t>     Delete</a:t>
+                      </a:r>
+                    </a:p>
+                  </a:txBody>
+                  <a:tcPr>
+                    <a:solidFill>
+                      <a:schemeClr val="bg2"/>
+                    </a:solidFill>
+                  </a:tcPr>
+                </a:tc>
+                <a:extLst>
+                  <a:ext uri="{0D108BD9-81ED-4DB2-BD59-A6C34878D82A}">
+                    <a16:rowId xmlns:a16="http://schemas.microsoft.com/office/drawing/2014/main" val="2659696231"/>
+                  </a:ext>
+                </a:extLst>
+              </a:tr>
+              <a:tr h="325809">
+                <a:tc>
+                  <a:txBody>
+                    <a:bodyPr/>
+                    <a:lstStyle/>
+                    <a:p>
+                      <a:r>
+                        <a:rPr lang="en-US" sz="1600" b="0" dirty="0">
+                          <a:solidFill>
+                            <a:schemeClr val="tx1">
+                              <a:lumMod val="95000"/>
+                              <a:lumOff val="5000"/>
+                            </a:schemeClr>
+                          </a:solidFill>
+                        </a:rPr>
+                        <a:t>Book2</a:t>
+                      </a:r>
+                    </a:p>
+                  </a:txBody>
+                  <a:tcPr>
+                    <a:solidFill>
+                      <a:schemeClr val="bg2"/>
+                    </a:solidFill>
+                  </a:tcPr>
+                </a:tc>
+                <a:tc>
+                  <a:txBody>
+                    <a:bodyPr/>
+                    <a:lstStyle/>
+                    <a:p>
+                      <a:r>
+                        <a:rPr lang="en-US" sz="1600" b="0" dirty="0">
+                          <a:solidFill>
+                            <a:schemeClr val="tx1">
+                              <a:lumMod val="95000"/>
+                              <a:lumOff val="5000"/>
+                            </a:schemeClr>
+                          </a:solidFill>
+                        </a:rPr>
+                        <a:t>Author2</a:t>
+                      </a:r>
+                    </a:p>
+                  </a:txBody>
+                  <a:tcPr>
+                    <a:solidFill>
+                      <a:schemeClr val="bg2"/>
+                    </a:solidFill>
+                  </a:tcPr>
+                </a:tc>
+                <a:tc>
+                  <a:txBody>
+                    <a:bodyPr/>
+                    <a:lstStyle/>
+                    <a:p>
+                      <a:r>
+                        <a:rPr lang="en-US" sz="1600" b="0" dirty="0">
+                          <a:solidFill>
+                            <a:schemeClr val="tx1">
+                              <a:lumMod val="95000"/>
+                              <a:lumOff val="5000"/>
+                            </a:schemeClr>
+                          </a:solidFill>
+                        </a:rPr>
+                        <a:t>       Availability</a:t>
+                      </a:r>
+                      <a:endParaRPr lang="en-US" sz="1600" dirty="0">
+                        <a:solidFill>
+                          <a:schemeClr val="tx1">
+                            <a:lumMod val="95000"/>
+                            <a:lumOff val="5000"/>
+                          </a:schemeClr>
+                        </a:solidFill>
+                      </a:endParaRPr>
+                    </a:p>
+                  </a:txBody>
+                  <a:tcPr>
+                    <a:solidFill>
+                      <a:schemeClr val="bg2"/>
+                    </a:solidFill>
+                  </a:tcPr>
+                </a:tc>
+                <a:tc>
+                  <a:txBody>
+                    <a:bodyPr/>
+                    <a:lstStyle/>
+                    <a:p>
+                      <a:r>
+                        <a:rPr lang="en-US" sz="1600" b="0" dirty="0">
+                          <a:solidFill>
+                            <a:schemeClr val="tx1">
+                              <a:lumMod val="95000"/>
+                              <a:lumOff val="5000"/>
+                            </a:schemeClr>
+                          </a:solidFill>
+                        </a:rPr>
+                        <a:t>      Edit</a:t>
+                      </a:r>
+                    </a:p>
+                  </a:txBody>
+                  <a:tcPr>
+                    <a:solidFill>
+                      <a:schemeClr val="bg2"/>
+                    </a:solidFill>
+                  </a:tcPr>
+                </a:tc>
+                <a:tc>
+                  <a:txBody>
+                    <a:bodyPr/>
+                    <a:lstStyle/>
+                    <a:p>
+                      <a:r>
+                        <a:rPr lang="en-US" sz="1600" b="0" dirty="0">
+                          <a:solidFill>
+                            <a:schemeClr val="tx1">
+                              <a:lumMod val="95000"/>
+                              <a:lumOff val="5000"/>
+                            </a:schemeClr>
+                          </a:solidFill>
+                        </a:rPr>
+                        <a:t>     Delete</a:t>
+                      </a:r>
+                    </a:p>
+                  </a:txBody>
+                  <a:tcPr>
+                    <a:solidFill>
+                      <a:schemeClr val="bg2"/>
+                    </a:solidFill>
+                  </a:tcPr>
+                </a:tc>
+                <a:extLst>
+                  <a:ext uri="{0D108BD9-81ED-4DB2-BD59-A6C34878D82A}">
+                    <a16:rowId xmlns:a16="http://schemas.microsoft.com/office/drawing/2014/main" val="2663844818"/>
+                  </a:ext>
+                </a:extLst>
+              </a:tr>
+            </a:tbl>
+          </a:graphicData>
+        </a:graphic>
+      </p:graphicFrame>
+      <p:pic>
+        <p:nvPicPr>
+          <p:cNvPr id="14" name="Graphic 13" descr="Toggle outline">
+            <a:extLst>
+              <a:ext uri="{FF2B5EF4-FFF2-40B4-BE49-F238E27FC236}">
+                <a16:creationId xmlns:a16="http://schemas.microsoft.com/office/drawing/2014/main" id="{6048EAD6-588D-4792-8FB2-F03C38582201}"/>
+              </a:ext>
+            </a:extLst>
+          </p:cNvPr>
+          <p:cNvPicPr>
+            <a:picLocks noChangeAspect="1"/>
+          </p:cNvPicPr>
+          <p:nvPr/>
+        </p:nvPicPr>
+        <p:blipFill>
+          <a:blip r:embed="rId3">
+            <a:extLst>
+              <a:ext uri="{28A0092B-C50C-407E-A947-70E740481C1C}">
+                <a14:useLocalDpi xmlns:a14="http://schemas.microsoft.com/office/drawing/2010/main" val="0"/>
+              </a:ext>
+              <a:ext uri="{96DAC541-7B7A-43D3-8B79-37D633B846F1}">
+                <asvg:svgBlip xmlns:asvg="http://schemas.microsoft.com/office/drawing/2016/SVG/main" r:embed="rId4"/>
+              </a:ext>
+            </a:extLst>
+          </a:blip>
+          <a:stretch>
+            <a:fillRect/>
+          </a:stretch>
+        </p:blipFill>
+        <p:spPr>
+          <a:xfrm>
+            <a:off x="6439162" y="3557806"/>
+            <a:ext cx="307790" cy="307790"/>
+          </a:xfrm>
+          <a:prstGeom prst="rect">
+            <a:avLst/>
+          </a:prstGeom>
+        </p:spPr>
+      </p:pic>
+      <p:pic>
+        <p:nvPicPr>
+          <p:cNvPr id="15" name="Graphic 14" descr="Toggle outline">
+            <a:extLst>
+              <a:ext uri="{FF2B5EF4-FFF2-40B4-BE49-F238E27FC236}">
+                <a16:creationId xmlns:a16="http://schemas.microsoft.com/office/drawing/2014/main" id="{D44E1067-3469-4371-9B6E-48613FDAEC79}"/>
+              </a:ext>
+            </a:extLst>
+          </p:cNvPr>
+          <p:cNvPicPr>
+            <a:picLocks noChangeAspect="1"/>
+          </p:cNvPicPr>
+          <p:nvPr/>
+        </p:nvPicPr>
+        <p:blipFill>
+          <a:blip r:embed="rId3">
+            <a:extLst>
+              <a:ext uri="{28A0092B-C50C-407E-A947-70E740481C1C}">
+                <a14:useLocalDpi xmlns:a14="http://schemas.microsoft.com/office/drawing/2010/main" val="0"/>
+              </a:ext>
+              <a:ext uri="{96DAC541-7B7A-43D3-8B79-37D633B846F1}">
+                <asvg:svgBlip xmlns:asvg="http://schemas.microsoft.com/office/drawing/2016/SVG/main" r:embed="rId4"/>
+              </a:ext>
+            </a:extLst>
+          </a:blip>
+          <a:stretch>
+            <a:fillRect/>
+          </a:stretch>
+        </p:blipFill>
+        <p:spPr>
+          <a:xfrm>
+            <a:off x="6439162" y="3879341"/>
+            <a:ext cx="307790" cy="307790"/>
+          </a:xfrm>
+          <a:prstGeom prst="rect">
+            <a:avLst/>
+          </a:prstGeom>
+        </p:spPr>
+      </p:pic>
+      <p:pic>
+        <p:nvPicPr>
+          <p:cNvPr id="21" name="Graphic 20" descr="Pencil outline">
+            <a:extLst>
+              <a:ext uri="{FF2B5EF4-FFF2-40B4-BE49-F238E27FC236}">
+                <a16:creationId xmlns:a16="http://schemas.microsoft.com/office/drawing/2014/main" id="{8FB77953-FB1B-4449-9577-14E0A885FD1C}"/>
+              </a:ext>
+            </a:extLst>
+          </p:cNvPr>
+          <p:cNvPicPr>
+            <a:picLocks noChangeAspect="1"/>
+          </p:cNvPicPr>
+          <p:nvPr/>
+        </p:nvPicPr>
+        <p:blipFill>
+          <a:blip r:embed="rId5">
+            <a:extLst>
+              <a:ext uri="{28A0092B-C50C-407E-A947-70E740481C1C}">
+                <a14:useLocalDpi xmlns:a14="http://schemas.microsoft.com/office/drawing/2010/main" val="0"/>
+              </a:ext>
+              <a:ext uri="{96DAC541-7B7A-43D3-8B79-37D633B846F1}">
+                <asvg:svgBlip xmlns:asvg="http://schemas.microsoft.com/office/drawing/2016/SVG/main" r:embed="rId6"/>
+              </a:ext>
+            </a:extLst>
+          </a:blip>
+          <a:stretch>
+            <a:fillRect/>
+          </a:stretch>
+        </p:blipFill>
+        <p:spPr>
+          <a:xfrm>
+            <a:off x="7854031" y="3557805"/>
+            <a:ext cx="307791" cy="307791"/>
+          </a:xfrm>
+          <a:prstGeom prst="rect">
+            <a:avLst/>
+          </a:prstGeom>
+        </p:spPr>
+      </p:pic>
+      <p:pic>
+        <p:nvPicPr>
+          <p:cNvPr id="22" name="Graphic 21" descr="Pencil outline">
+            <a:extLst>
+              <a:ext uri="{FF2B5EF4-FFF2-40B4-BE49-F238E27FC236}">
+                <a16:creationId xmlns:a16="http://schemas.microsoft.com/office/drawing/2014/main" id="{CF7AE1CB-0316-4514-A5C5-8AF53A690C2B}"/>
+              </a:ext>
+            </a:extLst>
+          </p:cNvPr>
+          <p:cNvPicPr>
+            <a:picLocks noChangeAspect="1"/>
+          </p:cNvPicPr>
+          <p:nvPr/>
+        </p:nvPicPr>
+        <p:blipFill>
+          <a:blip r:embed="rId5">
+            <a:extLst>
+              <a:ext uri="{28A0092B-C50C-407E-A947-70E740481C1C}">
+                <a14:useLocalDpi xmlns:a14="http://schemas.microsoft.com/office/drawing/2010/main" val="0"/>
+              </a:ext>
+              <a:ext uri="{96DAC541-7B7A-43D3-8B79-37D633B846F1}">
+                <asvg:svgBlip xmlns:asvg="http://schemas.microsoft.com/office/drawing/2016/SVG/main" r:embed="rId6"/>
+              </a:ext>
+            </a:extLst>
+          </a:blip>
+          <a:stretch>
+            <a:fillRect/>
+          </a:stretch>
+        </p:blipFill>
+        <p:spPr>
+          <a:xfrm>
+            <a:off x="7874094" y="3880222"/>
+            <a:ext cx="307791" cy="307791"/>
+          </a:xfrm>
+          <a:prstGeom prst="rect">
+            <a:avLst/>
+          </a:prstGeom>
+        </p:spPr>
+      </p:pic>
+      <p:pic>
+        <p:nvPicPr>
+          <p:cNvPr id="4" name="Graphic 3" descr="Garbage outline">
+            <a:extLst>
+              <a:ext uri="{FF2B5EF4-FFF2-40B4-BE49-F238E27FC236}">
+                <a16:creationId xmlns:a16="http://schemas.microsoft.com/office/drawing/2014/main" id="{BB9DC6C0-29FA-4FBC-BC24-8A7226EAE53B}"/>
+              </a:ext>
+            </a:extLst>
+          </p:cNvPr>
+          <p:cNvPicPr>
+            <a:picLocks noChangeAspect="1"/>
+          </p:cNvPicPr>
+          <p:nvPr/>
+        </p:nvPicPr>
+        <p:blipFill>
+          <a:blip r:embed="rId7">
+            <a:extLst>
+              <a:ext uri="{28A0092B-C50C-407E-A947-70E740481C1C}">
+                <a14:useLocalDpi xmlns:a14="http://schemas.microsoft.com/office/drawing/2010/main" val="0"/>
+              </a:ext>
+              <a:ext uri="{96DAC541-7B7A-43D3-8B79-37D633B846F1}">
+                <asvg:svgBlip xmlns:asvg="http://schemas.microsoft.com/office/drawing/2016/SVG/main" r:embed="rId8"/>
+              </a:ext>
+            </a:extLst>
+          </a:blip>
+          <a:stretch>
+            <a:fillRect/>
+          </a:stretch>
+        </p:blipFill>
+        <p:spPr>
+          <a:xfrm>
+            <a:off x="9427058" y="3577484"/>
+            <a:ext cx="268432" cy="268432"/>
+          </a:xfrm>
+          <a:prstGeom prst="rect">
+            <a:avLst/>
+          </a:prstGeom>
+        </p:spPr>
+      </p:pic>
+      <p:pic>
+        <p:nvPicPr>
+          <p:cNvPr id="16" name="Graphic 15" descr="Garbage outline">
+            <a:extLst>
+              <a:ext uri="{FF2B5EF4-FFF2-40B4-BE49-F238E27FC236}">
+                <a16:creationId xmlns:a16="http://schemas.microsoft.com/office/drawing/2014/main" id="{79EF5534-976D-4248-A10B-A04E280FD128}"/>
+              </a:ext>
+            </a:extLst>
+          </p:cNvPr>
+          <p:cNvPicPr>
+            <a:picLocks noChangeAspect="1"/>
+          </p:cNvPicPr>
+          <p:nvPr/>
+        </p:nvPicPr>
+        <p:blipFill>
+          <a:blip r:embed="rId7">
+            <a:extLst>
+              <a:ext uri="{28A0092B-C50C-407E-A947-70E740481C1C}">
+                <a14:useLocalDpi xmlns:a14="http://schemas.microsoft.com/office/drawing/2010/main" val="0"/>
+              </a:ext>
+              <a:ext uri="{96DAC541-7B7A-43D3-8B79-37D633B846F1}">
+                <asvg:svgBlip xmlns:asvg="http://schemas.microsoft.com/office/drawing/2016/SVG/main" r:embed="rId8"/>
+              </a:ext>
+            </a:extLst>
+          </a:blip>
+          <a:stretch>
+            <a:fillRect/>
+          </a:stretch>
+        </p:blipFill>
+        <p:spPr>
+          <a:xfrm>
+            <a:off x="9447870" y="3899020"/>
+            <a:ext cx="268432" cy="268432"/>
+          </a:xfrm>
+          <a:prstGeom prst="rect">
+            <a:avLst/>
+          </a:prstGeom>
+        </p:spPr>
+      </p:pic>
+      <p:sp>
+        <p:nvSpPr>
+          <p:cNvPr id="23" name="TextBox 22">
+            <a:extLst>
+              <a:ext uri="{FF2B5EF4-FFF2-40B4-BE49-F238E27FC236}">
+                <a16:creationId xmlns:a16="http://schemas.microsoft.com/office/drawing/2014/main" id="{EECDD8B2-CFBB-4687-8DA9-E248E949346A}"/>
+              </a:ext>
+            </a:extLst>
+          </p:cNvPr>
+          <p:cNvSpPr txBox="1"/>
+          <p:nvPr/>
+        </p:nvSpPr>
+        <p:spPr>
+          <a:xfrm>
+            <a:off x="6133792" y="2967119"/>
+            <a:ext cx="2212042" cy="369332"/>
+          </a:xfrm>
+          <a:prstGeom prst="rect">
+            <a:avLst/>
+          </a:prstGeom>
+        </p:spPr>
+        <p:style>
+          <a:lnRef idx="2">
+            <a:schemeClr val="accent3"/>
+          </a:lnRef>
+          <a:fillRef idx="1">
+            <a:schemeClr val="lt1"/>
+          </a:fillRef>
+          <a:effectRef idx="0">
+            <a:schemeClr val="accent3"/>
+          </a:effectRef>
+          <a:fontRef idx="minor">
+            <a:schemeClr val="dk1"/>
+          </a:fontRef>
+        </p:style>
+        <p:txBody>
+          <a:bodyPr wrap="square" rtlCol="0">
+            <a:spAutoFit/>
+          </a:bodyPr>
+          <a:lstStyle/>
+          <a:p>
+            <a:r>
+              <a:rPr lang="en-US" dirty="0"/>
+              <a:t>Requests to me</a:t>
+            </a:r>
+          </a:p>
+        </p:txBody>
+      </p:sp>
+      <p:sp>
+        <p:nvSpPr>
+          <p:cNvPr id="24" name="TextBox 23">
+            <a:extLst>
+              <a:ext uri="{FF2B5EF4-FFF2-40B4-BE49-F238E27FC236}">
+                <a16:creationId xmlns:a16="http://schemas.microsoft.com/office/drawing/2014/main" id="{7AD16E87-113D-4325-9FBC-66CE57073BA2}"/>
+              </a:ext>
+            </a:extLst>
+          </p:cNvPr>
+          <p:cNvSpPr txBox="1"/>
+          <p:nvPr/>
+        </p:nvSpPr>
+        <p:spPr>
+          <a:xfrm>
+            <a:off x="8532625" y="2967119"/>
+            <a:ext cx="2212042" cy="369332"/>
+          </a:xfrm>
+          <a:prstGeom prst="rect">
+            <a:avLst/>
+          </a:prstGeom>
+        </p:spPr>
+        <p:style>
+          <a:lnRef idx="2">
+            <a:schemeClr val="accent3"/>
+          </a:lnRef>
+          <a:fillRef idx="1">
+            <a:schemeClr val="lt1"/>
+          </a:fillRef>
+          <a:effectRef idx="0">
+            <a:schemeClr val="accent3"/>
+          </a:effectRef>
+          <a:fontRef idx="minor">
+            <a:schemeClr val="dk1"/>
+          </a:fontRef>
+        </p:style>
+        <p:txBody>
+          <a:bodyPr wrap="square" rtlCol="0">
+            <a:spAutoFit/>
+          </a:bodyPr>
+          <a:lstStyle/>
+          <a:p>
+            <a:r>
+              <a:rPr lang="en-US" dirty="0"/>
+              <a:t>Requested by me</a:t>
+            </a:r>
+          </a:p>
+        </p:txBody>
+      </p:sp>
+      <p:pic>
+        <p:nvPicPr>
+          <p:cNvPr id="6" name="Graphic 5" descr="Cursor with solid fill">
+            <a:extLst>
+              <a:ext uri="{FF2B5EF4-FFF2-40B4-BE49-F238E27FC236}">
+                <a16:creationId xmlns:a16="http://schemas.microsoft.com/office/drawing/2014/main" id="{2C850383-0AC9-4742-ACD4-F6C2536A1396}"/>
+              </a:ext>
+            </a:extLst>
+          </p:cNvPr>
+          <p:cNvPicPr>
+            <a:picLocks noChangeAspect="1"/>
+          </p:cNvPicPr>
+          <p:nvPr/>
+        </p:nvPicPr>
+        <p:blipFill>
+          <a:blip r:embed="rId9">
+            <a:extLst>
+              <a:ext uri="{28A0092B-C50C-407E-A947-70E740481C1C}">
+                <a14:useLocalDpi xmlns:a14="http://schemas.microsoft.com/office/drawing/2010/main" val="0"/>
+              </a:ext>
+              <a:ext uri="{96DAC541-7B7A-43D3-8B79-37D633B846F1}">
+                <asvg:svgBlip xmlns:asvg="http://schemas.microsoft.com/office/drawing/2016/SVG/main" r:embed="rId10"/>
+              </a:ext>
+            </a:extLst>
+          </a:blip>
+          <a:stretch>
+            <a:fillRect/>
+          </a:stretch>
+        </p:blipFill>
+        <p:spPr>
+          <a:xfrm>
+            <a:off x="10229812" y="3637492"/>
+            <a:ext cx="419138" cy="419138"/>
+          </a:xfrm>
+          <a:prstGeom prst="rect">
+            <a:avLst/>
+          </a:prstGeom>
+        </p:spPr>
+      </p:pic>
+      <p:sp>
+        <p:nvSpPr>
+          <p:cNvPr id="7" name="Rectangle 6">
+            <a:extLst>
+              <a:ext uri="{FF2B5EF4-FFF2-40B4-BE49-F238E27FC236}">
+                <a16:creationId xmlns:a16="http://schemas.microsoft.com/office/drawing/2014/main" id="{B660CED5-9218-4C50-8DE7-A7672824DDCA}"/>
+              </a:ext>
+            </a:extLst>
+          </p:cNvPr>
+          <p:cNvSpPr/>
+          <p:nvPr/>
+        </p:nvSpPr>
+        <p:spPr>
+          <a:xfrm>
+            <a:off x="4595990" y="4422231"/>
+            <a:ext cx="4382909" cy="1608614"/>
+          </a:xfrm>
+          <a:prstGeom prst="rect">
+            <a:avLst/>
+          </a:prstGeom>
+        </p:spPr>
+        <p:style>
+          <a:lnRef idx="3">
+            <a:schemeClr val="lt1"/>
+          </a:lnRef>
+          <a:fillRef idx="1">
+            <a:schemeClr val="accent1"/>
+          </a:fillRef>
+          <a:effectRef idx="1">
+            <a:schemeClr val="accent1"/>
+          </a:effectRef>
+          <a:fontRef idx="minor">
+            <a:schemeClr val="lt1"/>
+          </a:fontRef>
+        </p:style>
+        <p:txBody>
+          <a:bodyPr rtlCol="0" anchor="ctr"/>
+          <a:lstStyle/>
+          <a:p>
+            <a:pPr algn="ctr"/>
+            <a:endParaRPr lang="en-US"/>
+          </a:p>
+        </p:txBody>
+      </p:sp>
+      <p:sp>
+        <p:nvSpPr>
+          <p:cNvPr id="9" name="TextBox 8">
+            <a:extLst>
+              <a:ext uri="{FF2B5EF4-FFF2-40B4-BE49-F238E27FC236}">
+                <a16:creationId xmlns:a16="http://schemas.microsoft.com/office/drawing/2014/main" id="{D5F6C7E4-8F27-499B-A869-02850A53FC5E}"/>
+              </a:ext>
+            </a:extLst>
+          </p:cNvPr>
+          <p:cNvSpPr txBox="1"/>
+          <p:nvPr/>
+        </p:nvSpPr>
+        <p:spPr>
+          <a:xfrm>
+            <a:off x="5453898" y="4812132"/>
+            <a:ext cx="2667094" cy="369332"/>
+          </a:xfrm>
+          <a:prstGeom prst="rect">
+            <a:avLst/>
+          </a:prstGeom>
+          <a:noFill/>
+        </p:spPr>
+        <p:style>
+          <a:lnRef idx="2">
+            <a:schemeClr val="dk1"/>
+          </a:lnRef>
+          <a:fillRef idx="1">
+            <a:schemeClr val="lt1"/>
+          </a:fillRef>
+          <a:effectRef idx="0">
+            <a:schemeClr val="dk1"/>
+          </a:effectRef>
+          <a:fontRef idx="minor">
+            <a:schemeClr val="dk1"/>
+          </a:fontRef>
+        </p:style>
+        <p:txBody>
+          <a:bodyPr wrap="square" rtlCol="0">
+            <a:spAutoFit/>
+          </a:bodyPr>
+          <a:lstStyle/>
+          <a:p>
+            <a:r>
+              <a:rPr lang="en-US" dirty="0"/>
+              <a:t>Book will be deleted </a:t>
+            </a:r>
+          </a:p>
+        </p:txBody>
+      </p:sp>
+      <p:sp>
+        <p:nvSpPr>
+          <p:cNvPr id="10" name="Rectangle: Rounded Corners 9">
+            <a:extLst>
+              <a:ext uri="{FF2B5EF4-FFF2-40B4-BE49-F238E27FC236}">
+                <a16:creationId xmlns:a16="http://schemas.microsoft.com/office/drawing/2014/main" id="{8A6CA86F-4C59-445C-B9BA-E3A54954BBD2}"/>
+              </a:ext>
+            </a:extLst>
+          </p:cNvPr>
+          <p:cNvSpPr/>
+          <p:nvPr/>
+        </p:nvSpPr>
+        <p:spPr>
+          <a:xfrm>
+            <a:off x="5288846" y="5458136"/>
+            <a:ext cx="1060450" cy="347681"/>
+          </a:xfrm>
+          <a:prstGeom prst="roundRect">
+            <a:avLst/>
+          </a:prstGeom>
+        </p:spPr>
+        <p:style>
+          <a:lnRef idx="2">
+            <a:schemeClr val="accent1">
+              <a:shade val="50000"/>
+            </a:schemeClr>
+          </a:lnRef>
+          <a:fillRef idx="1">
+            <a:schemeClr val="accent1"/>
+          </a:fillRef>
+          <a:effectRef idx="0">
+            <a:schemeClr val="accent1"/>
+          </a:effectRef>
+          <a:fontRef idx="minor">
+            <a:schemeClr val="lt1"/>
+          </a:fontRef>
+        </p:style>
+        <p:txBody>
+          <a:bodyPr rtlCol="0" anchor="ctr"/>
+          <a:lstStyle/>
+          <a:p>
+            <a:pPr algn="ctr"/>
+            <a:r>
+              <a:rPr lang="en-US" dirty="0"/>
+              <a:t>OK</a:t>
+            </a:r>
+          </a:p>
+        </p:txBody>
+      </p:sp>
+      <p:sp>
+        <p:nvSpPr>
+          <p:cNvPr id="25" name="Rectangle: Rounded Corners 24">
+            <a:extLst>
+              <a:ext uri="{FF2B5EF4-FFF2-40B4-BE49-F238E27FC236}">
+                <a16:creationId xmlns:a16="http://schemas.microsoft.com/office/drawing/2014/main" id="{4797835A-C2C7-46B7-95CC-0E18DFDDF703}"/>
+              </a:ext>
+            </a:extLst>
+          </p:cNvPr>
+          <p:cNvSpPr/>
+          <p:nvPr/>
+        </p:nvSpPr>
+        <p:spPr>
+          <a:xfrm>
+            <a:off x="7285384" y="5458136"/>
+            <a:ext cx="1060450" cy="347681"/>
+          </a:xfrm>
+          <a:prstGeom prst="roundRect">
+            <a:avLst/>
+          </a:prstGeom>
+        </p:spPr>
+        <p:style>
+          <a:lnRef idx="2">
+            <a:schemeClr val="accent1">
+              <a:shade val="50000"/>
+            </a:schemeClr>
+          </a:lnRef>
+          <a:fillRef idx="1">
+            <a:schemeClr val="accent1"/>
+          </a:fillRef>
+          <a:effectRef idx="0">
+            <a:schemeClr val="accent1"/>
+          </a:effectRef>
+          <a:fontRef idx="minor">
+            <a:schemeClr val="lt1"/>
+          </a:fontRef>
+        </p:style>
+        <p:txBody>
+          <a:bodyPr rtlCol="0" anchor="ctr"/>
+          <a:lstStyle/>
+          <a:p>
+            <a:pPr algn="ctr"/>
+            <a:r>
+              <a:rPr lang="en-US" dirty="0"/>
+              <a:t>Cancel</a:t>
+            </a:r>
+          </a:p>
+        </p:txBody>
+      </p:sp>
+    </p:spTree>
+    <p:extLst>
+      <p:ext uri="{BB962C8B-B14F-4D97-AF65-F5344CB8AC3E}">
+        <p14:creationId xmlns:p14="http://schemas.microsoft.com/office/powerpoint/2010/main" val="909164139"/>
+      </p:ext>
+    </p:extLst>
+  </p:cSld>
+  <p:clrMapOvr>
+    <a:masterClrMapping/>
+  </p:clrMapOvr>
+</p:sld>
+</file>
+
+<file path=ppt/slides/slide11.xml><?xml version="1.0" encoding="utf-8"?>
+<p:sld xmlns:a="http://schemas.openxmlformats.org/drawingml/2006/main" xmlns:r="http://schemas.openxmlformats.org/officeDocument/2006/relationships" xmlns:p="http://schemas.openxmlformats.org/presentationml/2006/main">
+  <p:cSld>
+    <p:spTree>
+      <p:nvGrpSpPr>
+        <p:cNvPr id="1" name=""/>
+        <p:cNvGrpSpPr/>
+        <p:nvPr/>
+      </p:nvGrpSpPr>
+      <p:grpSpPr>
+        <a:xfrm>
+          <a:off x="0" y="0"/>
+          <a:ext cx="0" cy="0"/>
+          <a:chOff x="0" y="0"/>
+          <a:chExt cx="0" cy="0"/>
+        </a:xfrm>
+      </p:grpSpPr>
+      <p:sp>
+        <p:nvSpPr>
+          <p:cNvPr id="2" name="TextBox 1">
+            <a:extLst>
+              <a:ext uri="{FF2B5EF4-FFF2-40B4-BE49-F238E27FC236}">
+                <a16:creationId xmlns:a16="http://schemas.microsoft.com/office/drawing/2014/main" id="{56398C98-165C-4184-84A0-210E5516BA72}"/>
+              </a:ext>
+            </a:extLst>
+          </p:cNvPr>
+          <p:cNvSpPr txBox="1"/>
+          <p:nvPr/>
+        </p:nvSpPr>
+        <p:spPr>
+          <a:xfrm>
+            <a:off x="603250" y="685800"/>
+            <a:ext cx="1993900" cy="369332"/>
+          </a:xfrm>
+          <a:prstGeom prst="rect">
+            <a:avLst/>
+          </a:prstGeom>
+          <a:noFill/>
+        </p:spPr>
+        <p:txBody>
+          <a:bodyPr wrap="square" rtlCol="0">
+            <a:spAutoFit/>
+          </a:bodyPr>
+          <a:lstStyle/>
+          <a:p>
+            <a:r>
+              <a:rPr lang="en-US" dirty="0"/>
+              <a:t>UC 10 </a:t>
+            </a:r>
+            <a:r>
+              <a:rPr lang="en-CA" sz="1800" b="1" dirty="0">
+                <a:effectLst/>
+                <a:latin typeface="Bookman Old Style" panose="02050604050505020204" pitchFamily="18" charset="0"/>
+                <a:ea typeface="Calibri" panose="020F0502020204030204" pitchFamily="34" charset="0"/>
+                <a:cs typeface="Times New Roman" panose="02020603050405020304" pitchFamily="18" charset="0"/>
+              </a:rPr>
+              <a:t>Sign up</a:t>
+            </a:r>
+            <a:endParaRPr lang="en-US" dirty="0"/>
+          </a:p>
+        </p:txBody>
+      </p:sp>
+      <p:sp>
+        <p:nvSpPr>
+          <p:cNvPr id="3" name="TextBox 2">
+            <a:extLst>
+              <a:ext uri="{FF2B5EF4-FFF2-40B4-BE49-F238E27FC236}">
+                <a16:creationId xmlns:a16="http://schemas.microsoft.com/office/drawing/2014/main" id="{FA40D05C-5F7F-419B-8174-A9543C88925B}"/>
+              </a:ext>
+            </a:extLst>
+          </p:cNvPr>
+          <p:cNvSpPr txBox="1"/>
+          <p:nvPr/>
+        </p:nvSpPr>
+        <p:spPr>
+          <a:xfrm>
+            <a:off x="1257300" y="2787650"/>
+            <a:ext cx="1149674" cy="369332"/>
+          </a:xfrm>
+          <a:prstGeom prst="rect">
+            <a:avLst/>
+          </a:prstGeom>
+          <a:noFill/>
+        </p:spPr>
+        <p:txBody>
+          <a:bodyPr wrap="none" rtlCol="0">
+            <a:spAutoFit/>
+          </a:bodyPr>
+          <a:lstStyle/>
+          <a:p>
+            <a:r>
+              <a:rPr lang="en-US" dirty="0"/>
+              <a:t>Username</a:t>
+            </a:r>
+          </a:p>
+        </p:txBody>
+      </p:sp>
+      <p:sp>
+        <p:nvSpPr>
+          <p:cNvPr id="4" name="TextBox 3">
+            <a:extLst>
+              <a:ext uri="{FF2B5EF4-FFF2-40B4-BE49-F238E27FC236}">
+                <a16:creationId xmlns:a16="http://schemas.microsoft.com/office/drawing/2014/main" id="{E50E7A79-0F62-4B56-9D42-2B24AC144D4E}"/>
+              </a:ext>
+            </a:extLst>
+          </p:cNvPr>
+          <p:cNvSpPr txBox="1"/>
+          <p:nvPr/>
+        </p:nvSpPr>
+        <p:spPr>
+          <a:xfrm>
+            <a:off x="1333500" y="3623965"/>
+            <a:ext cx="697627" cy="369332"/>
+          </a:xfrm>
+          <a:prstGeom prst="rect">
+            <a:avLst/>
+          </a:prstGeom>
+          <a:noFill/>
+        </p:spPr>
+        <p:txBody>
+          <a:bodyPr wrap="none" rtlCol="0">
+            <a:spAutoFit/>
+          </a:bodyPr>
+          <a:lstStyle/>
+          <a:p>
+            <a:r>
+              <a:rPr lang="en-US" dirty="0"/>
+              <a:t>Email</a:t>
+            </a:r>
+          </a:p>
+        </p:txBody>
+      </p:sp>
+      <p:sp>
+        <p:nvSpPr>
+          <p:cNvPr id="5" name="TextBox 4">
+            <a:extLst>
+              <a:ext uri="{FF2B5EF4-FFF2-40B4-BE49-F238E27FC236}">
+                <a16:creationId xmlns:a16="http://schemas.microsoft.com/office/drawing/2014/main" id="{7725653E-87AA-44FF-863D-B68E61BBAF6E}"/>
+              </a:ext>
+            </a:extLst>
+          </p:cNvPr>
+          <p:cNvSpPr txBox="1"/>
+          <p:nvPr/>
+        </p:nvSpPr>
+        <p:spPr>
+          <a:xfrm>
+            <a:off x="1333500" y="4375150"/>
+            <a:ext cx="1070999" cy="369332"/>
+          </a:xfrm>
+          <a:prstGeom prst="rect">
+            <a:avLst/>
+          </a:prstGeom>
+          <a:noFill/>
+        </p:spPr>
+        <p:txBody>
+          <a:bodyPr wrap="none" rtlCol="0">
+            <a:spAutoFit/>
+          </a:bodyPr>
+          <a:lstStyle/>
+          <a:p>
+            <a:r>
+              <a:rPr lang="en-US" dirty="0"/>
+              <a:t>Password</a:t>
+            </a:r>
+          </a:p>
+        </p:txBody>
+      </p:sp>
+      <p:sp>
+        <p:nvSpPr>
+          <p:cNvPr id="7" name="Rectangle: Rounded Corners 6">
+            <a:extLst>
+              <a:ext uri="{FF2B5EF4-FFF2-40B4-BE49-F238E27FC236}">
+                <a16:creationId xmlns:a16="http://schemas.microsoft.com/office/drawing/2014/main" id="{0493F5C6-EE42-4229-9DBF-C84FA7099C61}"/>
+              </a:ext>
+            </a:extLst>
+          </p:cNvPr>
+          <p:cNvSpPr/>
+          <p:nvPr/>
+        </p:nvSpPr>
+        <p:spPr>
+          <a:xfrm>
+            <a:off x="2755900" y="2819916"/>
+            <a:ext cx="5549900" cy="457200"/>
+          </a:xfrm>
+          <a:prstGeom prst="roundRect">
+            <a:avLst/>
+          </a:prstGeom>
+          <a:noFill/>
+        </p:spPr>
+        <p:style>
+          <a:lnRef idx="2">
+            <a:schemeClr val="accent1"/>
+          </a:lnRef>
+          <a:fillRef idx="1">
+            <a:schemeClr val="lt1"/>
+          </a:fillRef>
+          <a:effectRef idx="0">
+            <a:schemeClr val="accent1"/>
+          </a:effectRef>
+          <a:fontRef idx="minor">
+            <a:schemeClr val="dk1"/>
+          </a:fontRef>
+        </p:style>
+        <p:txBody>
+          <a:bodyPr rtlCol="0" anchor="ctr"/>
+          <a:lstStyle/>
+          <a:p>
+            <a:pPr algn="ctr"/>
+            <a:endParaRPr lang="en-US"/>
+          </a:p>
+        </p:txBody>
+      </p:sp>
+      <p:sp>
+        <p:nvSpPr>
+          <p:cNvPr id="8" name="Rectangle: Rounded Corners 7">
+            <a:extLst>
+              <a:ext uri="{FF2B5EF4-FFF2-40B4-BE49-F238E27FC236}">
+                <a16:creationId xmlns:a16="http://schemas.microsoft.com/office/drawing/2014/main" id="{6F7DF4CA-EB11-4917-BF22-94096C16F8D0}"/>
+              </a:ext>
+            </a:extLst>
+          </p:cNvPr>
+          <p:cNvSpPr/>
+          <p:nvPr/>
+        </p:nvSpPr>
+        <p:spPr>
+          <a:xfrm>
+            <a:off x="2755900" y="3547765"/>
+            <a:ext cx="5549900" cy="457200"/>
+          </a:xfrm>
+          <a:prstGeom prst="roundRect">
+            <a:avLst/>
+          </a:prstGeom>
+          <a:noFill/>
+        </p:spPr>
+        <p:style>
+          <a:lnRef idx="2">
+            <a:schemeClr val="accent1"/>
+          </a:lnRef>
+          <a:fillRef idx="1">
+            <a:schemeClr val="lt1"/>
+          </a:fillRef>
+          <a:effectRef idx="0">
+            <a:schemeClr val="accent1"/>
+          </a:effectRef>
+          <a:fontRef idx="minor">
+            <a:schemeClr val="dk1"/>
+          </a:fontRef>
+        </p:style>
+        <p:txBody>
+          <a:bodyPr rtlCol="0" anchor="ctr"/>
+          <a:lstStyle/>
+          <a:p>
+            <a:pPr algn="ctr"/>
+            <a:endParaRPr lang="en-US"/>
+          </a:p>
+        </p:txBody>
+      </p:sp>
+      <p:sp>
+        <p:nvSpPr>
+          <p:cNvPr id="9" name="Rectangle: Rounded Corners 8">
+            <a:extLst>
+              <a:ext uri="{FF2B5EF4-FFF2-40B4-BE49-F238E27FC236}">
+                <a16:creationId xmlns:a16="http://schemas.microsoft.com/office/drawing/2014/main" id="{4ACAC317-C4D6-46CA-8EDD-F7812DE4B95E}"/>
+              </a:ext>
+            </a:extLst>
+          </p:cNvPr>
+          <p:cNvSpPr/>
+          <p:nvPr/>
+        </p:nvSpPr>
+        <p:spPr>
+          <a:xfrm>
+            <a:off x="2755900" y="4287282"/>
+            <a:ext cx="5549900" cy="457200"/>
+          </a:xfrm>
+          <a:prstGeom prst="roundRect">
+            <a:avLst/>
+          </a:prstGeom>
+          <a:noFill/>
+        </p:spPr>
+        <p:style>
+          <a:lnRef idx="2">
+            <a:schemeClr val="accent1"/>
+          </a:lnRef>
+          <a:fillRef idx="1">
+            <a:schemeClr val="lt1"/>
+          </a:fillRef>
+          <a:effectRef idx="0">
+            <a:schemeClr val="accent1"/>
+          </a:effectRef>
+          <a:fontRef idx="minor">
+            <a:schemeClr val="dk1"/>
+          </a:fontRef>
+        </p:style>
+        <p:txBody>
+          <a:bodyPr rtlCol="0" anchor="ctr"/>
+          <a:lstStyle/>
+          <a:p>
+            <a:pPr algn="ctr"/>
+            <a:endParaRPr lang="en-US"/>
+          </a:p>
+        </p:txBody>
+      </p:sp>
+      <p:sp>
+        <p:nvSpPr>
+          <p:cNvPr id="10" name="Rectangle: Rounded Corners 9">
+            <a:extLst>
+              <a:ext uri="{FF2B5EF4-FFF2-40B4-BE49-F238E27FC236}">
+                <a16:creationId xmlns:a16="http://schemas.microsoft.com/office/drawing/2014/main" id="{76C5B915-54E2-4E98-BE9D-9DB058B18CDE}"/>
+              </a:ext>
+            </a:extLst>
+          </p:cNvPr>
+          <p:cNvSpPr/>
+          <p:nvPr/>
+        </p:nvSpPr>
+        <p:spPr>
+          <a:xfrm>
+            <a:off x="5467350" y="5026799"/>
+            <a:ext cx="2838450" cy="457200"/>
+          </a:xfrm>
+          <a:prstGeom prst="roundRect">
+            <a:avLst/>
+          </a:prstGeom>
+        </p:spPr>
+        <p:style>
+          <a:lnRef idx="3">
+            <a:schemeClr val="lt1"/>
+          </a:lnRef>
+          <a:fillRef idx="1">
+            <a:schemeClr val="accent1"/>
+          </a:fillRef>
+          <a:effectRef idx="1">
+            <a:schemeClr val="accent1"/>
+          </a:effectRef>
+          <a:fontRef idx="minor">
+            <a:schemeClr val="lt1"/>
+          </a:fontRef>
+        </p:style>
+        <p:txBody>
+          <a:bodyPr rtlCol="0" anchor="ctr"/>
+          <a:lstStyle/>
+          <a:p>
+            <a:pPr algn="ctr"/>
+            <a:r>
+              <a:rPr lang="en-US" dirty="0"/>
+              <a:t>Sign Up</a:t>
+            </a:r>
+          </a:p>
+        </p:txBody>
+      </p:sp>
+      <p:sp>
+        <p:nvSpPr>
+          <p:cNvPr id="11" name="TextBox 10">
+            <a:extLst>
+              <a:ext uri="{FF2B5EF4-FFF2-40B4-BE49-F238E27FC236}">
+                <a16:creationId xmlns:a16="http://schemas.microsoft.com/office/drawing/2014/main" id="{BDC214C5-1CB1-4C4C-A0D4-A61A75252D5F}"/>
+              </a:ext>
+            </a:extLst>
+          </p:cNvPr>
+          <p:cNvSpPr txBox="1"/>
+          <p:nvPr/>
+        </p:nvSpPr>
+        <p:spPr>
+          <a:xfrm>
+            <a:off x="1257300" y="2007255"/>
+            <a:ext cx="3683000" cy="707886"/>
+          </a:xfrm>
+          <a:prstGeom prst="rect">
+            <a:avLst/>
+          </a:prstGeom>
+          <a:noFill/>
+        </p:spPr>
+        <p:txBody>
+          <a:bodyPr wrap="square" rtlCol="0">
+            <a:spAutoFit/>
+          </a:bodyPr>
+          <a:lstStyle/>
+          <a:p>
+            <a:r>
+              <a:rPr lang="en-US" sz="4000" dirty="0">
+                <a:latin typeface="Bahnschrift Condensed" panose="020B0502040204020203" pitchFamily="34" charset="0"/>
+              </a:rPr>
+              <a:t>Join Better Books</a:t>
+            </a:r>
+          </a:p>
+        </p:txBody>
+      </p:sp>
+    </p:spTree>
+    <p:extLst>
+      <p:ext uri="{BB962C8B-B14F-4D97-AF65-F5344CB8AC3E}">
+        <p14:creationId xmlns:p14="http://schemas.microsoft.com/office/powerpoint/2010/main" val="763324555"/>
+      </p:ext>
+    </p:extLst>
+  </p:cSld>
+  <p:clrMapOvr>
+    <a:masterClrMapping/>
+  </p:clrMapOvr>
+</p:sld>
+</file>
+
+<file path=ppt/slides/slide12.xml><?xml version="1.0" encoding="utf-8"?>
+<p:sld xmlns:a="http://schemas.openxmlformats.org/drawingml/2006/main" xmlns:r="http://schemas.openxmlformats.org/officeDocument/2006/relationships" xmlns:p="http://schemas.openxmlformats.org/presentationml/2006/main">
+  <p:cSld>
+    <p:spTree>
+      <p:nvGrpSpPr>
+        <p:cNvPr id="1" name=""/>
+        <p:cNvGrpSpPr/>
+        <p:nvPr/>
+      </p:nvGrpSpPr>
+      <p:grpSpPr>
+        <a:xfrm>
+          <a:off x="0" y="0"/>
+          <a:ext cx="0" cy="0"/>
+          <a:chOff x="0" y="0"/>
+          <a:chExt cx="0" cy="0"/>
+        </a:xfrm>
+      </p:grpSpPr>
+      <p:sp>
+        <p:nvSpPr>
+          <p:cNvPr id="2" name="TextBox 1">
+            <a:extLst>
+              <a:ext uri="{FF2B5EF4-FFF2-40B4-BE49-F238E27FC236}">
+                <a16:creationId xmlns:a16="http://schemas.microsoft.com/office/drawing/2014/main" id="{56398C98-165C-4184-84A0-210E5516BA72}"/>
+              </a:ext>
+            </a:extLst>
+          </p:cNvPr>
+          <p:cNvSpPr txBox="1"/>
+          <p:nvPr/>
+        </p:nvSpPr>
+        <p:spPr>
+          <a:xfrm>
+            <a:off x="603250" y="685800"/>
+            <a:ext cx="1993900" cy="369332"/>
+          </a:xfrm>
+          <a:prstGeom prst="rect">
+            <a:avLst/>
+          </a:prstGeom>
+          <a:noFill/>
+        </p:spPr>
+        <p:txBody>
+          <a:bodyPr wrap="square" rtlCol="0">
+            <a:spAutoFit/>
+          </a:bodyPr>
+          <a:lstStyle/>
+          <a:p>
+            <a:r>
+              <a:rPr lang="en-US" dirty="0"/>
+              <a:t>UC 11 </a:t>
+            </a:r>
+            <a:r>
+              <a:rPr lang="en-CA" sz="1800" b="1" dirty="0">
+                <a:effectLst/>
+                <a:latin typeface="Bookman Old Style" panose="02050604050505020204" pitchFamily="18" charset="0"/>
+                <a:ea typeface="Calibri" panose="020F0502020204030204" pitchFamily="34" charset="0"/>
+                <a:cs typeface="Times New Roman" panose="02020603050405020304" pitchFamily="18" charset="0"/>
+              </a:rPr>
+              <a:t>Log In</a:t>
+            </a:r>
+            <a:endParaRPr lang="en-US" dirty="0"/>
+          </a:p>
+        </p:txBody>
+      </p:sp>
+      <p:sp>
+        <p:nvSpPr>
+          <p:cNvPr id="4" name="TextBox 3">
+            <a:extLst>
+              <a:ext uri="{FF2B5EF4-FFF2-40B4-BE49-F238E27FC236}">
+                <a16:creationId xmlns:a16="http://schemas.microsoft.com/office/drawing/2014/main" id="{E50E7A79-0F62-4B56-9D42-2B24AC144D4E}"/>
+              </a:ext>
+            </a:extLst>
+          </p:cNvPr>
+          <p:cNvSpPr txBox="1"/>
+          <p:nvPr/>
+        </p:nvSpPr>
+        <p:spPr>
+          <a:xfrm>
+            <a:off x="1251386" y="2976265"/>
+            <a:ext cx="697627" cy="369332"/>
+          </a:xfrm>
+          <a:prstGeom prst="rect">
+            <a:avLst/>
+          </a:prstGeom>
+          <a:noFill/>
+        </p:spPr>
+        <p:txBody>
+          <a:bodyPr wrap="none" rtlCol="0">
+            <a:spAutoFit/>
+          </a:bodyPr>
+          <a:lstStyle/>
+          <a:p>
+            <a:r>
+              <a:rPr lang="en-US" dirty="0"/>
+              <a:t>Email</a:t>
+            </a:r>
+          </a:p>
+        </p:txBody>
+      </p:sp>
+      <p:sp>
+        <p:nvSpPr>
+          <p:cNvPr id="5" name="TextBox 4">
+            <a:extLst>
+              <a:ext uri="{FF2B5EF4-FFF2-40B4-BE49-F238E27FC236}">
+                <a16:creationId xmlns:a16="http://schemas.microsoft.com/office/drawing/2014/main" id="{7725653E-87AA-44FF-863D-B68E61BBAF6E}"/>
+              </a:ext>
+            </a:extLst>
+          </p:cNvPr>
+          <p:cNvSpPr txBox="1"/>
+          <p:nvPr/>
+        </p:nvSpPr>
+        <p:spPr>
+          <a:xfrm>
+            <a:off x="1251386" y="3848100"/>
+            <a:ext cx="1070999" cy="369332"/>
+          </a:xfrm>
+          <a:prstGeom prst="rect">
+            <a:avLst/>
+          </a:prstGeom>
+          <a:noFill/>
+        </p:spPr>
+        <p:txBody>
+          <a:bodyPr wrap="none" rtlCol="0">
+            <a:spAutoFit/>
+          </a:bodyPr>
+          <a:lstStyle/>
+          <a:p>
+            <a:r>
+              <a:rPr lang="en-US" dirty="0"/>
+              <a:t>Password</a:t>
+            </a:r>
+          </a:p>
+        </p:txBody>
+      </p:sp>
+      <p:sp>
+        <p:nvSpPr>
+          <p:cNvPr id="8" name="Rectangle: Rounded Corners 7">
+            <a:extLst>
+              <a:ext uri="{FF2B5EF4-FFF2-40B4-BE49-F238E27FC236}">
+                <a16:creationId xmlns:a16="http://schemas.microsoft.com/office/drawing/2014/main" id="{6F7DF4CA-EB11-4917-BF22-94096C16F8D0}"/>
+              </a:ext>
+            </a:extLst>
+          </p:cNvPr>
+          <p:cNvSpPr/>
+          <p:nvPr/>
+        </p:nvSpPr>
+        <p:spPr>
+          <a:xfrm>
+            <a:off x="2692400" y="2976265"/>
+            <a:ext cx="5549900" cy="457200"/>
+          </a:xfrm>
+          <a:prstGeom prst="roundRect">
+            <a:avLst/>
+          </a:prstGeom>
+          <a:noFill/>
+        </p:spPr>
+        <p:style>
+          <a:lnRef idx="2">
+            <a:schemeClr val="accent1"/>
+          </a:lnRef>
+          <a:fillRef idx="1">
+            <a:schemeClr val="lt1"/>
+          </a:fillRef>
+          <a:effectRef idx="0">
+            <a:schemeClr val="accent1"/>
+          </a:effectRef>
+          <a:fontRef idx="minor">
+            <a:schemeClr val="dk1"/>
+          </a:fontRef>
+        </p:style>
+        <p:txBody>
+          <a:bodyPr rtlCol="0" anchor="ctr"/>
+          <a:lstStyle/>
+          <a:p>
+            <a:pPr algn="ctr"/>
+            <a:endParaRPr lang="en-US"/>
+          </a:p>
+        </p:txBody>
+      </p:sp>
+      <p:sp>
+        <p:nvSpPr>
+          <p:cNvPr id="9" name="Rectangle: Rounded Corners 8">
+            <a:extLst>
+              <a:ext uri="{FF2B5EF4-FFF2-40B4-BE49-F238E27FC236}">
+                <a16:creationId xmlns:a16="http://schemas.microsoft.com/office/drawing/2014/main" id="{4ACAC317-C4D6-46CA-8EDD-F7812DE4B95E}"/>
+              </a:ext>
+            </a:extLst>
+          </p:cNvPr>
+          <p:cNvSpPr/>
+          <p:nvPr/>
+        </p:nvSpPr>
+        <p:spPr>
+          <a:xfrm>
+            <a:off x="2692400" y="3849132"/>
+            <a:ext cx="5549900" cy="457200"/>
+          </a:xfrm>
+          <a:prstGeom prst="roundRect">
+            <a:avLst/>
+          </a:prstGeom>
+          <a:noFill/>
+        </p:spPr>
+        <p:style>
+          <a:lnRef idx="2">
+            <a:schemeClr val="accent1"/>
+          </a:lnRef>
+          <a:fillRef idx="1">
+            <a:schemeClr val="lt1"/>
+          </a:fillRef>
+          <a:effectRef idx="0">
+            <a:schemeClr val="accent1"/>
+          </a:effectRef>
+          <a:fontRef idx="minor">
+            <a:schemeClr val="dk1"/>
+          </a:fontRef>
+        </p:style>
+        <p:txBody>
+          <a:bodyPr rtlCol="0" anchor="ctr"/>
+          <a:lstStyle/>
+          <a:p>
+            <a:pPr algn="ctr"/>
+            <a:endParaRPr lang="en-US"/>
+          </a:p>
+        </p:txBody>
+      </p:sp>
+      <p:sp>
+        <p:nvSpPr>
+          <p:cNvPr id="10" name="Rectangle: Rounded Corners 9">
+            <a:extLst>
+              <a:ext uri="{FF2B5EF4-FFF2-40B4-BE49-F238E27FC236}">
+                <a16:creationId xmlns:a16="http://schemas.microsoft.com/office/drawing/2014/main" id="{76C5B915-54E2-4E98-BE9D-9DB058B18CDE}"/>
+              </a:ext>
+            </a:extLst>
+          </p:cNvPr>
+          <p:cNvSpPr/>
+          <p:nvPr/>
+        </p:nvSpPr>
+        <p:spPr>
+          <a:xfrm>
+            <a:off x="5467350" y="5026799"/>
+            <a:ext cx="2838450" cy="457200"/>
+          </a:xfrm>
+          <a:prstGeom prst="roundRect">
+            <a:avLst/>
+          </a:prstGeom>
+        </p:spPr>
+        <p:style>
+          <a:lnRef idx="3">
+            <a:schemeClr val="lt1"/>
+          </a:lnRef>
+          <a:fillRef idx="1">
+            <a:schemeClr val="accent1"/>
+          </a:fillRef>
+          <a:effectRef idx="1">
+            <a:schemeClr val="accent1"/>
+          </a:effectRef>
+          <a:fontRef idx="minor">
+            <a:schemeClr val="lt1"/>
+          </a:fontRef>
+        </p:style>
+        <p:txBody>
+          <a:bodyPr rtlCol="0" anchor="ctr"/>
+          <a:lstStyle/>
+          <a:p>
+            <a:pPr algn="ctr"/>
+            <a:r>
+              <a:rPr lang="en-US" dirty="0"/>
+              <a:t>Log In</a:t>
+            </a:r>
+          </a:p>
+        </p:txBody>
+      </p:sp>
+      <p:sp>
+        <p:nvSpPr>
+          <p:cNvPr id="6" name="TextBox 5">
+            <a:extLst>
+              <a:ext uri="{FF2B5EF4-FFF2-40B4-BE49-F238E27FC236}">
+                <a16:creationId xmlns:a16="http://schemas.microsoft.com/office/drawing/2014/main" id="{90805ACE-B6D4-455A-AA53-FE64A9E22DB0}"/>
+              </a:ext>
+            </a:extLst>
+          </p:cNvPr>
+          <p:cNvSpPr txBox="1"/>
+          <p:nvPr/>
+        </p:nvSpPr>
+        <p:spPr>
+          <a:xfrm>
+            <a:off x="1251386" y="2119819"/>
+            <a:ext cx="1485464" cy="707886"/>
+          </a:xfrm>
+          <a:prstGeom prst="rect">
+            <a:avLst/>
+          </a:prstGeom>
+          <a:noFill/>
+        </p:spPr>
+        <p:txBody>
+          <a:bodyPr wrap="square" rtlCol="0">
+            <a:spAutoFit/>
+          </a:bodyPr>
+          <a:lstStyle/>
+          <a:p>
+            <a:r>
+              <a:rPr lang="en-US" sz="4000" dirty="0">
+                <a:latin typeface="Bahnschrift Condensed" panose="020B0502040204020203" pitchFamily="34" charset="0"/>
+              </a:rPr>
+              <a:t>Log In</a:t>
+            </a:r>
+          </a:p>
+        </p:txBody>
+      </p:sp>
+    </p:spTree>
+    <p:extLst>
+      <p:ext uri="{BB962C8B-B14F-4D97-AF65-F5344CB8AC3E}">
+        <p14:creationId xmlns:p14="http://schemas.microsoft.com/office/powerpoint/2010/main" val="2273824228"/>
+      </p:ext>
+    </p:extLst>
+  </p:cSld>
+  <p:clrMapOvr>
+    <a:masterClrMapping/>
+  </p:clrMapOvr>
+</p:sld>
+</file>
+
 <file path=ppt/slides/slide2.xml><?xml version="1.0" encoding="utf-8"?>
 <p:sld xmlns:a="http://schemas.openxmlformats.org/drawingml/2006/main" xmlns:r="http://schemas.openxmlformats.org/officeDocument/2006/relationships" xmlns:p="http://schemas.openxmlformats.org/presentationml/2006/main">
   <p:cSld>
@@ -8726,7 +10630,7 @@
         <p:spPr>
           <a:xfrm>
             <a:off x="4814047" y="3429000"/>
-            <a:ext cx="2319617" cy="400110"/>
+            <a:ext cx="1789953" cy="400110"/>
           </a:xfrm>
           <a:prstGeom prst="rect">
             <a:avLst/>
@@ -8784,7 +10688,7 @@
         </p:nvSpPr>
         <p:spPr>
           <a:xfrm>
-            <a:off x="7779124" y="3429000"/>
+            <a:off x="7010774" y="3429000"/>
             <a:ext cx="2319617" cy="400110"/>
           </a:xfrm>
           <a:prstGeom prst="rect">
@@ -9500,8 +11404,8 @@
         </p:nvSpPr>
         <p:spPr>
           <a:xfrm>
-            <a:off x="4706674" y="5781910"/>
-            <a:ext cx="2041301" cy="289774"/>
+            <a:off x="4706674" y="5781909"/>
+            <a:ext cx="2041301" cy="455981"/>
           </a:xfrm>
           <a:prstGeom prst="roundRect">
             <a:avLst/>
@@ -9530,7 +11434,7 @@
             <a:pPr algn="ctr"/>
             <a:r>
               <a:rPr lang="en-US" dirty="0"/>
-              <a:t>Add Book</a:t>
+              <a:t>Save</a:t>
             </a:r>
           </a:p>
         </p:txBody>
@@ -10436,22 +12340,15 @@
           <a:prstGeom prst="roundRect">
             <a:avLst/>
           </a:prstGeom>
-          <a:solidFill>
-            <a:schemeClr val="accent5">
-              <a:lumMod val="75000"/>
-            </a:schemeClr>
-          </a:solidFill>
         </p:spPr>
         <p:style>
-          <a:lnRef idx="2">
-            <a:schemeClr val="accent1">
-              <a:shade val="50000"/>
-            </a:schemeClr>
+          <a:lnRef idx="3">
+            <a:schemeClr val="lt1"/>
           </a:lnRef>
           <a:fillRef idx="1">
             <a:schemeClr val="accent1"/>
           </a:fillRef>
-          <a:effectRef idx="0">
+          <a:effectRef idx="1">
             <a:schemeClr val="accent1"/>
           </a:effectRef>
           <a:fontRef idx="minor">
@@ -10720,7 +12617,7 @@
           <p:nvPr>
             <p:extLst>
               <p:ext uri="{D42A27DB-BD31-4B8C-83A1-F6EECF244321}">
-                <p14:modId xmlns:p14="http://schemas.microsoft.com/office/powerpoint/2010/main" val="2877477398"/>
+                <p14:modId xmlns:p14="http://schemas.microsoft.com/office/powerpoint/2010/main" val="2112870111"/>
               </p:ext>
             </p:extLst>
           </p:nvPr>
@@ -10835,7 +12732,7 @@
                             </a:schemeClr>
                           </a:solidFill>
                         </a:rPr>
-                        <a:t>User name</a:t>
+                        <a:t>Username</a:t>
                       </a:r>
                     </a:p>
                   </a:txBody>
@@ -10962,7 +12859,7 @@
                             </a:schemeClr>
                           </a:solidFill>
                         </a:rPr>
-                        <a:t>User name</a:t>
+                        <a:t>Username</a:t>
                       </a:r>
                     </a:p>
                   </a:txBody>
@@ -11050,24 +12947,19 @@
           <a:prstGeom prst="rect">
             <a:avLst/>
           </a:prstGeom>
-          <a:solidFill>
-            <a:schemeClr val="accent5">
-              <a:lumMod val="75000"/>
-            </a:schemeClr>
-          </a:solidFill>
         </p:spPr>
         <p:style>
-          <a:lnRef idx="2">
-            <a:schemeClr val="accent3"/>
+          <a:lnRef idx="3">
+            <a:schemeClr val="lt1"/>
           </a:lnRef>
           <a:fillRef idx="1">
-            <a:schemeClr val="lt1"/>
+            <a:schemeClr val="accent1"/>
           </a:fillRef>
-          <a:effectRef idx="0">
-            <a:schemeClr val="accent3"/>
+          <a:effectRef idx="1">
+            <a:schemeClr val="accent1"/>
           </a:effectRef>
           <a:fontRef idx="minor">
-            <a:schemeClr val="dk1"/>
+            <a:schemeClr val="lt1"/>
           </a:fontRef>
         </p:style>
         <p:txBody>
@@ -11348,7 +13240,7 @@
         <p:spPr>
           <a:xfrm>
             <a:off x="793376" y="584947"/>
-            <a:ext cx="4746812" cy="376518"/>
+            <a:ext cx="5177120" cy="369332"/>
           </a:xfrm>
           <a:prstGeom prst="rect">
             <a:avLst/>
@@ -11362,9 +13254,23 @@
           <a:lstStyle/>
           <a:p>
             <a:r>
+              <a:rPr lang="en-US" dirty="0"/>
+              <a:t>UC 6</a:t>
+            </a:r>
+            <a:r>
               <a:rPr lang="en-US" b="1" dirty="0"/>
-              <a:t>User Profile 1</a:t>
-            </a:r>
+              <a:t> </a:t>
+            </a:r>
+            <a:r>
+              <a:rPr lang="en-CA" sz="1800" b="1" dirty="0">
+                <a:effectLst/>
+                <a:latin typeface="Bookman Old Style" panose="02050604050505020204" pitchFamily="18" charset="0"/>
+                <a:ea typeface="Calibri" panose="020F0502020204030204" pitchFamily="34" charset="0"/>
+                <a:cs typeface="Times New Roman" panose="02020603050405020304" pitchFamily="18" charset="0"/>
+              </a:rPr>
+              <a:t>Book owner accept the request 1.2a</a:t>
+            </a:r>
+            <a:endParaRPr lang="en-US" b="1" dirty="0"/>
           </a:p>
         </p:txBody>
       </p:sp>
@@ -11456,9 +13362,7 @@
             <a:avLst/>
           </a:prstGeom>
           <a:solidFill>
-            <a:schemeClr val="accent5">
-              <a:lumMod val="75000"/>
-            </a:schemeClr>
+            <a:schemeClr val="bg1"/>
           </a:solidFill>
         </p:spPr>
         <p:style>
@@ -11473,6 +13377,2010 @@
           </a:effectRef>
           <a:fontRef idx="minor">
             <a:schemeClr val="dk1"/>
+          </a:fontRef>
+        </p:style>
+        <p:txBody>
+          <a:bodyPr wrap="square" rtlCol="0">
+            <a:spAutoFit/>
+          </a:bodyPr>
+          <a:lstStyle/>
+          <a:p>
+            <a:r>
+              <a:rPr lang="en-US" dirty="0"/>
+              <a:t>My Books:</a:t>
+            </a:r>
+          </a:p>
+        </p:txBody>
+      </p:sp>
+      <p:graphicFrame>
+        <p:nvGraphicFramePr>
+          <p:cNvPr id="12" name="Table 12">
+            <a:extLst>
+              <a:ext uri="{FF2B5EF4-FFF2-40B4-BE49-F238E27FC236}">
+                <a16:creationId xmlns:a16="http://schemas.microsoft.com/office/drawing/2014/main" id="{53D02EC7-1219-42C2-9969-AB54E675A03E}"/>
+              </a:ext>
+            </a:extLst>
+          </p:cNvPr>
+          <p:cNvGraphicFramePr>
+            <a:graphicFrameLocks noGrp="1"/>
+          </p:cNvGraphicFramePr>
+          <p:nvPr>
+            <p:extLst>
+              <p:ext uri="{D42A27DB-BD31-4B8C-83A1-F6EECF244321}">
+                <p14:modId xmlns:p14="http://schemas.microsoft.com/office/powerpoint/2010/main" val="46789205"/>
+              </p:ext>
+            </p:extLst>
+          </p:nvPr>
+        </p:nvGraphicFramePr>
+        <p:xfrm>
+          <a:off x="3381936" y="3539953"/>
+          <a:ext cx="7583213" cy="670560"/>
+        </p:xfrm>
+        <a:graphic>
+          <a:graphicData uri="http://schemas.openxmlformats.org/drawingml/2006/table">
+            <a:tbl>
+              <a:tblPr firstRow="1" bandRow="1">
+                <a:tableStyleId>{5C22544A-7EE6-4342-B048-85BDC9FD1C3A}</a:tableStyleId>
+              </a:tblPr>
+              <a:tblGrid>
+                <a:gridCol w="1882807">
+                  <a:extLst>
+                    <a:ext uri="{9D8B030D-6E8A-4147-A177-3AD203B41FA5}">
+                      <a16:colId xmlns:a16="http://schemas.microsoft.com/office/drawing/2014/main" val="556389192"/>
+                    </a:ext>
+                  </a:extLst>
+                </a:gridCol>
+                <a:gridCol w="1132165">
+                  <a:extLst>
+                    <a:ext uri="{9D8B030D-6E8A-4147-A177-3AD203B41FA5}">
+                      <a16:colId xmlns:a16="http://schemas.microsoft.com/office/drawing/2014/main" val="3912181672"/>
+                    </a:ext>
+                  </a:extLst>
+                </a:gridCol>
+                <a:gridCol w="1461701">
+                  <a:extLst>
+                    <a:ext uri="{9D8B030D-6E8A-4147-A177-3AD203B41FA5}">
+                      <a16:colId xmlns:a16="http://schemas.microsoft.com/office/drawing/2014/main" val="1978353106"/>
+                    </a:ext>
+                  </a:extLst>
+                </a:gridCol>
+                <a:gridCol w="1553270">
+                  <a:extLst>
+                    <a:ext uri="{9D8B030D-6E8A-4147-A177-3AD203B41FA5}">
+                      <a16:colId xmlns:a16="http://schemas.microsoft.com/office/drawing/2014/main" val="1530916936"/>
+                    </a:ext>
+                  </a:extLst>
+                </a:gridCol>
+                <a:gridCol w="1553270">
+                  <a:extLst>
+                    <a:ext uri="{9D8B030D-6E8A-4147-A177-3AD203B41FA5}">
+                      <a16:colId xmlns:a16="http://schemas.microsoft.com/office/drawing/2014/main" val="1528737708"/>
+                    </a:ext>
+                  </a:extLst>
+                </a:gridCol>
+              </a:tblGrid>
+              <a:tr h="325809">
+                <a:tc>
+                  <a:txBody>
+                    <a:bodyPr/>
+                    <a:lstStyle/>
+                    <a:p>
+                      <a:r>
+                        <a:rPr lang="en-US" sz="1600" b="0" dirty="0">
+                          <a:solidFill>
+                            <a:schemeClr val="tx1">
+                              <a:lumMod val="95000"/>
+                              <a:lumOff val="5000"/>
+                            </a:schemeClr>
+                          </a:solidFill>
+                        </a:rPr>
+                        <a:t>Book1    </a:t>
+                      </a:r>
+                    </a:p>
+                  </a:txBody>
+                  <a:tcPr>
+                    <a:solidFill>
+                      <a:schemeClr val="bg2"/>
+                    </a:solidFill>
+                  </a:tcPr>
+                </a:tc>
+                <a:tc>
+                  <a:txBody>
+                    <a:bodyPr/>
+                    <a:lstStyle/>
+                    <a:p>
+                      <a:r>
+                        <a:rPr lang="en-US" sz="1600" b="0" dirty="0">
+                          <a:solidFill>
+                            <a:schemeClr val="tx1">
+                              <a:lumMod val="95000"/>
+                              <a:lumOff val="5000"/>
+                            </a:schemeClr>
+                          </a:solidFill>
+                        </a:rPr>
+                        <a:t>Author1</a:t>
+                      </a:r>
+                    </a:p>
+                  </a:txBody>
+                  <a:tcPr>
+                    <a:solidFill>
+                      <a:schemeClr val="bg2"/>
+                    </a:solidFill>
+                  </a:tcPr>
+                </a:tc>
+                <a:tc>
+                  <a:txBody>
+                    <a:bodyPr/>
+                    <a:lstStyle/>
+                    <a:p>
+                      <a:r>
+                        <a:rPr lang="en-US" sz="1600" b="1" dirty="0">
+                          <a:solidFill>
+                            <a:schemeClr val="tx1">
+                              <a:lumMod val="95000"/>
+                              <a:lumOff val="5000"/>
+                            </a:schemeClr>
+                          </a:solidFill>
+                        </a:rPr>
+                        <a:t>Jane Summer</a:t>
+                      </a:r>
+                    </a:p>
+                  </a:txBody>
+                  <a:tcPr>
+                    <a:solidFill>
+                      <a:schemeClr val="bg2"/>
+                    </a:solidFill>
+                  </a:tcPr>
+                </a:tc>
+                <a:tc>
+                  <a:txBody>
+                    <a:bodyPr/>
+                    <a:lstStyle/>
+                    <a:p>
+                      <a:r>
+                        <a:rPr lang="en-US" sz="1600" b="0" dirty="0">
+                          <a:solidFill>
+                            <a:schemeClr val="tx1">
+                              <a:lumMod val="95000"/>
+                              <a:lumOff val="5000"/>
+                            </a:schemeClr>
+                          </a:solidFill>
+                        </a:rPr>
+                        <a:t>     Accept</a:t>
+                      </a:r>
+                    </a:p>
+                  </a:txBody>
+                  <a:tcPr>
+                    <a:solidFill>
+                      <a:schemeClr val="bg2"/>
+                    </a:solidFill>
+                  </a:tcPr>
+                </a:tc>
+                <a:tc>
+                  <a:txBody>
+                    <a:bodyPr/>
+                    <a:lstStyle/>
+                    <a:p>
+                      <a:r>
+                        <a:rPr lang="en-US" sz="1600" b="0" dirty="0">
+                          <a:solidFill>
+                            <a:schemeClr val="tx1">
+                              <a:lumMod val="95000"/>
+                              <a:lumOff val="5000"/>
+                            </a:schemeClr>
+                          </a:solidFill>
+                        </a:rPr>
+                        <a:t>     Reject</a:t>
+                      </a:r>
+                    </a:p>
+                  </a:txBody>
+                  <a:tcPr>
+                    <a:solidFill>
+                      <a:schemeClr val="bg2"/>
+                    </a:solidFill>
+                  </a:tcPr>
+                </a:tc>
+                <a:extLst>
+                  <a:ext uri="{0D108BD9-81ED-4DB2-BD59-A6C34878D82A}">
+                    <a16:rowId xmlns:a16="http://schemas.microsoft.com/office/drawing/2014/main" val="2659696231"/>
+                  </a:ext>
+                </a:extLst>
+              </a:tr>
+              <a:tr h="325809">
+                <a:tc>
+                  <a:txBody>
+                    <a:bodyPr/>
+                    <a:lstStyle/>
+                    <a:p>
+                      <a:r>
+                        <a:rPr lang="en-US" sz="1600" b="0" dirty="0">
+                          <a:solidFill>
+                            <a:schemeClr val="tx1">
+                              <a:lumMod val="95000"/>
+                              <a:lumOff val="5000"/>
+                            </a:schemeClr>
+                          </a:solidFill>
+                        </a:rPr>
+                        <a:t>Book2</a:t>
+                      </a:r>
+                    </a:p>
+                  </a:txBody>
+                  <a:tcPr>
+                    <a:solidFill>
+                      <a:schemeClr val="bg2"/>
+                    </a:solidFill>
+                  </a:tcPr>
+                </a:tc>
+                <a:tc>
+                  <a:txBody>
+                    <a:bodyPr/>
+                    <a:lstStyle/>
+                    <a:p>
+                      <a:r>
+                        <a:rPr lang="en-US" sz="1600" b="0" dirty="0">
+                          <a:solidFill>
+                            <a:schemeClr val="tx1">
+                              <a:lumMod val="95000"/>
+                              <a:lumOff val="5000"/>
+                            </a:schemeClr>
+                          </a:solidFill>
+                        </a:rPr>
+                        <a:t>Author2</a:t>
+                      </a:r>
+                    </a:p>
+                  </a:txBody>
+                  <a:tcPr>
+                    <a:solidFill>
+                      <a:schemeClr val="bg2"/>
+                    </a:solidFill>
+                  </a:tcPr>
+                </a:tc>
+                <a:tc>
+                  <a:txBody>
+                    <a:bodyPr/>
+                    <a:lstStyle/>
+                    <a:p>
+                      <a:r>
+                        <a:rPr lang="en-US" sz="1600" dirty="0">
+                          <a:solidFill>
+                            <a:schemeClr val="tx1">
+                              <a:lumMod val="95000"/>
+                              <a:lumOff val="5000"/>
+                            </a:schemeClr>
+                          </a:solidFill>
+                        </a:rPr>
+                        <a:t>Username</a:t>
+                      </a:r>
+                    </a:p>
+                  </a:txBody>
+                  <a:tcPr>
+                    <a:solidFill>
+                      <a:schemeClr val="bg2"/>
+                    </a:solidFill>
+                  </a:tcPr>
+                </a:tc>
+                <a:tc>
+                  <a:txBody>
+                    <a:bodyPr/>
+                    <a:lstStyle/>
+                    <a:p>
+                      <a:r>
+                        <a:rPr lang="en-US" sz="1600" b="0" dirty="0">
+                          <a:solidFill>
+                            <a:schemeClr val="tx1">
+                              <a:lumMod val="95000"/>
+                              <a:lumOff val="5000"/>
+                            </a:schemeClr>
+                          </a:solidFill>
+                        </a:rPr>
+                        <a:t>      Accept</a:t>
+                      </a:r>
+                    </a:p>
+                  </a:txBody>
+                  <a:tcPr>
+                    <a:solidFill>
+                      <a:schemeClr val="bg2"/>
+                    </a:solidFill>
+                  </a:tcPr>
+                </a:tc>
+                <a:tc>
+                  <a:txBody>
+                    <a:bodyPr/>
+                    <a:lstStyle/>
+                    <a:p>
+                      <a:r>
+                        <a:rPr lang="en-US" sz="1600" b="0" dirty="0">
+                          <a:solidFill>
+                            <a:schemeClr val="tx1">
+                              <a:lumMod val="95000"/>
+                              <a:lumOff val="5000"/>
+                            </a:schemeClr>
+                          </a:solidFill>
+                        </a:rPr>
+                        <a:t>     Reject</a:t>
+                      </a:r>
+                    </a:p>
+                  </a:txBody>
+                  <a:tcPr>
+                    <a:solidFill>
+                      <a:schemeClr val="bg2"/>
+                    </a:solidFill>
+                  </a:tcPr>
+                </a:tc>
+                <a:extLst>
+                  <a:ext uri="{0D108BD9-81ED-4DB2-BD59-A6C34878D82A}">
+                    <a16:rowId xmlns:a16="http://schemas.microsoft.com/office/drawing/2014/main" val="2663844818"/>
+                  </a:ext>
+                </a:extLst>
+              </a:tr>
+            </a:tbl>
+          </a:graphicData>
+        </a:graphic>
+      </p:graphicFrame>
+      <p:sp>
+        <p:nvSpPr>
+          <p:cNvPr id="23" name="TextBox 22">
+            <a:extLst>
+              <a:ext uri="{FF2B5EF4-FFF2-40B4-BE49-F238E27FC236}">
+                <a16:creationId xmlns:a16="http://schemas.microsoft.com/office/drawing/2014/main" id="{EECDD8B2-CFBB-4687-8DA9-E248E949346A}"/>
+              </a:ext>
+            </a:extLst>
+          </p:cNvPr>
+          <p:cNvSpPr txBox="1"/>
+          <p:nvPr/>
+        </p:nvSpPr>
+        <p:spPr>
+          <a:xfrm>
+            <a:off x="6133792" y="2967119"/>
+            <a:ext cx="2212042" cy="369332"/>
+          </a:xfrm>
+          <a:prstGeom prst="rect">
+            <a:avLst/>
+          </a:prstGeom>
+        </p:spPr>
+        <p:style>
+          <a:lnRef idx="3">
+            <a:schemeClr val="lt1"/>
+          </a:lnRef>
+          <a:fillRef idx="1">
+            <a:schemeClr val="accent1"/>
+          </a:fillRef>
+          <a:effectRef idx="1">
+            <a:schemeClr val="accent1"/>
+          </a:effectRef>
+          <a:fontRef idx="minor">
+            <a:schemeClr val="lt1"/>
+          </a:fontRef>
+        </p:style>
+        <p:txBody>
+          <a:bodyPr wrap="square" rtlCol="0">
+            <a:spAutoFit/>
+          </a:bodyPr>
+          <a:lstStyle/>
+          <a:p>
+            <a:r>
+              <a:rPr lang="en-US" dirty="0"/>
+              <a:t>Requests to me</a:t>
+            </a:r>
+          </a:p>
+        </p:txBody>
+      </p:sp>
+      <p:sp>
+        <p:nvSpPr>
+          <p:cNvPr id="24" name="TextBox 23">
+            <a:extLst>
+              <a:ext uri="{FF2B5EF4-FFF2-40B4-BE49-F238E27FC236}">
+                <a16:creationId xmlns:a16="http://schemas.microsoft.com/office/drawing/2014/main" id="{7AD16E87-113D-4325-9FBC-66CE57073BA2}"/>
+              </a:ext>
+            </a:extLst>
+          </p:cNvPr>
+          <p:cNvSpPr txBox="1"/>
+          <p:nvPr/>
+        </p:nvSpPr>
+        <p:spPr>
+          <a:xfrm>
+            <a:off x="8532625" y="2967119"/>
+            <a:ext cx="2212042" cy="369332"/>
+          </a:xfrm>
+          <a:prstGeom prst="rect">
+            <a:avLst/>
+          </a:prstGeom>
+        </p:spPr>
+        <p:style>
+          <a:lnRef idx="2">
+            <a:schemeClr val="accent3"/>
+          </a:lnRef>
+          <a:fillRef idx="1">
+            <a:schemeClr val="lt1"/>
+          </a:fillRef>
+          <a:effectRef idx="0">
+            <a:schemeClr val="accent3"/>
+          </a:effectRef>
+          <a:fontRef idx="minor">
+            <a:schemeClr val="dk1"/>
+          </a:fontRef>
+        </p:style>
+        <p:txBody>
+          <a:bodyPr wrap="square" rtlCol="0">
+            <a:spAutoFit/>
+          </a:bodyPr>
+          <a:lstStyle/>
+          <a:p>
+            <a:r>
+              <a:rPr lang="en-US" dirty="0"/>
+              <a:t>Requested by me</a:t>
+            </a:r>
+          </a:p>
+        </p:txBody>
+      </p:sp>
+      <p:pic>
+        <p:nvPicPr>
+          <p:cNvPr id="25" name="Graphic 24" descr="Checkbox Checked outline">
+            <a:extLst>
+              <a:ext uri="{FF2B5EF4-FFF2-40B4-BE49-F238E27FC236}">
+                <a16:creationId xmlns:a16="http://schemas.microsoft.com/office/drawing/2014/main" id="{7FBCEEE7-9F7F-4566-B769-541E48C9C9DE}"/>
+              </a:ext>
+            </a:extLst>
+          </p:cNvPr>
+          <p:cNvPicPr>
+            <a:picLocks noChangeAspect="1"/>
+          </p:cNvPicPr>
+          <p:nvPr/>
+        </p:nvPicPr>
+        <p:blipFill>
+          <a:blip r:embed="rId3">
+            <a:extLst>
+              <a:ext uri="{28A0092B-C50C-407E-A947-70E740481C1C}">
+                <a14:useLocalDpi xmlns:a14="http://schemas.microsoft.com/office/drawing/2010/main" val="0"/>
+              </a:ext>
+              <a:ext uri="{96DAC541-7B7A-43D3-8B79-37D633B846F1}">
+                <asvg:svgBlip xmlns:asvg="http://schemas.microsoft.com/office/drawing/2016/SVG/main" r:embed="rId4"/>
+              </a:ext>
+            </a:extLst>
+          </a:blip>
+          <a:stretch>
+            <a:fillRect/>
+          </a:stretch>
+        </p:blipFill>
+        <p:spPr>
+          <a:xfrm>
+            <a:off x="7874094" y="3552827"/>
+            <a:ext cx="294290" cy="294290"/>
+          </a:xfrm>
+          <a:prstGeom prst="rect">
+            <a:avLst/>
+          </a:prstGeom>
+        </p:spPr>
+      </p:pic>
+      <p:pic>
+        <p:nvPicPr>
+          <p:cNvPr id="26" name="Graphic 25" descr="Checkbox Checked outline">
+            <a:extLst>
+              <a:ext uri="{FF2B5EF4-FFF2-40B4-BE49-F238E27FC236}">
+                <a16:creationId xmlns:a16="http://schemas.microsoft.com/office/drawing/2014/main" id="{E81DEBE0-B1A3-4AD9-85E6-0BF460FB4842}"/>
+              </a:ext>
+            </a:extLst>
+          </p:cNvPr>
+          <p:cNvPicPr>
+            <a:picLocks noChangeAspect="1"/>
+          </p:cNvPicPr>
+          <p:nvPr/>
+        </p:nvPicPr>
+        <p:blipFill>
+          <a:blip r:embed="rId3">
+            <a:extLst>
+              <a:ext uri="{28A0092B-C50C-407E-A947-70E740481C1C}">
+                <a14:useLocalDpi xmlns:a14="http://schemas.microsoft.com/office/drawing/2010/main" val="0"/>
+              </a:ext>
+              <a:ext uri="{96DAC541-7B7A-43D3-8B79-37D633B846F1}">
+                <asvg:svgBlip xmlns:asvg="http://schemas.microsoft.com/office/drawing/2016/SVG/main" r:embed="rId4"/>
+              </a:ext>
+            </a:extLst>
+          </a:blip>
+          <a:stretch>
+            <a:fillRect/>
+          </a:stretch>
+        </p:blipFill>
+        <p:spPr>
+          <a:xfrm>
+            <a:off x="9413860" y="3909485"/>
+            <a:ext cx="294290" cy="294290"/>
+          </a:xfrm>
+          <a:prstGeom prst="rect">
+            <a:avLst/>
+          </a:prstGeom>
+        </p:spPr>
+      </p:pic>
+      <p:sp>
+        <p:nvSpPr>
+          <p:cNvPr id="3" name="Rectangle: Rounded Corners 2">
+            <a:extLst>
+              <a:ext uri="{FF2B5EF4-FFF2-40B4-BE49-F238E27FC236}">
+                <a16:creationId xmlns:a16="http://schemas.microsoft.com/office/drawing/2014/main" id="{7EF8DF10-3182-4252-8CD1-6039B82FD024}"/>
+              </a:ext>
+            </a:extLst>
+          </p:cNvPr>
+          <p:cNvSpPr/>
+          <p:nvPr/>
+        </p:nvSpPr>
+        <p:spPr>
+          <a:xfrm>
+            <a:off x="6437366" y="3606799"/>
+            <a:ext cx="1373134" cy="231551"/>
+          </a:xfrm>
+          <a:prstGeom prst="roundRect">
+            <a:avLst/>
+          </a:prstGeom>
+          <a:noFill/>
+        </p:spPr>
+        <p:style>
+          <a:lnRef idx="2">
+            <a:schemeClr val="accent1"/>
+          </a:lnRef>
+          <a:fillRef idx="1">
+            <a:schemeClr val="lt1"/>
+          </a:fillRef>
+          <a:effectRef idx="0">
+            <a:schemeClr val="accent1"/>
+          </a:effectRef>
+          <a:fontRef idx="minor">
+            <a:schemeClr val="dk1"/>
+          </a:fontRef>
+        </p:style>
+        <p:txBody>
+          <a:bodyPr rtlCol="0" anchor="ctr"/>
+          <a:lstStyle/>
+          <a:p>
+            <a:pPr algn="ctr"/>
+            <a:endParaRPr lang="en-US"/>
+          </a:p>
+        </p:txBody>
+      </p:sp>
+      <p:pic>
+        <p:nvPicPr>
+          <p:cNvPr id="6" name="Graphic 5" descr="Cursor outline">
+            <a:extLst>
+              <a:ext uri="{FF2B5EF4-FFF2-40B4-BE49-F238E27FC236}">
+                <a16:creationId xmlns:a16="http://schemas.microsoft.com/office/drawing/2014/main" id="{D4DD1AC7-9789-400C-BA78-7DF5A8DD0640}"/>
+              </a:ext>
+            </a:extLst>
+          </p:cNvPr>
+          <p:cNvPicPr>
+            <a:picLocks noChangeAspect="1"/>
+          </p:cNvPicPr>
+          <p:nvPr/>
+        </p:nvPicPr>
+        <p:blipFill>
+          <a:blip r:embed="rId5">
+            <a:extLst>
+              <a:ext uri="{28A0092B-C50C-407E-A947-70E740481C1C}">
+                <a14:useLocalDpi xmlns:a14="http://schemas.microsoft.com/office/drawing/2010/main" val="0"/>
+              </a:ext>
+              <a:ext uri="{96DAC541-7B7A-43D3-8B79-37D633B846F1}">
+                <asvg:svgBlip xmlns:asvg="http://schemas.microsoft.com/office/drawing/2016/SVG/main" r:embed="rId6"/>
+              </a:ext>
+            </a:extLst>
+          </a:blip>
+          <a:stretch>
+            <a:fillRect/>
+          </a:stretch>
+        </p:blipFill>
+        <p:spPr>
+          <a:xfrm>
+            <a:off x="7437371" y="3555777"/>
+            <a:ext cx="422413" cy="422413"/>
+          </a:xfrm>
+          <a:prstGeom prst="rect">
+            <a:avLst/>
+          </a:prstGeom>
+        </p:spPr>
+      </p:pic>
+      <p:sp>
+        <p:nvSpPr>
+          <p:cNvPr id="7" name="Rectangle 6">
+            <a:extLst>
+              <a:ext uri="{FF2B5EF4-FFF2-40B4-BE49-F238E27FC236}">
+                <a16:creationId xmlns:a16="http://schemas.microsoft.com/office/drawing/2014/main" id="{91196C39-D436-4615-95B6-E3264CF6D539}"/>
+              </a:ext>
+            </a:extLst>
+          </p:cNvPr>
+          <p:cNvSpPr/>
+          <p:nvPr/>
+        </p:nvSpPr>
+        <p:spPr>
+          <a:xfrm>
+            <a:off x="1383928" y="4265643"/>
+            <a:ext cx="5053438" cy="2154207"/>
+          </a:xfrm>
+          <a:prstGeom prst="rect">
+            <a:avLst/>
+          </a:prstGeom>
+        </p:spPr>
+        <p:style>
+          <a:lnRef idx="3">
+            <a:schemeClr val="lt1"/>
+          </a:lnRef>
+          <a:fillRef idx="1">
+            <a:schemeClr val="accent1"/>
+          </a:fillRef>
+          <a:effectRef idx="1">
+            <a:schemeClr val="accent1"/>
+          </a:effectRef>
+          <a:fontRef idx="minor">
+            <a:schemeClr val="lt1"/>
+          </a:fontRef>
+        </p:style>
+        <p:txBody>
+          <a:bodyPr rtlCol="0" anchor="ctr"/>
+          <a:lstStyle/>
+          <a:p>
+            <a:pPr algn="ctr"/>
+            <a:endParaRPr lang="en-US"/>
+          </a:p>
+        </p:txBody>
+      </p:sp>
+      <p:pic>
+        <p:nvPicPr>
+          <p:cNvPr id="15" name="Picture 14">
+            <a:extLst>
+              <a:ext uri="{FF2B5EF4-FFF2-40B4-BE49-F238E27FC236}">
+                <a16:creationId xmlns:a16="http://schemas.microsoft.com/office/drawing/2014/main" id="{7E959EE8-02BE-4980-95E3-371408CDBD22}"/>
+              </a:ext>
+            </a:extLst>
+          </p:cNvPr>
+          <p:cNvPicPr>
+            <a:picLocks noChangeAspect="1"/>
+          </p:cNvPicPr>
+          <p:nvPr/>
+        </p:nvPicPr>
+        <p:blipFill>
+          <a:blip r:embed="rId2"/>
+          <a:stretch>
+            <a:fillRect/>
+          </a:stretch>
+        </p:blipFill>
+        <p:spPr>
+          <a:xfrm>
+            <a:off x="1694837" y="4517605"/>
+            <a:ext cx="1207113" cy="1223878"/>
+          </a:xfrm>
+          <a:prstGeom prst="rect">
+            <a:avLst/>
+          </a:prstGeom>
+        </p:spPr>
+      </p:pic>
+      <p:sp>
+        <p:nvSpPr>
+          <p:cNvPr id="9" name="TextBox 8">
+            <a:extLst>
+              <a:ext uri="{FF2B5EF4-FFF2-40B4-BE49-F238E27FC236}">
+                <a16:creationId xmlns:a16="http://schemas.microsoft.com/office/drawing/2014/main" id="{2C03C222-199F-47A8-A8C2-4672DED40839}"/>
+              </a:ext>
+            </a:extLst>
+          </p:cNvPr>
+          <p:cNvSpPr txBox="1"/>
+          <p:nvPr/>
+        </p:nvSpPr>
+        <p:spPr>
+          <a:xfrm>
+            <a:off x="3251200" y="4587589"/>
+            <a:ext cx="2288988" cy="369332"/>
+          </a:xfrm>
+          <a:prstGeom prst="rect">
+            <a:avLst/>
+          </a:prstGeom>
+        </p:spPr>
+        <p:style>
+          <a:lnRef idx="2">
+            <a:schemeClr val="accent1">
+              <a:shade val="50000"/>
+            </a:schemeClr>
+          </a:lnRef>
+          <a:fillRef idx="1">
+            <a:schemeClr val="accent1"/>
+          </a:fillRef>
+          <a:effectRef idx="0">
+            <a:schemeClr val="accent1"/>
+          </a:effectRef>
+          <a:fontRef idx="minor">
+            <a:schemeClr val="lt1"/>
+          </a:fontRef>
+        </p:style>
+        <p:txBody>
+          <a:bodyPr wrap="square" rtlCol="0">
+            <a:spAutoFit/>
+          </a:bodyPr>
+          <a:lstStyle/>
+          <a:p>
+            <a:r>
+              <a:rPr lang="en-US" b="1" dirty="0"/>
+              <a:t>Jane Summer</a:t>
+            </a:r>
+          </a:p>
+        </p:txBody>
+      </p:sp>
+      <p:sp>
+        <p:nvSpPr>
+          <p:cNvPr id="10" name="TextBox 9">
+            <a:extLst>
+              <a:ext uri="{FF2B5EF4-FFF2-40B4-BE49-F238E27FC236}">
+                <a16:creationId xmlns:a16="http://schemas.microsoft.com/office/drawing/2014/main" id="{A56D1EE7-C04A-46D1-AB5D-426DE456E68F}"/>
+              </a:ext>
+            </a:extLst>
+          </p:cNvPr>
+          <p:cNvSpPr txBox="1"/>
+          <p:nvPr/>
+        </p:nvSpPr>
+        <p:spPr>
+          <a:xfrm>
+            <a:off x="3251200" y="5169189"/>
+            <a:ext cx="2288988" cy="369332"/>
+          </a:xfrm>
+          <a:prstGeom prst="rect">
+            <a:avLst/>
+          </a:prstGeom>
+        </p:spPr>
+        <p:style>
+          <a:lnRef idx="2">
+            <a:schemeClr val="accent1">
+              <a:shade val="50000"/>
+            </a:schemeClr>
+          </a:lnRef>
+          <a:fillRef idx="1">
+            <a:schemeClr val="accent1"/>
+          </a:fillRef>
+          <a:effectRef idx="0">
+            <a:schemeClr val="accent1"/>
+          </a:effectRef>
+          <a:fontRef idx="minor">
+            <a:schemeClr val="lt1"/>
+          </a:fontRef>
+        </p:style>
+        <p:txBody>
+          <a:bodyPr wrap="square" rtlCol="0">
+            <a:spAutoFit/>
+          </a:bodyPr>
+          <a:lstStyle/>
+          <a:p>
+            <a:r>
+              <a:rPr lang="en-US" dirty="0"/>
+              <a:t>Contact information</a:t>
+            </a:r>
+          </a:p>
+        </p:txBody>
+      </p:sp>
+    </p:spTree>
+    <p:extLst>
+      <p:ext uri="{BB962C8B-B14F-4D97-AF65-F5344CB8AC3E}">
+        <p14:creationId xmlns:p14="http://schemas.microsoft.com/office/powerpoint/2010/main" val="167679750"/>
+      </p:ext>
+    </p:extLst>
+  </p:cSld>
+  <p:clrMapOvr>
+    <a:masterClrMapping/>
+  </p:clrMapOvr>
+</p:sld>
+</file>
+
+<file path=ppt/slides/slide7.xml><?xml version="1.0" encoding="utf-8"?>
+<p:sld xmlns:a="http://schemas.openxmlformats.org/drawingml/2006/main" xmlns:r="http://schemas.openxmlformats.org/officeDocument/2006/relationships" xmlns:p="http://schemas.openxmlformats.org/presentationml/2006/main">
+  <p:cSld>
+    <p:spTree>
+      <p:nvGrpSpPr>
+        <p:cNvPr id="1" name=""/>
+        <p:cNvGrpSpPr/>
+        <p:nvPr/>
+      </p:nvGrpSpPr>
+      <p:grpSpPr>
+        <a:xfrm>
+          <a:off x="0" y="0"/>
+          <a:ext cx="0" cy="0"/>
+          <a:chOff x="0" y="0"/>
+          <a:chExt cx="0" cy="0"/>
+        </a:xfrm>
+      </p:grpSpPr>
+      <p:sp>
+        <p:nvSpPr>
+          <p:cNvPr id="2" name="TextBox 1">
+            <a:extLst>
+              <a:ext uri="{FF2B5EF4-FFF2-40B4-BE49-F238E27FC236}">
+                <a16:creationId xmlns:a16="http://schemas.microsoft.com/office/drawing/2014/main" id="{4960A76E-D00D-4B88-A482-B19C5DE15875}"/>
+              </a:ext>
+            </a:extLst>
+          </p:cNvPr>
+          <p:cNvSpPr txBox="1"/>
+          <p:nvPr/>
+        </p:nvSpPr>
+        <p:spPr>
+          <a:xfrm>
+            <a:off x="793375" y="584947"/>
+            <a:ext cx="5069541" cy="369332"/>
+          </a:xfrm>
+          <a:prstGeom prst="rect">
+            <a:avLst/>
+          </a:prstGeom>
+          <a:noFill/>
+        </p:spPr>
+        <p:txBody>
+          <a:bodyPr wrap="square" rtlCol="0">
+            <a:spAutoFit/>
+          </a:bodyPr>
+          <a:lstStyle/>
+          <a:p>
+            <a:r>
+              <a:rPr lang="en-US" dirty="0"/>
+              <a:t>UC 6</a:t>
+            </a:r>
+            <a:r>
+              <a:rPr lang="en-US" b="1" dirty="0"/>
+              <a:t> </a:t>
+            </a:r>
+            <a:r>
+              <a:rPr lang="en-CA" sz="1800" b="1" dirty="0">
+                <a:effectLst/>
+                <a:latin typeface="Bookman Old Style" panose="02050604050505020204" pitchFamily="18" charset="0"/>
+                <a:ea typeface="Calibri" panose="020F0502020204030204" pitchFamily="34" charset="0"/>
+                <a:cs typeface="Times New Roman" panose="02020603050405020304" pitchFamily="18" charset="0"/>
+              </a:rPr>
+              <a:t>Book owner accept the request 1.2b</a:t>
+            </a:r>
+            <a:endParaRPr lang="en-US" b="1" dirty="0"/>
+          </a:p>
+        </p:txBody>
+      </p:sp>
+      <p:pic>
+        <p:nvPicPr>
+          <p:cNvPr id="5" name="Picture 4">
+            <a:extLst>
+              <a:ext uri="{FF2B5EF4-FFF2-40B4-BE49-F238E27FC236}">
+                <a16:creationId xmlns:a16="http://schemas.microsoft.com/office/drawing/2014/main" id="{AFF90224-2272-4C09-BE91-3FCD89883C38}"/>
+              </a:ext>
+            </a:extLst>
+          </p:cNvPr>
+          <p:cNvPicPr>
+            <a:picLocks noChangeAspect="1"/>
+          </p:cNvPicPr>
+          <p:nvPr/>
+        </p:nvPicPr>
+        <p:blipFill>
+          <a:blip r:embed="rId2"/>
+          <a:stretch>
+            <a:fillRect/>
+          </a:stretch>
+        </p:blipFill>
+        <p:spPr>
+          <a:xfrm>
+            <a:off x="1059837" y="2317270"/>
+            <a:ext cx="2032987" cy="2061222"/>
+          </a:xfrm>
+          <a:prstGeom prst="rect">
+            <a:avLst/>
+          </a:prstGeom>
+        </p:spPr>
+      </p:pic>
+      <p:sp>
+        <p:nvSpPr>
+          <p:cNvPr id="8" name="TextBox 7">
+            <a:extLst>
+              <a:ext uri="{FF2B5EF4-FFF2-40B4-BE49-F238E27FC236}">
+                <a16:creationId xmlns:a16="http://schemas.microsoft.com/office/drawing/2014/main" id="{E504FA9F-CF1F-4717-9C69-27431819458A}"/>
+              </a:ext>
+            </a:extLst>
+          </p:cNvPr>
+          <p:cNvSpPr txBox="1"/>
+          <p:nvPr/>
+        </p:nvSpPr>
+        <p:spPr>
+          <a:xfrm>
+            <a:off x="3650876" y="2423772"/>
+            <a:ext cx="2212041" cy="400110"/>
+          </a:xfrm>
+          <a:prstGeom prst="rect">
+            <a:avLst/>
+          </a:prstGeom>
+          <a:noFill/>
+        </p:spPr>
+        <p:txBody>
+          <a:bodyPr wrap="square" rtlCol="0">
+            <a:spAutoFit/>
+          </a:bodyPr>
+          <a:lstStyle/>
+          <a:p>
+            <a:r>
+              <a:rPr lang="en-US" sz="2000" b="1" dirty="0">
+                <a:latin typeface="Arial Black" panose="020B0A04020102020204" pitchFamily="34" charset="0"/>
+              </a:rPr>
+              <a:t>Anna Spring</a:t>
+            </a:r>
+          </a:p>
+        </p:txBody>
+      </p:sp>
+      <p:sp>
+        <p:nvSpPr>
+          <p:cNvPr id="11" name="TextBox 10">
+            <a:extLst>
+              <a:ext uri="{FF2B5EF4-FFF2-40B4-BE49-F238E27FC236}">
+                <a16:creationId xmlns:a16="http://schemas.microsoft.com/office/drawing/2014/main" id="{4EA9B248-2A96-4512-BCBC-5AADD522AAB8}"/>
+              </a:ext>
+            </a:extLst>
+          </p:cNvPr>
+          <p:cNvSpPr txBox="1"/>
+          <p:nvPr/>
+        </p:nvSpPr>
+        <p:spPr>
+          <a:xfrm>
+            <a:off x="3758454" y="2958353"/>
+            <a:ext cx="2212042" cy="369332"/>
+          </a:xfrm>
+          <a:prstGeom prst="rect">
+            <a:avLst/>
+          </a:prstGeom>
+          <a:solidFill>
+            <a:schemeClr val="bg1"/>
+          </a:solidFill>
+        </p:spPr>
+        <p:style>
+          <a:lnRef idx="2">
+            <a:schemeClr val="accent3"/>
+          </a:lnRef>
+          <a:fillRef idx="1">
+            <a:schemeClr val="lt1"/>
+          </a:fillRef>
+          <a:effectRef idx="0">
+            <a:schemeClr val="accent3"/>
+          </a:effectRef>
+          <a:fontRef idx="minor">
+            <a:schemeClr val="dk1"/>
+          </a:fontRef>
+        </p:style>
+        <p:txBody>
+          <a:bodyPr wrap="square" rtlCol="0">
+            <a:spAutoFit/>
+          </a:bodyPr>
+          <a:lstStyle/>
+          <a:p>
+            <a:r>
+              <a:rPr lang="en-US" dirty="0"/>
+              <a:t>My Books:</a:t>
+            </a:r>
+          </a:p>
+        </p:txBody>
+      </p:sp>
+      <p:graphicFrame>
+        <p:nvGraphicFramePr>
+          <p:cNvPr id="12" name="Table 12">
+            <a:extLst>
+              <a:ext uri="{FF2B5EF4-FFF2-40B4-BE49-F238E27FC236}">
+                <a16:creationId xmlns:a16="http://schemas.microsoft.com/office/drawing/2014/main" id="{53D02EC7-1219-42C2-9969-AB54E675A03E}"/>
+              </a:ext>
+            </a:extLst>
+          </p:cNvPr>
+          <p:cNvGraphicFramePr>
+            <a:graphicFrameLocks noGrp="1"/>
+          </p:cNvGraphicFramePr>
+          <p:nvPr>
+            <p:extLst>
+              <p:ext uri="{D42A27DB-BD31-4B8C-83A1-F6EECF244321}">
+                <p14:modId xmlns:p14="http://schemas.microsoft.com/office/powerpoint/2010/main" val="454376768"/>
+              </p:ext>
+            </p:extLst>
+          </p:nvPr>
+        </p:nvGraphicFramePr>
+        <p:xfrm>
+          <a:off x="3372691" y="3574205"/>
+          <a:ext cx="6090243" cy="670560"/>
+        </p:xfrm>
+        <a:graphic>
+          <a:graphicData uri="http://schemas.openxmlformats.org/drawingml/2006/table">
+            <a:tbl>
+              <a:tblPr firstRow="1" bandRow="1">
+                <a:tableStyleId>{5C22544A-7EE6-4342-B048-85BDC9FD1C3A}</a:tableStyleId>
+              </a:tblPr>
+              <a:tblGrid>
+                <a:gridCol w="1901635">
+                  <a:extLst>
+                    <a:ext uri="{9D8B030D-6E8A-4147-A177-3AD203B41FA5}">
+                      <a16:colId xmlns:a16="http://schemas.microsoft.com/office/drawing/2014/main" val="556389192"/>
+                    </a:ext>
+                  </a:extLst>
+                </a:gridCol>
+                <a:gridCol w="1143487">
+                  <a:extLst>
+                    <a:ext uri="{9D8B030D-6E8A-4147-A177-3AD203B41FA5}">
+                      <a16:colId xmlns:a16="http://schemas.microsoft.com/office/drawing/2014/main" val="3912181672"/>
+                    </a:ext>
+                  </a:extLst>
+                </a:gridCol>
+                <a:gridCol w="1476318">
+                  <a:extLst>
+                    <a:ext uri="{9D8B030D-6E8A-4147-A177-3AD203B41FA5}">
+                      <a16:colId xmlns:a16="http://schemas.microsoft.com/office/drawing/2014/main" val="1978353106"/>
+                    </a:ext>
+                  </a:extLst>
+                </a:gridCol>
+                <a:gridCol w="1568803">
+                  <a:extLst>
+                    <a:ext uri="{9D8B030D-6E8A-4147-A177-3AD203B41FA5}">
+                      <a16:colId xmlns:a16="http://schemas.microsoft.com/office/drawing/2014/main" val="1530916936"/>
+                    </a:ext>
+                  </a:extLst>
+                </a:gridCol>
+              </a:tblGrid>
+              <a:tr h="325809">
+                <a:tc>
+                  <a:txBody>
+                    <a:bodyPr/>
+                    <a:lstStyle/>
+                    <a:p>
+                      <a:r>
+                        <a:rPr lang="en-US" sz="1600" b="0" dirty="0">
+                          <a:solidFill>
+                            <a:schemeClr val="tx1">
+                              <a:lumMod val="95000"/>
+                              <a:lumOff val="5000"/>
+                            </a:schemeClr>
+                          </a:solidFill>
+                        </a:rPr>
+                        <a:t>Book1    </a:t>
+                      </a:r>
+                    </a:p>
+                  </a:txBody>
+                  <a:tcPr marL="92354" marR="92354">
+                    <a:solidFill>
+                      <a:schemeClr val="bg2"/>
+                    </a:solidFill>
+                  </a:tcPr>
+                </a:tc>
+                <a:tc>
+                  <a:txBody>
+                    <a:bodyPr/>
+                    <a:lstStyle/>
+                    <a:p>
+                      <a:r>
+                        <a:rPr lang="en-US" sz="1600" b="0" dirty="0">
+                          <a:solidFill>
+                            <a:schemeClr val="tx1">
+                              <a:lumMod val="95000"/>
+                              <a:lumOff val="5000"/>
+                            </a:schemeClr>
+                          </a:solidFill>
+                        </a:rPr>
+                        <a:t>Author1</a:t>
+                      </a:r>
+                    </a:p>
+                  </a:txBody>
+                  <a:tcPr marL="92354" marR="92354">
+                    <a:solidFill>
+                      <a:schemeClr val="bg2"/>
+                    </a:solidFill>
+                  </a:tcPr>
+                </a:tc>
+                <a:tc>
+                  <a:txBody>
+                    <a:bodyPr/>
+                    <a:lstStyle/>
+                    <a:p>
+                      <a:r>
+                        <a:rPr lang="en-US" sz="1600" b="0" i="1" dirty="0">
+                          <a:solidFill>
+                            <a:schemeClr val="tx1">
+                              <a:lumMod val="50000"/>
+                              <a:lumOff val="50000"/>
+                            </a:schemeClr>
+                          </a:solidFill>
+                        </a:rPr>
+                        <a:t>Book owner</a:t>
+                      </a:r>
+                    </a:p>
+                  </a:txBody>
+                  <a:tcPr marL="92354" marR="92354">
+                    <a:solidFill>
+                      <a:schemeClr val="bg2"/>
+                    </a:solidFill>
+                  </a:tcPr>
+                </a:tc>
+                <a:tc>
+                  <a:txBody>
+                    <a:bodyPr/>
+                    <a:lstStyle/>
+                    <a:p>
+                      <a:r>
+                        <a:rPr lang="en-US" sz="1600" b="0" dirty="0">
+                          <a:solidFill>
+                            <a:schemeClr val="tx1">
+                              <a:lumMod val="95000"/>
+                              <a:lumOff val="5000"/>
+                            </a:schemeClr>
+                          </a:solidFill>
+                        </a:rPr>
+                        <a:t>     Cancelled</a:t>
+                      </a:r>
+                    </a:p>
+                  </a:txBody>
+                  <a:tcPr marL="92354" marR="92354">
+                    <a:solidFill>
+                      <a:schemeClr val="bg2"/>
+                    </a:solidFill>
+                  </a:tcPr>
+                </a:tc>
+                <a:extLst>
+                  <a:ext uri="{0D108BD9-81ED-4DB2-BD59-A6C34878D82A}">
+                    <a16:rowId xmlns:a16="http://schemas.microsoft.com/office/drawing/2014/main" val="2659696231"/>
+                  </a:ext>
+                </a:extLst>
+              </a:tr>
+              <a:tr h="325809">
+                <a:tc>
+                  <a:txBody>
+                    <a:bodyPr/>
+                    <a:lstStyle/>
+                    <a:p>
+                      <a:r>
+                        <a:rPr lang="en-US" sz="1600" b="0" dirty="0">
+                          <a:solidFill>
+                            <a:schemeClr val="tx1">
+                              <a:lumMod val="95000"/>
+                              <a:lumOff val="5000"/>
+                            </a:schemeClr>
+                          </a:solidFill>
+                        </a:rPr>
+                        <a:t>Book2</a:t>
+                      </a:r>
+                    </a:p>
+                  </a:txBody>
+                  <a:tcPr marL="92354" marR="92354">
+                    <a:solidFill>
+                      <a:schemeClr val="bg2"/>
+                    </a:solidFill>
+                  </a:tcPr>
+                </a:tc>
+                <a:tc>
+                  <a:txBody>
+                    <a:bodyPr/>
+                    <a:lstStyle/>
+                    <a:p>
+                      <a:r>
+                        <a:rPr lang="en-US" sz="1600" b="0" dirty="0">
+                          <a:solidFill>
+                            <a:schemeClr val="tx1">
+                              <a:lumMod val="95000"/>
+                              <a:lumOff val="5000"/>
+                            </a:schemeClr>
+                          </a:solidFill>
+                        </a:rPr>
+                        <a:t>Author2</a:t>
+                      </a:r>
+                    </a:p>
+                  </a:txBody>
+                  <a:tcPr marL="92354" marR="92354">
+                    <a:solidFill>
+                      <a:schemeClr val="bg2"/>
+                    </a:solidFill>
+                  </a:tcPr>
+                </a:tc>
+                <a:tc>
+                  <a:txBody>
+                    <a:bodyPr/>
+                    <a:lstStyle/>
+                    <a:p>
+                      <a:r>
+                        <a:rPr lang="en-US" sz="1600" b="0" dirty="0">
+                          <a:solidFill>
+                            <a:schemeClr val="tx1">
+                              <a:lumMod val="95000"/>
+                              <a:lumOff val="5000"/>
+                            </a:schemeClr>
+                          </a:solidFill>
+                        </a:rPr>
+                        <a:t>Book owner</a:t>
+                      </a:r>
+                    </a:p>
+                  </a:txBody>
+                  <a:tcPr marL="92354" marR="92354">
+                    <a:solidFill>
+                      <a:schemeClr val="bg2"/>
+                    </a:solidFill>
+                  </a:tcPr>
+                </a:tc>
+                <a:tc>
+                  <a:txBody>
+                    <a:bodyPr/>
+                    <a:lstStyle/>
+                    <a:p>
+                      <a:r>
+                        <a:rPr lang="en-US" sz="1600" b="0" dirty="0">
+                          <a:solidFill>
+                            <a:schemeClr val="tx1">
+                              <a:lumMod val="95000"/>
+                              <a:lumOff val="5000"/>
+                            </a:schemeClr>
+                          </a:solidFill>
+                        </a:rPr>
+                        <a:t>      Accepted</a:t>
+                      </a:r>
+                    </a:p>
+                  </a:txBody>
+                  <a:tcPr marL="92354" marR="92354">
+                    <a:solidFill>
+                      <a:schemeClr val="bg2"/>
+                    </a:solidFill>
+                  </a:tcPr>
+                </a:tc>
+                <a:extLst>
+                  <a:ext uri="{0D108BD9-81ED-4DB2-BD59-A6C34878D82A}">
+                    <a16:rowId xmlns:a16="http://schemas.microsoft.com/office/drawing/2014/main" val="2663844818"/>
+                  </a:ext>
+                </a:extLst>
+              </a:tr>
+            </a:tbl>
+          </a:graphicData>
+        </a:graphic>
+      </p:graphicFrame>
+      <p:sp>
+        <p:nvSpPr>
+          <p:cNvPr id="23" name="TextBox 22">
+            <a:extLst>
+              <a:ext uri="{FF2B5EF4-FFF2-40B4-BE49-F238E27FC236}">
+                <a16:creationId xmlns:a16="http://schemas.microsoft.com/office/drawing/2014/main" id="{EECDD8B2-CFBB-4687-8DA9-E248E949346A}"/>
+              </a:ext>
+            </a:extLst>
+          </p:cNvPr>
+          <p:cNvSpPr txBox="1"/>
+          <p:nvPr/>
+        </p:nvSpPr>
+        <p:spPr>
+          <a:xfrm>
+            <a:off x="6133792" y="2967119"/>
+            <a:ext cx="2212042" cy="369332"/>
+          </a:xfrm>
+          <a:prstGeom prst="rect">
+            <a:avLst/>
+          </a:prstGeom>
+          <a:solidFill>
+            <a:schemeClr val="bg1"/>
+          </a:solidFill>
+        </p:spPr>
+        <p:style>
+          <a:lnRef idx="2">
+            <a:schemeClr val="accent3"/>
+          </a:lnRef>
+          <a:fillRef idx="1">
+            <a:schemeClr val="lt1"/>
+          </a:fillRef>
+          <a:effectRef idx="0">
+            <a:schemeClr val="accent3"/>
+          </a:effectRef>
+          <a:fontRef idx="minor">
+            <a:schemeClr val="dk1"/>
+          </a:fontRef>
+        </p:style>
+        <p:txBody>
+          <a:bodyPr wrap="square" rtlCol="0">
+            <a:spAutoFit/>
+          </a:bodyPr>
+          <a:lstStyle/>
+          <a:p>
+            <a:r>
+              <a:rPr lang="en-US" dirty="0"/>
+              <a:t>Requests to me</a:t>
+            </a:r>
+          </a:p>
+        </p:txBody>
+      </p:sp>
+      <p:sp>
+        <p:nvSpPr>
+          <p:cNvPr id="24" name="TextBox 23">
+            <a:extLst>
+              <a:ext uri="{FF2B5EF4-FFF2-40B4-BE49-F238E27FC236}">
+                <a16:creationId xmlns:a16="http://schemas.microsoft.com/office/drawing/2014/main" id="{7AD16E87-113D-4325-9FBC-66CE57073BA2}"/>
+              </a:ext>
+            </a:extLst>
+          </p:cNvPr>
+          <p:cNvSpPr txBox="1"/>
+          <p:nvPr/>
+        </p:nvSpPr>
+        <p:spPr>
+          <a:xfrm>
+            <a:off x="8532625" y="2967119"/>
+            <a:ext cx="2212042" cy="369332"/>
+          </a:xfrm>
+          <a:prstGeom prst="rect">
+            <a:avLst/>
+          </a:prstGeom>
+        </p:spPr>
+        <p:style>
+          <a:lnRef idx="3">
+            <a:schemeClr val="lt1"/>
+          </a:lnRef>
+          <a:fillRef idx="1">
+            <a:schemeClr val="accent1"/>
+          </a:fillRef>
+          <a:effectRef idx="1">
+            <a:schemeClr val="accent1"/>
+          </a:effectRef>
+          <a:fontRef idx="minor">
+            <a:schemeClr val="lt1"/>
+          </a:fontRef>
+        </p:style>
+        <p:txBody>
+          <a:bodyPr wrap="square" rtlCol="0">
+            <a:spAutoFit/>
+          </a:bodyPr>
+          <a:lstStyle/>
+          <a:p>
+            <a:r>
+              <a:rPr lang="en-US" dirty="0"/>
+              <a:t>Requested by me</a:t>
+            </a:r>
+          </a:p>
+        </p:txBody>
+      </p:sp>
+      <p:sp>
+        <p:nvSpPr>
+          <p:cNvPr id="3" name="Rectangle: Rounded Corners 2">
+            <a:extLst>
+              <a:ext uri="{FF2B5EF4-FFF2-40B4-BE49-F238E27FC236}">
+                <a16:creationId xmlns:a16="http://schemas.microsoft.com/office/drawing/2014/main" id="{0CF606DA-F209-4C86-A23E-66FC7BBC33CA}"/>
+              </a:ext>
+            </a:extLst>
+          </p:cNvPr>
+          <p:cNvSpPr/>
+          <p:nvPr/>
+        </p:nvSpPr>
+        <p:spPr>
+          <a:xfrm>
+            <a:off x="6470650" y="3981450"/>
+            <a:ext cx="1358900" cy="209550"/>
+          </a:xfrm>
+          <a:prstGeom prst="roundRect">
+            <a:avLst/>
+          </a:prstGeom>
+          <a:noFill/>
+        </p:spPr>
+        <p:style>
+          <a:lnRef idx="2">
+            <a:schemeClr val="accent1"/>
+          </a:lnRef>
+          <a:fillRef idx="1">
+            <a:schemeClr val="lt1"/>
+          </a:fillRef>
+          <a:effectRef idx="0">
+            <a:schemeClr val="accent1"/>
+          </a:effectRef>
+          <a:fontRef idx="minor">
+            <a:schemeClr val="dk1"/>
+          </a:fontRef>
+        </p:style>
+        <p:txBody>
+          <a:bodyPr rtlCol="0" anchor="ctr"/>
+          <a:lstStyle/>
+          <a:p>
+            <a:pPr algn="ctr"/>
+            <a:endParaRPr lang="en-US"/>
+          </a:p>
+        </p:txBody>
+      </p:sp>
+    </p:spTree>
+    <p:extLst>
+      <p:ext uri="{BB962C8B-B14F-4D97-AF65-F5344CB8AC3E}">
+        <p14:creationId xmlns:p14="http://schemas.microsoft.com/office/powerpoint/2010/main" val="4152070897"/>
+      </p:ext>
+    </p:extLst>
+  </p:cSld>
+  <p:clrMapOvr>
+    <a:masterClrMapping/>
+  </p:clrMapOvr>
+</p:sld>
+</file>
+
+<file path=ppt/slides/slide8.xml><?xml version="1.0" encoding="utf-8"?>
+<p:sld xmlns:a="http://schemas.openxmlformats.org/drawingml/2006/main" xmlns:r="http://schemas.openxmlformats.org/officeDocument/2006/relationships" xmlns:p="http://schemas.openxmlformats.org/presentationml/2006/main">
+  <p:cSld>
+    <p:spTree>
+      <p:nvGrpSpPr>
+        <p:cNvPr id="1" name=""/>
+        <p:cNvGrpSpPr/>
+        <p:nvPr/>
+      </p:nvGrpSpPr>
+      <p:grpSpPr>
+        <a:xfrm>
+          <a:off x="0" y="0"/>
+          <a:ext cx="0" cy="0"/>
+          <a:chOff x="0" y="0"/>
+          <a:chExt cx="0" cy="0"/>
+        </a:xfrm>
+      </p:grpSpPr>
+      <p:sp>
+        <p:nvSpPr>
+          <p:cNvPr id="4" name="Rectangle 3">
+            <a:extLst>
+              <a:ext uri="{FF2B5EF4-FFF2-40B4-BE49-F238E27FC236}">
+                <a16:creationId xmlns:a16="http://schemas.microsoft.com/office/drawing/2014/main" id="{CAF8AA44-1C74-4C2D-912E-EE829B099AD0}"/>
+              </a:ext>
+            </a:extLst>
+          </p:cNvPr>
+          <p:cNvSpPr/>
+          <p:nvPr/>
+        </p:nvSpPr>
+        <p:spPr>
+          <a:xfrm>
+            <a:off x="840442" y="2333065"/>
+            <a:ext cx="2884393" cy="3839134"/>
+          </a:xfrm>
+          <a:prstGeom prst="rect">
+            <a:avLst/>
+          </a:prstGeom>
+        </p:spPr>
+        <p:style>
+          <a:lnRef idx="2">
+            <a:schemeClr val="accent1">
+              <a:shade val="50000"/>
+            </a:schemeClr>
+          </a:lnRef>
+          <a:fillRef idx="1">
+            <a:schemeClr val="accent1"/>
+          </a:fillRef>
+          <a:effectRef idx="0">
+            <a:schemeClr val="accent1"/>
+          </a:effectRef>
+          <a:fontRef idx="minor">
+            <a:schemeClr val="lt1"/>
+          </a:fontRef>
+        </p:style>
+        <p:txBody>
+          <a:bodyPr rtlCol="0" anchor="ctr"/>
+          <a:lstStyle/>
+          <a:p>
+            <a:pPr algn="ctr"/>
+            <a:endParaRPr lang="en-US"/>
+          </a:p>
+        </p:txBody>
+      </p:sp>
+      <p:pic>
+        <p:nvPicPr>
+          <p:cNvPr id="6" name="Picture 5">
+            <a:extLst>
+              <a:ext uri="{FF2B5EF4-FFF2-40B4-BE49-F238E27FC236}">
+                <a16:creationId xmlns:a16="http://schemas.microsoft.com/office/drawing/2014/main" id="{DD86E943-0847-4012-A91A-D974F6D440A3}"/>
+              </a:ext>
+            </a:extLst>
+          </p:cNvPr>
+          <p:cNvPicPr>
+            <a:picLocks noChangeAspect="1"/>
+          </p:cNvPicPr>
+          <p:nvPr/>
+        </p:nvPicPr>
+        <p:blipFill>
+          <a:blip r:embed="rId2"/>
+          <a:stretch>
+            <a:fillRect/>
+          </a:stretch>
+        </p:blipFill>
+        <p:spPr>
+          <a:xfrm>
+            <a:off x="840441" y="2333066"/>
+            <a:ext cx="2884393" cy="3858842"/>
+          </a:xfrm>
+          <a:prstGeom prst="rect">
+            <a:avLst/>
+          </a:prstGeom>
+        </p:spPr>
+      </p:pic>
+      <p:sp>
+        <p:nvSpPr>
+          <p:cNvPr id="7" name="TextBox 6">
+            <a:extLst>
+              <a:ext uri="{FF2B5EF4-FFF2-40B4-BE49-F238E27FC236}">
+                <a16:creationId xmlns:a16="http://schemas.microsoft.com/office/drawing/2014/main" id="{B19BF362-E2F5-4DD0-91E3-8D9560F70DC4}"/>
+              </a:ext>
+            </a:extLst>
+          </p:cNvPr>
+          <p:cNvSpPr txBox="1"/>
+          <p:nvPr/>
+        </p:nvSpPr>
+        <p:spPr>
+          <a:xfrm>
+            <a:off x="4652681" y="2333065"/>
+            <a:ext cx="5607424" cy="461665"/>
+          </a:xfrm>
+          <a:prstGeom prst="rect">
+            <a:avLst/>
+          </a:prstGeom>
+          <a:noFill/>
+        </p:spPr>
+        <p:txBody>
+          <a:bodyPr wrap="square" rtlCol="0">
+            <a:spAutoFit/>
+          </a:bodyPr>
+          <a:lstStyle/>
+          <a:p>
+            <a:r>
+              <a:rPr lang="en-US" sz="2400" b="1" dirty="0"/>
+              <a:t>If You Tell </a:t>
+            </a:r>
+          </a:p>
+        </p:txBody>
+      </p:sp>
+      <p:sp>
+        <p:nvSpPr>
+          <p:cNvPr id="8" name="TextBox 7">
+            <a:extLst>
+              <a:ext uri="{FF2B5EF4-FFF2-40B4-BE49-F238E27FC236}">
+                <a16:creationId xmlns:a16="http://schemas.microsoft.com/office/drawing/2014/main" id="{F2633361-30F2-4C51-8AE8-4EC5A39F17E0}"/>
+              </a:ext>
+            </a:extLst>
+          </p:cNvPr>
+          <p:cNvSpPr txBox="1"/>
+          <p:nvPr/>
+        </p:nvSpPr>
+        <p:spPr>
+          <a:xfrm>
+            <a:off x="4716555" y="2875381"/>
+            <a:ext cx="5479677" cy="400110"/>
+          </a:xfrm>
+          <a:prstGeom prst="rect">
+            <a:avLst/>
+          </a:prstGeom>
+          <a:noFill/>
+        </p:spPr>
+        <p:txBody>
+          <a:bodyPr wrap="square" rtlCol="0">
+            <a:spAutoFit/>
+          </a:bodyPr>
+          <a:lstStyle/>
+          <a:p>
+            <a:r>
+              <a:rPr lang="en-US" sz="2000" i="1" dirty="0"/>
+              <a:t>Gregg Olsen</a:t>
+            </a:r>
+          </a:p>
+        </p:txBody>
+      </p:sp>
+      <p:sp>
+        <p:nvSpPr>
+          <p:cNvPr id="10" name="Rectangle 9">
+            <a:extLst>
+              <a:ext uri="{FF2B5EF4-FFF2-40B4-BE49-F238E27FC236}">
+                <a16:creationId xmlns:a16="http://schemas.microsoft.com/office/drawing/2014/main" id="{648D9ED7-0579-4381-9AE2-BBAD65EBD1B3}"/>
+              </a:ext>
+            </a:extLst>
+          </p:cNvPr>
+          <p:cNvSpPr/>
+          <p:nvPr/>
+        </p:nvSpPr>
+        <p:spPr>
+          <a:xfrm>
+            <a:off x="4716555" y="3409950"/>
+            <a:ext cx="2319617" cy="400110"/>
+          </a:xfrm>
+          <a:prstGeom prst="rect">
+            <a:avLst/>
+          </a:prstGeom>
+        </p:spPr>
+        <p:style>
+          <a:lnRef idx="2">
+            <a:schemeClr val="accent6"/>
+          </a:lnRef>
+          <a:fillRef idx="1">
+            <a:schemeClr val="lt1"/>
+          </a:fillRef>
+          <a:effectRef idx="0">
+            <a:schemeClr val="accent6"/>
+          </a:effectRef>
+          <a:fontRef idx="minor">
+            <a:schemeClr val="dk1"/>
+          </a:fontRef>
+        </p:style>
+        <p:txBody>
+          <a:bodyPr rtlCol="0" anchor="ctr"/>
+          <a:lstStyle/>
+          <a:p>
+            <a:r>
+              <a:rPr lang="en-US" dirty="0">
+                <a:ln w="0"/>
+                <a:solidFill>
+                  <a:schemeClr val="tx1"/>
+                </a:solidFill>
+                <a:effectLst>
+                  <a:outerShdw blurRad="38100" dist="19050" dir="2700000" algn="tl" rotWithShape="0">
+                    <a:schemeClr val="dk1">
+                      <a:alpha val="40000"/>
+                    </a:schemeClr>
+                  </a:outerShdw>
+                </a:effectLst>
+              </a:rPr>
+              <a:t>Reviews (0)</a:t>
+            </a:r>
+            <a:endParaRPr lang="en-US" dirty="0"/>
+          </a:p>
+        </p:txBody>
+      </p:sp>
+      <p:sp>
+        <p:nvSpPr>
+          <p:cNvPr id="11" name="TextBox 10">
+            <a:extLst>
+              <a:ext uri="{FF2B5EF4-FFF2-40B4-BE49-F238E27FC236}">
+                <a16:creationId xmlns:a16="http://schemas.microsoft.com/office/drawing/2014/main" id="{32B3B083-99EE-48DA-9027-F0402F229CBC}"/>
+              </a:ext>
+            </a:extLst>
+          </p:cNvPr>
+          <p:cNvSpPr txBox="1"/>
+          <p:nvPr/>
+        </p:nvSpPr>
+        <p:spPr>
+          <a:xfrm>
+            <a:off x="4847665" y="4087179"/>
+            <a:ext cx="2857500" cy="369332"/>
+          </a:xfrm>
+          <a:prstGeom prst="rect">
+            <a:avLst/>
+          </a:prstGeom>
+          <a:noFill/>
+        </p:spPr>
+        <p:txBody>
+          <a:bodyPr wrap="square" rtlCol="0">
+            <a:spAutoFit/>
+          </a:bodyPr>
+          <a:lstStyle/>
+          <a:p>
+            <a:r>
+              <a:rPr lang="en-US" b="1" dirty="0"/>
+              <a:t>Add a written review:</a:t>
+            </a:r>
+          </a:p>
+        </p:txBody>
+      </p:sp>
+      <p:sp>
+        <p:nvSpPr>
+          <p:cNvPr id="13" name="TextBox 12">
+            <a:extLst>
+              <a:ext uri="{FF2B5EF4-FFF2-40B4-BE49-F238E27FC236}">
+                <a16:creationId xmlns:a16="http://schemas.microsoft.com/office/drawing/2014/main" id="{3B549DBA-94F1-4A77-A4E6-14A52268BD74}"/>
+              </a:ext>
+            </a:extLst>
+          </p:cNvPr>
+          <p:cNvSpPr txBox="1"/>
+          <p:nvPr/>
+        </p:nvSpPr>
+        <p:spPr>
+          <a:xfrm>
+            <a:off x="605118" y="652182"/>
+            <a:ext cx="4403911" cy="369332"/>
+          </a:xfrm>
+          <a:prstGeom prst="rect">
+            <a:avLst/>
+          </a:prstGeom>
+          <a:noFill/>
+        </p:spPr>
+        <p:txBody>
+          <a:bodyPr wrap="square" rtlCol="0">
+            <a:spAutoFit/>
+          </a:bodyPr>
+          <a:lstStyle/>
+          <a:p>
+            <a:r>
+              <a:rPr lang="en-US" dirty="0"/>
+              <a:t>UC 7 </a:t>
+            </a:r>
+            <a:r>
+              <a:rPr lang="en-CA" sz="1800" b="1" dirty="0">
+                <a:effectLst/>
+                <a:latin typeface="Bookman Old Style" panose="02050604050505020204" pitchFamily="18" charset="0"/>
+                <a:ea typeface="Calibri" panose="020F0502020204030204" pitchFamily="34" charset="0"/>
+                <a:cs typeface="Times New Roman" panose="02020603050405020304" pitchFamily="18" charset="0"/>
+              </a:rPr>
+              <a:t>Write a review</a:t>
+            </a:r>
+            <a:endParaRPr lang="en-US" dirty="0"/>
+          </a:p>
+        </p:txBody>
+      </p:sp>
+      <p:sp>
+        <p:nvSpPr>
+          <p:cNvPr id="14" name="Rectangle: Rounded Corners 13">
+            <a:extLst>
+              <a:ext uri="{FF2B5EF4-FFF2-40B4-BE49-F238E27FC236}">
+                <a16:creationId xmlns:a16="http://schemas.microsoft.com/office/drawing/2014/main" id="{6F5BC5FA-497F-4826-88D6-907DC2EE2392}"/>
+              </a:ext>
+            </a:extLst>
+          </p:cNvPr>
+          <p:cNvSpPr/>
+          <p:nvPr/>
+        </p:nvSpPr>
+        <p:spPr>
+          <a:xfrm>
+            <a:off x="4820753" y="6007242"/>
+            <a:ext cx="2041301" cy="369331"/>
+          </a:xfrm>
+          <a:prstGeom prst="roundRect">
+            <a:avLst/>
+          </a:prstGeom>
+        </p:spPr>
+        <p:style>
+          <a:lnRef idx="3">
+            <a:schemeClr val="lt1"/>
+          </a:lnRef>
+          <a:fillRef idx="1">
+            <a:schemeClr val="accent1"/>
+          </a:fillRef>
+          <a:effectRef idx="1">
+            <a:schemeClr val="accent1"/>
+          </a:effectRef>
+          <a:fontRef idx="minor">
+            <a:schemeClr val="lt1"/>
+          </a:fontRef>
+        </p:style>
+        <p:txBody>
+          <a:bodyPr rtlCol="0" anchor="ctr"/>
+          <a:lstStyle/>
+          <a:p>
+            <a:pPr algn="ctr"/>
+            <a:r>
+              <a:rPr lang="en-US" dirty="0"/>
+              <a:t>    Submit</a:t>
+            </a:r>
+          </a:p>
+        </p:txBody>
+      </p:sp>
+      <p:sp>
+        <p:nvSpPr>
+          <p:cNvPr id="2" name="Rectangle: Rounded Corners 1">
+            <a:extLst>
+              <a:ext uri="{FF2B5EF4-FFF2-40B4-BE49-F238E27FC236}">
+                <a16:creationId xmlns:a16="http://schemas.microsoft.com/office/drawing/2014/main" id="{553A00B0-04CC-4C9D-AC9B-BD40C58A51F4}"/>
+              </a:ext>
+            </a:extLst>
+          </p:cNvPr>
+          <p:cNvSpPr/>
+          <p:nvPr/>
+        </p:nvSpPr>
+        <p:spPr>
+          <a:xfrm>
+            <a:off x="4311650" y="4456511"/>
+            <a:ext cx="6565900" cy="1423589"/>
+          </a:xfrm>
+          <a:prstGeom prst="roundRect">
+            <a:avLst/>
+          </a:prstGeom>
+          <a:noFill/>
+        </p:spPr>
+        <p:style>
+          <a:lnRef idx="2">
+            <a:schemeClr val="accent1">
+              <a:shade val="50000"/>
+            </a:schemeClr>
+          </a:lnRef>
+          <a:fillRef idx="1">
+            <a:schemeClr val="accent1"/>
+          </a:fillRef>
+          <a:effectRef idx="0">
+            <a:schemeClr val="accent1"/>
+          </a:effectRef>
+          <a:fontRef idx="minor">
+            <a:schemeClr val="lt1"/>
+          </a:fontRef>
+        </p:style>
+        <p:txBody>
+          <a:bodyPr rtlCol="0" anchor="ctr"/>
+          <a:lstStyle/>
+          <a:p>
+            <a:pPr algn="ctr"/>
+            <a:endParaRPr lang="en-US"/>
+          </a:p>
+        </p:txBody>
+      </p:sp>
+      <p:sp>
+        <p:nvSpPr>
+          <p:cNvPr id="3" name="TextBox 2">
+            <a:extLst>
+              <a:ext uri="{FF2B5EF4-FFF2-40B4-BE49-F238E27FC236}">
+                <a16:creationId xmlns:a16="http://schemas.microsoft.com/office/drawing/2014/main" id="{24EFE1D4-C690-45A3-B5EA-C7048833E889}"/>
+              </a:ext>
+            </a:extLst>
+          </p:cNvPr>
+          <p:cNvSpPr txBox="1"/>
+          <p:nvPr/>
+        </p:nvSpPr>
+        <p:spPr>
+          <a:xfrm>
+            <a:off x="4652681" y="4813300"/>
+            <a:ext cx="1188723" cy="369332"/>
+          </a:xfrm>
+          <a:prstGeom prst="rect">
+            <a:avLst/>
+          </a:prstGeom>
+          <a:noFill/>
+        </p:spPr>
+        <p:txBody>
+          <a:bodyPr wrap="none" rtlCol="0">
+            <a:spAutoFit/>
+          </a:bodyPr>
+          <a:lstStyle/>
+          <a:p>
+            <a:r>
+              <a:rPr lang="en-US" i="1" dirty="0">
+                <a:solidFill>
+                  <a:schemeClr val="bg1">
+                    <a:lumMod val="65000"/>
+                  </a:schemeClr>
+                </a:solidFill>
+              </a:rPr>
+              <a:t>Write here</a:t>
+            </a:r>
+          </a:p>
+        </p:txBody>
+      </p:sp>
+    </p:spTree>
+    <p:extLst>
+      <p:ext uri="{BB962C8B-B14F-4D97-AF65-F5344CB8AC3E}">
+        <p14:creationId xmlns:p14="http://schemas.microsoft.com/office/powerpoint/2010/main" val="1825425340"/>
+      </p:ext>
+    </p:extLst>
+  </p:cSld>
+  <p:clrMapOvr>
+    <a:masterClrMapping/>
+  </p:clrMapOvr>
+</p:sld>
+</file>
+
+<file path=ppt/slides/slide9.xml><?xml version="1.0" encoding="utf-8"?>
+<p:sld xmlns:a="http://schemas.openxmlformats.org/drawingml/2006/main" xmlns:r="http://schemas.openxmlformats.org/officeDocument/2006/relationships" xmlns:p="http://schemas.openxmlformats.org/presentationml/2006/main">
+  <p:cSld>
+    <p:spTree>
+      <p:nvGrpSpPr>
+        <p:cNvPr id="1" name=""/>
+        <p:cNvGrpSpPr/>
+        <p:nvPr/>
+      </p:nvGrpSpPr>
+      <p:grpSpPr>
+        <a:xfrm>
+          <a:off x="0" y="0"/>
+          <a:ext cx="0" cy="0"/>
+          <a:chOff x="0" y="0"/>
+          <a:chExt cx="0" cy="0"/>
+        </a:xfrm>
+      </p:grpSpPr>
+      <p:sp>
+        <p:nvSpPr>
+          <p:cNvPr id="2" name="TextBox 1">
+            <a:extLst>
+              <a:ext uri="{FF2B5EF4-FFF2-40B4-BE49-F238E27FC236}">
+                <a16:creationId xmlns:a16="http://schemas.microsoft.com/office/drawing/2014/main" id="{4960A76E-D00D-4B88-A482-B19C5DE15875}"/>
+              </a:ext>
+            </a:extLst>
+          </p:cNvPr>
+          <p:cNvSpPr txBox="1"/>
+          <p:nvPr/>
+        </p:nvSpPr>
+        <p:spPr>
+          <a:xfrm>
+            <a:off x="793376" y="584947"/>
+            <a:ext cx="4746812" cy="376518"/>
+          </a:xfrm>
+          <a:prstGeom prst="rect">
+            <a:avLst/>
+          </a:prstGeom>
+          <a:noFill/>
+        </p:spPr>
+        <p:txBody>
+          <a:bodyPr wrap="square" rtlCol="0">
+            <a:spAutoFit/>
+          </a:bodyPr>
+          <a:lstStyle/>
+          <a:p>
+            <a:r>
+              <a:rPr lang="en-US" dirty="0"/>
+              <a:t>UC 8</a:t>
+            </a:r>
+            <a:r>
+              <a:rPr lang="en-US" b="1" dirty="0"/>
+              <a:t> Edit book</a:t>
+            </a:r>
+          </a:p>
+        </p:txBody>
+      </p:sp>
+      <p:pic>
+        <p:nvPicPr>
+          <p:cNvPr id="5" name="Picture 4">
+            <a:extLst>
+              <a:ext uri="{FF2B5EF4-FFF2-40B4-BE49-F238E27FC236}">
+                <a16:creationId xmlns:a16="http://schemas.microsoft.com/office/drawing/2014/main" id="{AFF90224-2272-4C09-BE91-3FCD89883C38}"/>
+              </a:ext>
+            </a:extLst>
+          </p:cNvPr>
+          <p:cNvPicPr>
+            <a:picLocks noChangeAspect="1"/>
+          </p:cNvPicPr>
+          <p:nvPr/>
+        </p:nvPicPr>
+        <p:blipFill>
+          <a:blip r:embed="rId2"/>
+          <a:stretch>
+            <a:fillRect/>
+          </a:stretch>
+        </p:blipFill>
+        <p:spPr>
+          <a:xfrm>
+            <a:off x="1059837" y="2317270"/>
+            <a:ext cx="2032987" cy="2061222"/>
+          </a:xfrm>
+          <a:prstGeom prst="rect">
+            <a:avLst/>
+          </a:prstGeom>
+        </p:spPr>
+      </p:pic>
+      <p:sp>
+        <p:nvSpPr>
+          <p:cNvPr id="8" name="TextBox 7">
+            <a:extLst>
+              <a:ext uri="{FF2B5EF4-FFF2-40B4-BE49-F238E27FC236}">
+                <a16:creationId xmlns:a16="http://schemas.microsoft.com/office/drawing/2014/main" id="{E504FA9F-CF1F-4717-9C69-27431819458A}"/>
+              </a:ext>
+            </a:extLst>
+          </p:cNvPr>
+          <p:cNvSpPr txBox="1"/>
+          <p:nvPr/>
+        </p:nvSpPr>
+        <p:spPr>
+          <a:xfrm>
+            <a:off x="3650876" y="2423772"/>
+            <a:ext cx="2212041" cy="400110"/>
+          </a:xfrm>
+          <a:prstGeom prst="rect">
+            <a:avLst/>
+          </a:prstGeom>
+          <a:noFill/>
+        </p:spPr>
+        <p:txBody>
+          <a:bodyPr wrap="square" rtlCol="0">
+            <a:spAutoFit/>
+          </a:bodyPr>
+          <a:lstStyle/>
+          <a:p>
+            <a:r>
+              <a:rPr lang="en-US" sz="2000" b="1" dirty="0">
+                <a:latin typeface="Arial Black" panose="020B0A04020102020204" pitchFamily="34" charset="0"/>
+              </a:rPr>
+              <a:t>Anna Spring</a:t>
+            </a:r>
+          </a:p>
+        </p:txBody>
+      </p:sp>
+      <p:sp>
+        <p:nvSpPr>
+          <p:cNvPr id="11" name="TextBox 10">
+            <a:extLst>
+              <a:ext uri="{FF2B5EF4-FFF2-40B4-BE49-F238E27FC236}">
+                <a16:creationId xmlns:a16="http://schemas.microsoft.com/office/drawing/2014/main" id="{4EA9B248-2A96-4512-BCBC-5AADD522AAB8}"/>
+              </a:ext>
+            </a:extLst>
+          </p:cNvPr>
+          <p:cNvSpPr txBox="1"/>
+          <p:nvPr/>
+        </p:nvSpPr>
+        <p:spPr>
+          <a:xfrm>
+            <a:off x="3758454" y="2958353"/>
+            <a:ext cx="2212042" cy="369332"/>
+          </a:xfrm>
+          <a:prstGeom prst="rect">
+            <a:avLst/>
+          </a:prstGeom>
+        </p:spPr>
+        <p:style>
+          <a:lnRef idx="2">
+            <a:schemeClr val="accent1">
+              <a:shade val="50000"/>
+            </a:schemeClr>
+          </a:lnRef>
+          <a:fillRef idx="1">
+            <a:schemeClr val="accent1"/>
+          </a:fillRef>
+          <a:effectRef idx="0">
+            <a:schemeClr val="accent1"/>
+          </a:effectRef>
+          <a:fontRef idx="minor">
+            <a:schemeClr val="lt1"/>
           </a:fontRef>
         </p:style>
         <p:txBody>
@@ -12155,10 +16063,10 @@
       </p:pic>
       <p:sp>
         <p:nvSpPr>
-          <p:cNvPr id="18" name="TextBox 17">
-            <a:extLst>
-              <a:ext uri="{FF2B5EF4-FFF2-40B4-BE49-F238E27FC236}">
-                <a16:creationId xmlns:a16="http://schemas.microsoft.com/office/drawing/2014/main" id="{473BB7DE-A582-43A5-8547-86B6857292EF}"/>
+          <p:cNvPr id="20" name="TextBox 19">
+            <a:extLst>
+              <a:ext uri="{FF2B5EF4-FFF2-40B4-BE49-F238E27FC236}">
+                <a16:creationId xmlns:a16="http://schemas.microsoft.com/office/drawing/2014/main" id="{4D07F791-BD0D-4BB1-A17D-D038BADEAD65}"/>
               </a:ext>
             </a:extLst>
           </p:cNvPr>
@@ -12167,15 +16075,61 @@
         </p:nvSpPr>
         <p:spPr>
           <a:xfrm>
-            <a:off x="3900343" y="5219004"/>
+            <a:off x="5067611" y="5219004"/>
             <a:ext cx="902885" cy="374947"/>
           </a:xfrm>
           <a:prstGeom prst="rect">
             <a:avLst/>
           </a:prstGeom>
-          <a:solidFill>
-            <a:schemeClr val="bg2"/>
-          </a:solidFill>
+        </p:spPr>
+        <p:style>
+          <a:lnRef idx="1">
+            <a:schemeClr val="accent1"/>
+          </a:lnRef>
+          <a:fillRef idx="2">
+            <a:schemeClr val="accent1"/>
+          </a:fillRef>
+          <a:effectRef idx="1">
+            <a:schemeClr val="accent1"/>
+          </a:effectRef>
+          <a:fontRef idx="minor">
+            <a:schemeClr val="dk1"/>
+          </a:fontRef>
+        </p:style>
+        <p:txBody>
+          <a:bodyPr wrap="square" rtlCol="0">
+            <a:spAutoFit/>
+          </a:bodyPr>
+          <a:lstStyle/>
+          <a:p>
+            <a:pPr algn="ctr"/>
+            <a:r>
+              <a:rPr lang="en-US" dirty="0"/>
+              <a:t>Save</a:t>
+            </a:r>
+          </a:p>
+        </p:txBody>
+      </p:sp>
+      <p:sp>
+        <p:nvSpPr>
+          <p:cNvPr id="23" name="TextBox 22">
+            <a:extLst>
+              <a:ext uri="{FF2B5EF4-FFF2-40B4-BE49-F238E27FC236}">
+                <a16:creationId xmlns:a16="http://schemas.microsoft.com/office/drawing/2014/main" id="{EECDD8B2-CFBB-4687-8DA9-E248E949346A}"/>
+              </a:ext>
+            </a:extLst>
+          </p:cNvPr>
+          <p:cNvSpPr txBox="1"/>
+          <p:nvPr/>
+        </p:nvSpPr>
+        <p:spPr>
+          <a:xfrm>
+            <a:off x="6133792" y="2967119"/>
+            <a:ext cx="2212042" cy="369332"/>
+          </a:xfrm>
+          <a:prstGeom prst="rect">
+            <a:avLst/>
+          </a:prstGeom>
         </p:spPr>
         <p:style>
           <a:lnRef idx="2">
@@ -12197,20 +16151,19 @@
           </a:bodyPr>
           <a:lstStyle/>
           <a:p>
-            <a:pPr algn="ctr"/>
             <a:r>
               <a:rPr lang="en-US" dirty="0"/>
-              <a:t>Edit</a:t>
-            </a:r>
-          </a:p>
-        </p:txBody>
-      </p:sp>
-      <p:sp>
-        <p:nvSpPr>
-          <p:cNvPr id="20" name="TextBox 19">
-            <a:extLst>
-              <a:ext uri="{FF2B5EF4-FFF2-40B4-BE49-F238E27FC236}">
-                <a16:creationId xmlns:a16="http://schemas.microsoft.com/office/drawing/2014/main" id="{4D07F791-BD0D-4BB1-A17D-D038BADEAD65}"/>
+              <a:t>Requests to me</a:t>
+            </a:r>
+          </a:p>
+        </p:txBody>
+      </p:sp>
+      <p:sp>
+        <p:nvSpPr>
+          <p:cNvPr id="24" name="TextBox 23">
+            <a:extLst>
+              <a:ext uri="{FF2B5EF4-FFF2-40B4-BE49-F238E27FC236}">
+                <a16:creationId xmlns:a16="http://schemas.microsoft.com/office/drawing/2014/main" id="{7AD16E87-113D-4325-9FBC-66CE57073BA2}"/>
               </a:ext>
             </a:extLst>
           </p:cNvPr>
@@ -12219,18 +16172,12 @@
         </p:nvSpPr>
         <p:spPr>
           <a:xfrm>
-            <a:off x="5067611" y="5219004"/>
-            <a:ext cx="902885" cy="374947"/>
-          </a:xfrm>
-          <a:prstGeom prst="rect">
-            <a:avLst/>
-          </a:prstGeom>
-          <a:solidFill>
-            <a:schemeClr val="accent2">
-              <a:lumMod val="60000"/>
-              <a:lumOff val="40000"/>
-            </a:schemeClr>
-          </a:solidFill>
+            <a:off x="8532625" y="2967119"/>
+            <a:ext cx="2212042" cy="369332"/>
+          </a:xfrm>
+          <a:prstGeom prst="rect">
+            <a:avLst/>
+          </a:prstGeom>
         </p:spPr>
         <p:style>
           <a:lnRef idx="2">
@@ -12252,103 +16199,6 @@
           </a:bodyPr>
           <a:lstStyle/>
           <a:p>
-            <a:pPr algn="ctr"/>
-            <a:r>
-              <a:rPr lang="en-US" dirty="0"/>
-              <a:t>Save</a:t>
-            </a:r>
-          </a:p>
-        </p:txBody>
-      </p:sp>
-      <p:sp>
-        <p:nvSpPr>
-          <p:cNvPr id="23" name="TextBox 22">
-            <a:extLst>
-              <a:ext uri="{FF2B5EF4-FFF2-40B4-BE49-F238E27FC236}">
-                <a16:creationId xmlns:a16="http://schemas.microsoft.com/office/drawing/2014/main" id="{EECDD8B2-CFBB-4687-8DA9-E248E949346A}"/>
-              </a:ext>
-            </a:extLst>
-          </p:cNvPr>
-          <p:cNvSpPr txBox="1"/>
-          <p:nvPr/>
-        </p:nvSpPr>
-        <p:spPr>
-          <a:xfrm>
-            <a:off x="6133792" y="2967119"/>
-            <a:ext cx="2212042" cy="369332"/>
-          </a:xfrm>
-          <a:prstGeom prst="rect">
-            <a:avLst/>
-          </a:prstGeom>
-        </p:spPr>
-        <p:style>
-          <a:lnRef idx="2">
-            <a:schemeClr val="accent3"/>
-          </a:lnRef>
-          <a:fillRef idx="1">
-            <a:schemeClr val="lt1"/>
-          </a:fillRef>
-          <a:effectRef idx="0">
-            <a:schemeClr val="accent3"/>
-          </a:effectRef>
-          <a:fontRef idx="minor">
-            <a:schemeClr val="dk1"/>
-          </a:fontRef>
-        </p:style>
-        <p:txBody>
-          <a:bodyPr wrap="square" rtlCol="0">
-            <a:spAutoFit/>
-          </a:bodyPr>
-          <a:lstStyle/>
-          <a:p>
-            <a:r>
-              <a:rPr lang="en-US" dirty="0"/>
-              <a:t>Requests to me</a:t>
-            </a:r>
-          </a:p>
-        </p:txBody>
-      </p:sp>
-      <p:sp>
-        <p:nvSpPr>
-          <p:cNvPr id="24" name="TextBox 23">
-            <a:extLst>
-              <a:ext uri="{FF2B5EF4-FFF2-40B4-BE49-F238E27FC236}">
-                <a16:creationId xmlns:a16="http://schemas.microsoft.com/office/drawing/2014/main" id="{7AD16E87-113D-4325-9FBC-66CE57073BA2}"/>
-              </a:ext>
-            </a:extLst>
-          </p:cNvPr>
-          <p:cNvSpPr txBox="1"/>
-          <p:nvPr/>
-        </p:nvSpPr>
-        <p:spPr>
-          <a:xfrm>
-            <a:off x="8532625" y="2967119"/>
-            <a:ext cx="2212042" cy="369332"/>
-          </a:xfrm>
-          <a:prstGeom prst="rect">
-            <a:avLst/>
-          </a:prstGeom>
-        </p:spPr>
-        <p:style>
-          <a:lnRef idx="2">
-            <a:schemeClr val="accent3"/>
-          </a:lnRef>
-          <a:fillRef idx="1">
-            <a:schemeClr val="lt1"/>
-          </a:fillRef>
-          <a:effectRef idx="0">
-            <a:schemeClr val="accent3"/>
-          </a:effectRef>
-          <a:fontRef idx="minor">
-            <a:schemeClr val="dk1"/>
-          </a:fontRef>
-        </p:style>
-        <p:txBody>
-          <a:bodyPr wrap="square" rtlCol="0">
-            <a:spAutoFit/>
-          </a:bodyPr>
-          <a:lstStyle/>
-          <a:p>
             <a:r>
               <a:rPr lang="en-US" dirty="0"/>
               <a:t>Requested by me</a:t>
@@ -12360,1289 +16210,6 @@
     <p:extLst>
       <p:ext uri="{BB962C8B-B14F-4D97-AF65-F5344CB8AC3E}">
         <p14:creationId xmlns:p14="http://schemas.microsoft.com/office/powerpoint/2010/main" val="4015443023"/>
-      </p:ext>
-    </p:extLst>
-  </p:cSld>
-  <p:clrMapOvr>
-    <a:masterClrMapping/>
-  </p:clrMapOvr>
-</p:sld>
-</file>
-
-<file path=ppt/slides/slide7.xml><?xml version="1.0" encoding="utf-8"?>
-<p:sld xmlns:a="http://schemas.openxmlformats.org/drawingml/2006/main" xmlns:r="http://schemas.openxmlformats.org/officeDocument/2006/relationships" xmlns:p="http://schemas.openxmlformats.org/presentationml/2006/main">
-  <p:cSld>
-    <p:spTree>
-      <p:nvGrpSpPr>
-        <p:cNvPr id="1" name=""/>
-        <p:cNvGrpSpPr/>
-        <p:nvPr/>
-      </p:nvGrpSpPr>
-      <p:grpSpPr>
-        <a:xfrm>
-          <a:off x="0" y="0"/>
-          <a:ext cx="0" cy="0"/>
-          <a:chOff x="0" y="0"/>
-          <a:chExt cx="0" cy="0"/>
-        </a:xfrm>
-      </p:grpSpPr>
-      <p:sp>
-        <p:nvSpPr>
-          <p:cNvPr id="2" name="TextBox 1">
-            <a:extLst>
-              <a:ext uri="{FF2B5EF4-FFF2-40B4-BE49-F238E27FC236}">
-                <a16:creationId xmlns:a16="http://schemas.microsoft.com/office/drawing/2014/main" id="{4960A76E-D00D-4B88-A482-B19C5DE15875}"/>
-              </a:ext>
-            </a:extLst>
-          </p:cNvPr>
-          <p:cNvSpPr txBox="1"/>
-          <p:nvPr/>
-        </p:nvSpPr>
-        <p:spPr>
-          <a:xfrm>
-            <a:off x="793376" y="584947"/>
-            <a:ext cx="4746812" cy="376518"/>
-          </a:xfrm>
-          <a:prstGeom prst="rect">
-            <a:avLst/>
-          </a:prstGeom>
-          <a:noFill/>
-        </p:spPr>
-        <p:txBody>
-          <a:bodyPr wrap="square" rtlCol="0">
-            <a:spAutoFit/>
-          </a:bodyPr>
-          <a:lstStyle/>
-          <a:p>
-            <a:r>
-              <a:rPr lang="en-US" b="1" dirty="0"/>
-              <a:t>User Profile 2</a:t>
-            </a:r>
-          </a:p>
-        </p:txBody>
-      </p:sp>
-      <p:pic>
-        <p:nvPicPr>
-          <p:cNvPr id="5" name="Picture 4">
-            <a:extLst>
-              <a:ext uri="{FF2B5EF4-FFF2-40B4-BE49-F238E27FC236}">
-                <a16:creationId xmlns:a16="http://schemas.microsoft.com/office/drawing/2014/main" id="{AFF90224-2272-4C09-BE91-3FCD89883C38}"/>
-              </a:ext>
-            </a:extLst>
-          </p:cNvPr>
-          <p:cNvPicPr>
-            <a:picLocks noChangeAspect="1"/>
-          </p:cNvPicPr>
-          <p:nvPr/>
-        </p:nvPicPr>
-        <p:blipFill>
-          <a:blip r:embed="rId2"/>
-          <a:stretch>
-            <a:fillRect/>
-          </a:stretch>
-        </p:blipFill>
-        <p:spPr>
-          <a:xfrm>
-            <a:off x="1059837" y="2317270"/>
-            <a:ext cx="2032987" cy="2061222"/>
-          </a:xfrm>
-          <a:prstGeom prst="rect">
-            <a:avLst/>
-          </a:prstGeom>
-        </p:spPr>
-      </p:pic>
-      <p:sp>
-        <p:nvSpPr>
-          <p:cNvPr id="8" name="TextBox 7">
-            <a:extLst>
-              <a:ext uri="{FF2B5EF4-FFF2-40B4-BE49-F238E27FC236}">
-                <a16:creationId xmlns:a16="http://schemas.microsoft.com/office/drawing/2014/main" id="{E504FA9F-CF1F-4717-9C69-27431819458A}"/>
-              </a:ext>
-            </a:extLst>
-          </p:cNvPr>
-          <p:cNvSpPr txBox="1"/>
-          <p:nvPr/>
-        </p:nvSpPr>
-        <p:spPr>
-          <a:xfrm>
-            <a:off x="3650876" y="2423772"/>
-            <a:ext cx="2212041" cy="400110"/>
-          </a:xfrm>
-          <a:prstGeom prst="rect">
-            <a:avLst/>
-          </a:prstGeom>
-          <a:noFill/>
-        </p:spPr>
-        <p:txBody>
-          <a:bodyPr wrap="square" rtlCol="0">
-            <a:spAutoFit/>
-          </a:bodyPr>
-          <a:lstStyle/>
-          <a:p>
-            <a:r>
-              <a:rPr lang="en-US" sz="2000" b="1" dirty="0">
-                <a:latin typeface="Arial Black" panose="020B0A04020102020204" pitchFamily="34" charset="0"/>
-              </a:rPr>
-              <a:t>Anna Spring</a:t>
-            </a:r>
-          </a:p>
-        </p:txBody>
-      </p:sp>
-      <p:sp>
-        <p:nvSpPr>
-          <p:cNvPr id="11" name="TextBox 10">
-            <a:extLst>
-              <a:ext uri="{FF2B5EF4-FFF2-40B4-BE49-F238E27FC236}">
-                <a16:creationId xmlns:a16="http://schemas.microsoft.com/office/drawing/2014/main" id="{4EA9B248-2A96-4512-BCBC-5AADD522AAB8}"/>
-              </a:ext>
-            </a:extLst>
-          </p:cNvPr>
-          <p:cNvSpPr txBox="1"/>
-          <p:nvPr/>
-        </p:nvSpPr>
-        <p:spPr>
-          <a:xfrm>
-            <a:off x="3758454" y="2958353"/>
-            <a:ext cx="2212042" cy="369332"/>
-          </a:xfrm>
-          <a:prstGeom prst="rect">
-            <a:avLst/>
-          </a:prstGeom>
-          <a:solidFill>
-            <a:schemeClr val="bg1"/>
-          </a:solidFill>
-        </p:spPr>
-        <p:style>
-          <a:lnRef idx="2">
-            <a:schemeClr val="accent3"/>
-          </a:lnRef>
-          <a:fillRef idx="1">
-            <a:schemeClr val="lt1"/>
-          </a:fillRef>
-          <a:effectRef idx="0">
-            <a:schemeClr val="accent3"/>
-          </a:effectRef>
-          <a:fontRef idx="minor">
-            <a:schemeClr val="dk1"/>
-          </a:fontRef>
-        </p:style>
-        <p:txBody>
-          <a:bodyPr wrap="square" rtlCol="0">
-            <a:spAutoFit/>
-          </a:bodyPr>
-          <a:lstStyle/>
-          <a:p>
-            <a:r>
-              <a:rPr lang="en-US" dirty="0"/>
-              <a:t>My Books:</a:t>
-            </a:r>
-          </a:p>
-        </p:txBody>
-      </p:sp>
-      <p:graphicFrame>
-        <p:nvGraphicFramePr>
-          <p:cNvPr id="12" name="Table 12">
-            <a:extLst>
-              <a:ext uri="{FF2B5EF4-FFF2-40B4-BE49-F238E27FC236}">
-                <a16:creationId xmlns:a16="http://schemas.microsoft.com/office/drawing/2014/main" id="{53D02EC7-1219-42C2-9969-AB54E675A03E}"/>
-              </a:ext>
-            </a:extLst>
-          </p:cNvPr>
-          <p:cNvGraphicFramePr>
-            <a:graphicFrameLocks noGrp="1"/>
-          </p:cNvGraphicFramePr>
-          <p:nvPr>
-            <p:extLst>
-              <p:ext uri="{D42A27DB-BD31-4B8C-83A1-F6EECF244321}">
-                <p14:modId xmlns:p14="http://schemas.microsoft.com/office/powerpoint/2010/main" val="1181339821"/>
-              </p:ext>
-            </p:extLst>
-          </p:nvPr>
-        </p:nvGraphicFramePr>
-        <p:xfrm>
-          <a:off x="3363310" y="3544061"/>
-          <a:ext cx="7583213" cy="670560"/>
-        </p:xfrm>
-        <a:graphic>
-          <a:graphicData uri="http://schemas.openxmlformats.org/drawingml/2006/table">
-            <a:tbl>
-              <a:tblPr firstRow="1" bandRow="1">
-                <a:tableStyleId>{5C22544A-7EE6-4342-B048-85BDC9FD1C3A}</a:tableStyleId>
-              </a:tblPr>
-              <a:tblGrid>
-                <a:gridCol w="1882807">
-                  <a:extLst>
-                    <a:ext uri="{9D8B030D-6E8A-4147-A177-3AD203B41FA5}">
-                      <a16:colId xmlns:a16="http://schemas.microsoft.com/office/drawing/2014/main" val="556389192"/>
-                    </a:ext>
-                  </a:extLst>
-                </a:gridCol>
-                <a:gridCol w="1132165">
-                  <a:extLst>
-                    <a:ext uri="{9D8B030D-6E8A-4147-A177-3AD203B41FA5}">
-                      <a16:colId xmlns:a16="http://schemas.microsoft.com/office/drawing/2014/main" val="3912181672"/>
-                    </a:ext>
-                  </a:extLst>
-                </a:gridCol>
-                <a:gridCol w="1461701">
-                  <a:extLst>
-                    <a:ext uri="{9D8B030D-6E8A-4147-A177-3AD203B41FA5}">
-                      <a16:colId xmlns:a16="http://schemas.microsoft.com/office/drawing/2014/main" val="1978353106"/>
-                    </a:ext>
-                  </a:extLst>
-                </a:gridCol>
-                <a:gridCol w="1553270">
-                  <a:extLst>
-                    <a:ext uri="{9D8B030D-6E8A-4147-A177-3AD203B41FA5}">
-                      <a16:colId xmlns:a16="http://schemas.microsoft.com/office/drawing/2014/main" val="1530916936"/>
-                    </a:ext>
-                  </a:extLst>
-                </a:gridCol>
-                <a:gridCol w="1553270">
-                  <a:extLst>
-                    <a:ext uri="{9D8B030D-6E8A-4147-A177-3AD203B41FA5}">
-                      <a16:colId xmlns:a16="http://schemas.microsoft.com/office/drawing/2014/main" val="1528737708"/>
-                    </a:ext>
-                  </a:extLst>
-                </a:gridCol>
-              </a:tblGrid>
-              <a:tr h="325809">
-                <a:tc>
-                  <a:txBody>
-                    <a:bodyPr/>
-                    <a:lstStyle/>
-                    <a:p>
-                      <a:r>
-                        <a:rPr lang="en-US" sz="1600" b="0" dirty="0">
-                          <a:solidFill>
-                            <a:schemeClr val="tx1">
-                              <a:lumMod val="95000"/>
-                              <a:lumOff val="5000"/>
-                            </a:schemeClr>
-                          </a:solidFill>
-                        </a:rPr>
-                        <a:t>Book1    </a:t>
-                      </a:r>
-                    </a:p>
-                  </a:txBody>
-                  <a:tcPr>
-                    <a:solidFill>
-                      <a:schemeClr val="bg2"/>
-                    </a:solidFill>
-                  </a:tcPr>
-                </a:tc>
-                <a:tc>
-                  <a:txBody>
-                    <a:bodyPr/>
-                    <a:lstStyle/>
-                    <a:p>
-                      <a:r>
-                        <a:rPr lang="en-US" sz="1600" b="0" dirty="0">
-                          <a:solidFill>
-                            <a:schemeClr val="tx1">
-                              <a:lumMod val="95000"/>
-                              <a:lumOff val="5000"/>
-                            </a:schemeClr>
-                          </a:solidFill>
-                        </a:rPr>
-                        <a:t>Author1</a:t>
-                      </a:r>
-                    </a:p>
-                  </a:txBody>
-                  <a:tcPr>
-                    <a:solidFill>
-                      <a:schemeClr val="bg2"/>
-                    </a:solidFill>
-                  </a:tcPr>
-                </a:tc>
-                <a:tc>
-                  <a:txBody>
-                    <a:bodyPr/>
-                    <a:lstStyle/>
-                    <a:p>
-                      <a:r>
-                        <a:rPr lang="en-US" sz="1600" b="0" dirty="0">
-                          <a:solidFill>
-                            <a:schemeClr val="tx1">
-                              <a:lumMod val="95000"/>
-                              <a:lumOff val="5000"/>
-                            </a:schemeClr>
-                          </a:solidFill>
-                        </a:rPr>
-                        <a:t>User name</a:t>
-                      </a:r>
-                    </a:p>
-                  </a:txBody>
-                  <a:tcPr>
-                    <a:solidFill>
-                      <a:schemeClr val="bg2"/>
-                    </a:solidFill>
-                  </a:tcPr>
-                </a:tc>
-                <a:tc>
-                  <a:txBody>
-                    <a:bodyPr/>
-                    <a:lstStyle/>
-                    <a:p>
-                      <a:r>
-                        <a:rPr lang="en-US" sz="1600" b="0" dirty="0">
-                          <a:solidFill>
-                            <a:schemeClr val="tx1">
-                              <a:lumMod val="95000"/>
-                              <a:lumOff val="5000"/>
-                            </a:schemeClr>
-                          </a:solidFill>
-                        </a:rPr>
-                        <a:t>     Accept</a:t>
-                      </a:r>
-                    </a:p>
-                  </a:txBody>
-                  <a:tcPr>
-                    <a:solidFill>
-                      <a:schemeClr val="bg2"/>
-                    </a:solidFill>
-                  </a:tcPr>
-                </a:tc>
-                <a:tc>
-                  <a:txBody>
-                    <a:bodyPr/>
-                    <a:lstStyle/>
-                    <a:p>
-                      <a:r>
-                        <a:rPr lang="en-US" sz="1600" b="0" dirty="0">
-                          <a:solidFill>
-                            <a:schemeClr val="tx1">
-                              <a:lumMod val="95000"/>
-                              <a:lumOff val="5000"/>
-                            </a:schemeClr>
-                          </a:solidFill>
-                        </a:rPr>
-                        <a:t>     Reject</a:t>
-                      </a:r>
-                    </a:p>
-                  </a:txBody>
-                  <a:tcPr>
-                    <a:solidFill>
-                      <a:schemeClr val="bg2"/>
-                    </a:solidFill>
-                  </a:tcPr>
-                </a:tc>
-                <a:extLst>
-                  <a:ext uri="{0D108BD9-81ED-4DB2-BD59-A6C34878D82A}">
-                    <a16:rowId xmlns:a16="http://schemas.microsoft.com/office/drawing/2014/main" val="2659696231"/>
-                  </a:ext>
-                </a:extLst>
-              </a:tr>
-              <a:tr h="325809">
-                <a:tc>
-                  <a:txBody>
-                    <a:bodyPr/>
-                    <a:lstStyle/>
-                    <a:p>
-                      <a:r>
-                        <a:rPr lang="en-US" sz="1600" b="0" dirty="0">
-                          <a:solidFill>
-                            <a:schemeClr val="tx1">
-                              <a:lumMod val="95000"/>
-                              <a:lumOff val="5000"/>
-                            </a:schemeClr>
-                          </a:solidFill>
-                        </a:rPr>
-                        <a:t>Book2</a:t>
-                      </a:r>
-                    </a:p>
-                  </a:txBody>
-                  <a:tcPr>
-                    <a:solidFill>
-                      <a:schemeClr val="bg2"/>
-                    </a:solidFill>
-                  </a:tcPr>
-                </a:tc>
-                <a:tc>
-                  <a:txBody>
-                    <a:bodyPr/>
-                    <a:lstStyle/>
-                    <a:p>
-                      <a:r>
-                        <a:rPr lang="en-US" sz="1600" b="0" dirty="0">
-                          <a:solidFill>
-                            <a:schemeClr val="tx1">
-                              <a:lumMod val="95000"/>
-                              <a:lumOff val="5000"/>
-                            </a:schemeClr>
-                          </a:solidFill>
-                        </a:rPr>
-                        <a:t>Author2</a:t>
-                      </a:r>
-                    </a:p>
-                  </a:txBody>
-                  <a:tcPr>
-                    <a:solidFill>
-                      <a:schemeClr val="bg2"/>
-                    </a:solidFill>
-                  </a:tcPr>
-                </a:tc>
-                <a:tc>
-                  <a:txBody>
-                    <a:bodyPr/>
-                    <a:lstStyle/>
-                    <a:p>
-                      <a:r>
-                        <a:rPr lang="en-US" sz="1600" dirty="0">
-                          <a:solidFill>
-                            <a:schemeClr val="tx1">
-                              <a:lumMod val="95000"/>
-                              <a:lumOff val="5000"/>
-                            </a:schemeClr>
-                          </a:solidFill>
-                        </a:rPr>
-                        <a:t>User name</a:t>
-                      </a:r>
-                    </a:p>
-                  </a:txBody>
-                  <a:tcPr>
-                    <a:solidFill>
-                      <a:schemeClr val="bg2"/>
-                    </a:solidFill>
-                  </a:tcPr>
-                </a:tc>
-                <a:tc>
-                  <a:txBody>
-                    <a:bodyPr/>
-                    <a:lstStyle/>
-                    <a:p>
-                      <a:r>
-                        <a:rPr lang="en-US" sz="1600" b="0" dirty="0">
-                          <a:solidFill>
-                            <a:schemeClr val="tx1">
-                              <a:lumMod val="95000"/>
-                              <a:lumOff val="5000"/>
-                            </a:schemeClr>
-                          </a:solidFill>
-                        </a:rPr>
-                        <a:t>      Accept</a:t>
-                      </a:r>
-                    </a:p>
-                  </a:txBody>
-                  <a:tcPr>
-                    <a:solidFill>
-                      <a:schemeClr val="bg2"/>
-                    </a:solidFill>
-                  </a:tcPr>
-                </a:tc>
-                <a:tc>
-                  <a:txBody>
-                    <a:bodyPr/>
-                    <a:lstStyle/>
-                    <a:p>
-                      <a:r>
-                        <a:rPr lang="en-US" sz="1600" b="0" dirty="0">
-                          <a:solidFill>
-                            <a:schemeClr val="tx1">
-                              <a:lumMod val="95000"/>
-                              <a:lumOff val="5000"/>
-                            </a:schemeClr>
-                          </a:solidFill>
-                        </a:rPr>
-                        <a:t>     Reject</a:t>
-                      </a:r>
-                    </a:p>
-                  </a:txBody>
-                  <a:tcPr>
-                    <a:solidFill>
-                      <a:schemeClr val="bg2"/>
-                    </a:solidFill>
-                  </a:tcPr>
-                </a:tc>
-                <a:extLst>
-                  <a:ext uri="{0D108BD9-81ED-4DB2-BD59-A6C34878D82A}">
-                    <a16:rowId xmlns:a16="http://schemas.microsoft.com/office/drawing/2014/main" val="2663844818"/>
-                  </a:ext>
-                </a:extLst>
-              </a:tr>
-            </a:tbl>
-          </a:graphicData>
-        </a:graphic>
-      </p:graphicFrame>
-      <p:sp>
-        <p:nvSpPr>
-          <p:cNvPr id="23" name="TextBox 22">
-            <a:extLst>
-              <a:ext uri="{FF2B5EF4-FFF2-40B4-BE49-F238E27FC236}">
-                <a16:creationId xmlns:a16="http://schemas.microsoft.com/office/drawing/2014/main" id="{EECDD8B2-CFBB-4687-8DA9-E248E949346A}"/>
-              </a:ext>
-            </a:extLst>
-          </p:cNvPr>
-          <p:cNvSpPr txBox="1"/>
-          <p:nvPr/>
-        </p:nvSpPr>
-        <p:spPr>
-          <a:xfrm>
-            <a:off x="6133792" y="2967119"/>
-            <a:ext cx="2212042" cy="369332"/>
-          </a:xfrm>
-          <a:prstGeom prst="rect">
-            <a:avLst/>
-          </a:prstGeom>
-          <a:solidFill>
-            <a:schemeClr val="accent5">
-              <a:lumMod val="75000"/>
-            </a:schemeClr>
-          </a:solidFill>
-        </p:spPr>
-        <p:style>
-          <a:lnRef idx="2">
-            <a:schemeClr val="accent3"/>
-          </a:lnRef>
-          <a:fillRef idx="1">
-            <a:schemeClr val="lt1"/>
-          </a:fillRef>
-          <a:effectRef idx="0">
-            <a:schemeClr val="accent3"/>
-          </a:effectRef>
-          <a:fontRef idx="minor">
-            <a:schemeClr val="dk1"/>
-          </a:fontRef>
-        </p:style>
-        <p:txBody>
-          <a:bodyPr wrap="square" rtlCol="0">
-            <a:spAutoFit/>
-          </a:bodyPr>
-          <a:lstStyle/>
-          <a:p>
-            <a:r>
-              <a:rPr lang="en-US" dirty="0"/>
-              <a:t>Requests to me</a:t>
-            </a:r>
-          </a:p>
-        </p:txBody>
-      </p:sp>
-      <p:sp>
-        <p:nvSpPr>
-          <p:cNvPr id="24" name="TextBox 23">
-            <a:extLst>
-              <a:ext uri="{FF2B5EF4-FFF2-40B4-BE49-F238E27FC236}">
-                <a16:creationId xmlns:a16="http://schemas.microsoft.com/office/drawing/2014/main" id="{7AD16E87-113D-4325-9FBC-66CE57073BA2}"/>
-              </a:ext>
-            </a:extLst>
-          </p:cNvPr>
-          <p:cNvSpPr txBox="1"/>
-          <p:nvPr/>
-        </p:nvSpPr>
-        <p:spPr>
-          <a:xfrm>
-            <a:off x="8532625" y="2967119"/>
-            <a:ext cx="2212042" cy="369332"/>
-          </a:xfrm>
-          <a:prstGeom prst="rect">
-            <a:avLst/>
-          </a:prstGeom>
-        </p:spPr>
-        <p:style>
-          <a:lnRef idx="2">
-            <a:schemeClr val="accent3"/>
-          </a:lnRef>
-          <a:fillRef idx="1">
-            <a:schemeClr val="lt1"/>
-          </a:fillRef>
-          <a:effectRef idx="0">
-            <a:schemeClr val="accent3"/>
-          </a:effectRef>
-          <a:fontRef idx="minor">
-            <a:schemeClr val="dk1"/>
-          </a:fontRef>
-        </p:style>
-        <p:txBody>
-          <a:bodyPr wrap="square" rtlCol="0">
-            <a:spAutoFit/>
-          </a:bodyPr>
-          <a:lstStyle/>
-          <a:p>
-            <a:r>
-              <a:rPr lang="en-US" dirty="0"/>
-              <a:t>Requested by me</a:t>
-            </a:r>
-          </a:p>
-        </p:txBody>
-      </p:sp>
-      <p:pic>
-        <p:nvPicPr>
-          <p:cNvPr id="25" name="Graphic 24" descr="Checkbox Checked outline">
-            <a:extLst>
-              <a:ext uri="{FF2B5EF4-FFF2-40B4-BE49-F238E27FC236}">
-                <a16:creationId xmlns:a16="http://schemas.microsoft.com/office/drawing/2014/main" id="{7FBCEEE7-9F7F-4566-B769-541E48C9C9DE}"/>
-              </a:ext>
-            </a:extLst>
-          </p:cNvPr>
-          <p:cNvPicPr>
-            <a:picLocks noChangeAspect="1"/>
-          </p:cNvPicPr>
-          <p:nvPr/>
-        </p:nvPicPr>
-        <p:blipFill>
-          <a:blip r:embed="rId3">
-            <a:extLst>
-              <a:ext uri="{28A0092B-C50C-407E-A947-70E740481C1C}">
-                <a14:useLocalDpi xmlns:a14="http://schemas.microsoft.com/office/drawing/2010/main" val="0"/>
-              </a:ext>
-              <a:ext uri="{96DAC541-7B7A-43D3-8B79-37D633B846F1}">
-                <asvg:svgBlip xmlns:asvg="http://schemas.microsoft.com/office/drawing/2016/SVG/main" r:embed="rId4"/>
-              </a:ext>
-            </a:extLst>
-          </a:blip>
-          <a:stretch>
-            <a:fillRect/>
-          </a:stretch>
-        </p:blipFill>
-        <p:spPr>
-          <a:xfrm>
-            <a:off x="7874094" y="3552827"/>
-            <a:ext cx="294290" cy="294290"/>
-          </a:xfrm>
-          <a:prstGeom prst="rect">
-            <a:avLst/>
-          </a:prstGeom>
-        </p:spPr>
-      </p:pic>
-      <p:pic>
-        <p:nvPicPr>
-          <p:cNvPr id="26" name="Graphic 25" descr="Checkbox Checked outline">
-            <a:extLst>
-              <a:ext uri="{FF2B5EF4-FFF2-40B4-BE49-F238E27FC236}">
-                <a16:creationId xmlns:a16="http://schemas.microsoft.com/office/drawing/2014/main" id="{E81DEBE0-B1A3-4AD9-85E6-0BF460FB4842}"/>
-              </a:ext>
-            </a:extLst>
-          </p:cNvPr>
-          <p:cNvPicPr>
-            <a:picLocks noChangeAspect="1"/>
-          </p:cNvPicPr>
-          <p:nvPr/>
-        </p:nvPicPr>
-        <p:blipFill>
-          <a:blip r:embed="rId3">
-            <a:extLst>
-              <a:ext uri="{28A0092B-C50C-407E-A947-70E740481C1C}">
-                <a14:useLocalDpi xmlns:a14="http://schemas.microsoft.com/office/drawing/2010/main" val="0"/>
-              </a:ext>
-              <a:ext uri="{96DAC541-7B7A-43D3-8B79-37D633B846F1}">
-                <asvg:svgBlip xmlns:asvg="http://schemas.microsoft.com/office/drawing/2016/SVG/main" r:embed="rId4"/>
-              </a:ext>
-            </a:extLst>
-          </a:blip>
-          <a:stretch>
-            <a:fillRect/>
-          </a:stretch>
-        </p:blipFill>
-        <p:spPr>
-          <a:xfrm>
-            <a:off x="9413860" y="3909485"/>
-            <a:ext cx="294290" cy="294290"/>
-          </a:xfrm>
-          <a:prstGeom prst="rect">
-            <a:avLst/>
-          </a:prstGeom>
-        </p:spPr>
-      </p:pic>
-    </p:spTree>
-    <p:extLst>
-      <p:ext uri="{BB962C8B-B14F-4D97-AF65-F5344CB8AC3E}">
-        <p14:creationId xmlns:p14="http://schemas.microsoft.com/office/powerpoint/2010/main" val="167679750"/>
-      </p:ext>
-    </p:extLst>
-  </p:cSld>
-  <p:clrMapOvr>
-    <a:masterClrMapping/>
-  </p:clrMapOvr>
-</p:sld>
-</file>
-
-<file path=ppt/slides/slide8.xml><?xml version="1.0" encoding="utf-8"?>
-<p:sld xmlns:a="http://schemas.openxmlformats.org/drawingml/2006/main" xmlns:r="http://schemas.openxmlformats.org/officeDocument/2006/relationships" xmlns:p="http://schemas.openxmlformats.org/presentationml/2006/main">
-  <p:cSld>
-    <p:spTree>
-      <p:nvGrpSpPr>
-        <p:cNvPr id="1" name=""/>
-        <p:cNvGrpSpPr/>
-        <p:nvPr/>
-      </p:nvGrpSpPr>
-      <p:grpSpPr>
-        <a:xfrm>
-          <a:off x="0" y="0"/>
-          <a:ext cx="0" cy="0"/>
-          <a:chOff x="0" y="0"/>
-          <a:chExt cx="0" cy="0"/>
-        </a:xfrm>
-      </p:grpSpPr>
-      <p:sp>
-        <p:nvSpPr>
-          <p:cNvPr id="2" name="TextBox 1">
-            <a:extLst>
-              <a:ext uri="{FF2B5EF4-FFF2-40B4-BE49-F238E27FC236}">
-                <a16:creationId xmlns:a16="http://schemas.microsoft.com/office/drawing/2014/main" id="{4960A76E-D00D-4B88-A482-B19C5DE15875}"/>
-              </a:ext>
-            </a:extLst>
-          </p:cNvPr>
-          <p:cNvSpPr txBox="1"/>
-          <p:nvPr/>
-        </p:nvSpPr>
-        <p:spPr>
-          <a:xfrm>
-            <a:off x="793376" y="584947"/>
-            <a:ext cx="4746812" cy="376518"/>
-          </a:xfrm>
-          <a:prstGeom prst="rect">
-            <a:avLst/>
-          </a:prstGeom>
-          <a:noFill/>
-        </p:spPr>
-        <p:txBody>
-          <a:bodyPr wrap="square" rtlCol="0">
-            <a:spAutoFit/>
-          </a:bodyPr>
-          <a:lstStyle/>
-          <a:p>
-            <a:r>
-              <a:rPr lang="en-US" b="1" dirty="0"/>
-              <a:t>User Profile 3</a:t>
-            </a:r>
-          </a:p>
-        </p:txBody>
-      </p:sp>
-      <p:pic>
-        <p:nvPicPr>
-          <p:cNvPr id="5" name="Picture 4">
-            <a:extLst>
-              <a:ext uri="{FF2B5EF4-FFF2-40B4-BE49-F238E27FC236}">
-                <a16:creationId xmlns:a16="http://schemas.microsoft.com/office/drawing/2014/main" id="{AFF90224-2272-4C09-BE91-3FCD89883C38}"/>
-              </a:ext>
-            </a:extLst>
-          </p:cNvPr>
-          <p:cNvPicPr>
-            <a:picLocks noChangeAspect="1"/>
-          </p:cNvPicPr>
-          <p:nvPr/>
-        </p:nvPicPr>
-        <p:blipFill>
-          <a:blip r:embed="rId2"/>
-          <a:stretch>
-            <a:fillRect/>
-          </a:stretch>
-        </p:blipFill>
-        <p:spPr>
-          <a:xfrm>
-            <a:off x="1059837" y="2317270"/>
-            <a:ext cx="2032987" cy="2061222"/>
-          </a:xfrm>
-          <a:prstGeom prst="rect">
-            <a:avLst/>
-          </a:prstGeom>
-        </p:spPr>
-      </p:pic>
-      <p:sp>
-        <p:nvSpPr>
-          <p:cNvPr id="8" name="TextBox 7">
-            <a:extLst>
-              <a:ext uri="{FF2B5EF4-FFF2-40B4-BE49-F238E27FC236}">
-                <a16:creationId xmlns:a16="http://schemas.microsoft.com/office/drawing/2014/main" id="{E504FA9F-CF1F-4717-9C69-27431819458A}"/>
-              </a:ext>
-            </a:extLst>
-          </p:cNvPr>
-          <p:cNvSpPr txBox="1"/>
-          <p:nvPr/>
-        </p:nvSpPr>
-        <p:spPr>
-          <a:xfrm>
-            <a:off x="3650876" y="2423772"/>
-            <a:ext cx="2212041" cy="400110"/>
-          </a:xfrm>
-          <a:prstGeom prst="rect">
-            <a:avLst/>
-          </a:prstGeom>
-          <a:noFill/>
-        </p:spPr>
-        <p:txBody>
-          <a:bodyPr wrap="square" rtlCol="0">
-            <a:spAutoFit/>
-          </a:bodyPr>
-          <a:lstStyle/>
-          <a:p>
-            <a:r>
-              <a:rPr lang="en-US" sz="2000" b="1" dirty="0">
-                <a:latin typeface="Arial Black" panose="020B0A04020102020204" pitchFamily="34" charset="0"/>
-              </a:rPr>
-              <a:t>Anna Spring</a:t>
-            </a:r>
-          </a:p>
-        </p:txBody>
-      </p:sp>
-      <p:sp>
-        <p:nvSpPr>
-          <p:cNvPr id="11" name="TextBox 10">
-            <a:extLst>
-              <a:ext uri="{FF2B5EF4-FFF2-40B4-BE49-F238E27FC236}">
-                <a16:creationId xmlns:a16="http://schemas.microsoft.com/office/drawing/2014/main" id="{4EA9B248-2A96-4512-BCBC-5AADD522AAB8}"/>
-              </a:ext>
-            </a:extLst>
-          </p:cNvPr>
-          <p:cNvSpPr txBox="1"/>
-          <p:nvPr/>
-        </p:nvSpPr>
-        <p:spPr>
-          <a:xfrm>
-            <a:off x="3758454" y="2958353"/>
-            <a:ext cx="2212042" cy="369332"/>
-          </a:xfrm>
-          <a:prstGeom prst="rect">
-            <a:avLst/>
-          </a:prstGeom>
-          <a:solidFill>
-            <a:schemeClr val="bg1"/>
-          </a:solidFill>
-        </p:spPr>
-        <p:style>
-          <a:lnRef idx="2">
-            <a:schemeClr val="accent3"/>
-          </a:lnRef>
-          <a:fillRef idx="1">
-            <a:schemeClr val="lt1"/>
-          </a:fillRef>
-          <a:effectRef idx="0">
-            <a:schemeClr val="accent3"/>
-          </a:effectRef>
-          <a:fontRef idx="minor">
-            <a:schemeClr val="dk1"/>
-          </a:fontRef>
-        </p:style>
-        <p:txBody>
-          <a:bodyPr wrap="square" rtlCol="0">
-            <a:spAutoFit/>
-          </a:bodyPr>
-          <a:lstStyle/>
-          <a:p>
-            <a:r>
-              <a:rPr lang="en-US" dirty="0"/>
-              <a:t>My Books:</a:t>
-            </a:r>
-          </a:p>
-        </p:txBody>
-      </p:sp>
-      <p:graphicFrame>
-        <p:nvGraphicFramePr>
-          <p:cNvPr id="12" name="Table 12">
-            <a:extLst>
-              <a:ext uri="{FF2B5EF4-FFF2-40B4-BE49-F238E27FC236}">
-                <a16:creationId xmlns:a16="http://schemas.microsoft.com/office/drawing/2014/main" id="{53D02EC7-1219-42C2-9969-AB54E675A03E}"/>
-              </a:ext>
-            </a:extLst>
-          </p:cNvPr>
-          <p:cNvGraphicFramePr>
-            <a:graphicFrameLocks noGrp="1"/>
-          </p:cNvGraphicFramePr>
-          <p:nvPr>
-            <p:extLst>
-              <p:ext uri="{D42A27DB-BD31-4B8C-83A1-F6EECF244321}">
-                <p14:modId xmlns:p14="http://schemas.microsoft.com/office/powerpoint/2010/main" val="3160196646"/>
-              </p:ext>
-            </p:extLst>
-          </p:nvPr>
-        </p:nvGraphicFramePr>
-        <p:xfrm>
-          <a:off x="3372691" y="3574205"/>
-          <a:ext cx="6090243" cy="670560"/>
-        </p:xfrm>
-        <a:graphic>
-          <a:graphicData uri="http://schemas.openxmlformats.org/drawingml/2006/table">
-            <a:tbl>
-              <a:tblPr firstRow="1" bandRow="1">
-                <a:tableStyleId>{5C22544A-7EE6-4342-B048-85BDC9FD1C3A}</a:tableStyleId>
-              </a:tblPr>
-              <a:tblGrid>
-                <a:gridCol w="1901635">
-                  <a:extLst>
-                    <a:ext uri="{9D8B030D-6E8A-4147-A177-3AD203B41FA5}">
-                      <a16:colId xmlns:a16="http://schemas.microsoft.com/office/drawing/2014/main" val="556389192"/>
-                    </a:ext>
-                  </a:extLst>
-                </a:gridCol>
-                <a:gridCol w="1143487">
-                  <a:extLst>
-                    <a:ext uri="{9D8B030D-6E8A-4147-A177-3AD203B41FA5}">
-                      <a16:colId xmlns:a16="http://schemas.microsoft.com/office/drawing/2014/main" val="3912181672"/>
-                    </a:ext>
-                  </a:extLst>
-                </a:gridCol>
-                <a:gridCol w="1476318">
-                  <a:extLst>
-                    <a:ext uri="{9D8B030D-6E8A-4147-A177-3AD203B41FA5}">
-                      <a16:colId xmlns:a16="http://schemas.microsoft.com/office/drawing/2014/main" val="1978353106"/>
-                    </a:ext>
-                  </a:extLst>
-                </a:gridCol>
-                <a:gridCol w="1568803">
-                  <a:extLst>
-                    <a:ext uri="{9D8B030D-6E8A-4147-A177-3AD203B41FA5}">
-                      <a16:colId xmlns:a16="http://schemas.microsoft.com/office/drawing/2014/main" val="1530916936"/>
-                    </a:ext>
-                  </a:extLst>
-                </a:gridCol>
-              </a:tblGrid>
-              <a:tr h="325809">
-                <a:tc>
-                  <a:txBody>
-                    <a:bodyPr/>
-                    <a:lstStyle/>
-                    <a:p>
-                      <a:r>
-                        <a:rPr lang="en-US" sz="1600" b="0" dirty="0">
-                          <a:solidFill>
-                            <a:schemeClr val="tx1">
-                              <a:lumMod val="95000"/>
-                              <a:lumOff val="5000"/>
-                            </a:schemeClr>
-                          </a:solidFill>
-                        </a:rPr>
-                        <a:t>Book1    </a:t>
-                      </a:r>
-                    </a:p>
-                  </a:txBody>
-                  <a:tcPr marL="92354" marR="92354">
-                    <a:solidFill>
-                      <a:schemeClr val="bg2"/>
-                    </a:solidFill>
-                  </a:tcPr>
-                </a:tc>
-                <a:tc>
-                  <a:txBody>
-                    <a:bodyPr/>
-                    <a:lstStyle/>
-                    <a:p>
-                      <a:r>
-                        <a:rPr lang="en-US" sz="1600" b="0" dirty="0">
-                          <a:solidFill>
-                            <a:schemeClr val="tx1">
-                              <a:lumMod val="95000"/>
-                              <a:lumOff val="5000"/>
-                            </a:schemeClr>
-                          </a:solidFill>
-                        </a:rPr>
-                        <a:t>Author1</a:t>
-                      </a:r>
-                    </a:p>
-                  </a:txBody>
-                  <a:tcPr marL="92354" marR="92354">
-                    <a:solidFill>
-                      <a:schemeClr val="bg2"/>
-                    </a:solidFill>
-                  </a:tcPr>
-                </a:tc>
-                <a:tc>
-                  <a:txBody>
-                    <a:bodyPr/>
-                    <a:lstStyle/>
-                    <a:p>
-                      <a:r>
-                        <a:rPr lang="en-US" sz="1600" b="0" dirty="0">
-                          <a:solidFill>
-                            <a:schemeClr val="tx1">
-                              <a:lumMod val="95000"/>
-                              <a:lumOff val="5000"/>
-                            </a:schemeClr>
-                          </a:solidFill>
-                        </a:rPr>
-                        <a:t>Book owner</a:t>
-                      </a:r>
-                    </a:p>
-                  </a:txBody>
-                  <a:tcPr marL="92354" marR="92354">
-                    <a:solidFill>
-                      <a:schemeClr val="bg2"/>
-                    </a:solidFill>
-                  </a:tcPr>
-                </a:tc>
-                <a:tc>
-                  <a:txBody>
-                    <a:bodyPr/>
-                    <a:lstStyle/>
-                    <a:p>
-                      <a:r>
-                        <a:rPr lang="en-US" sz="1600" b="0" dirty="0">
-                          <a:solidFill>
-                            <a:schemeClr val="tx1">
-                              <a:lumMod val="95000"/>
-                              <a:lumOff val="5000"/>
-                            </a:schemeClr>
-                          </a:solidFill>
-                        </a:rPr>
-                        <a:t>     Cancel</a:t>
-                      </a:r>
-                    </a:p>
-                  </a:txBody>
-                  <a:tcPr marL="92354" marR="92354">
-                    <a:solidFill>
-                      <a:schemeClr val="bg2"/>
-                    </a:solidFill>
-                  </a:tcPr>
-                </a:tc>
-                <a:extLst>
-                  <a:ext uri="{0D108BD9-81ED-4DB2-BD59-A6C34878D82A}">
-                    <a16:rowId xmlns:a16="http://schemas.microsoft.com/office/drawing/2014/main" val="2659696231"/>
-                  </a:ext>
-                </a:extLst>
-              </a:tr>
-              <a:tr h="325809">
-                <a:tc>
-                  <a:txBody>
-                    <a:bodyPr/>
-                    <a:lstStyle/>
-                    <a:p>
-                      <a:r>
-                        <a:rPr lang="en-US" sz="1600" b="0" dirty="0">
-                          <a:solidFill>
-                            <a:schemeClr val="tx1">
-                              <a:lumMod val="95000"/>
-                              <a:lumOff val="5000"/>
-                            </a:schemeClr>
-                          </a:solidFill>
-                        </a:rPr>
-                        <a:t>Book2</a:t>
-                      </a:r>
-                    </a:p>
-                  </a:txBody>
-                  <a:tcPr marL="92354" marR="92354">
-                    <a:solidFill>
-                      <a:schemeClr val="bg2"/>
-                    </a:solidFill>
-                  </a:tcPr>
-                </a:tc>
-                <a:tc>
-                  <a:txBody>
-                    <a:bodyPr/>
-                    <a:lstStyle/>
-                    <a:p>
-                      <a:r>
-                        <a:rPr lang="en-US" sz="1600" b="0" dirty="0">
-                          <a:solidFill>
-                            <a:schemeClr val="tx1">
-                              <a:lumMod val="95000"/>
-                              <a:lumOff val="5000"/>
-                            </a:schemeClr>
-                          </a:solidFill>
-                        </a:rPr>
-                        <a:t>Author2</a:t>
-                      </a:r>
-                    </a:p>
-                  </a:txBody>
-                  <a:tcPr marL="92354" marR="92354">
-                    <a:solidFill>
-                      <a:schemeClr val="bg2"/>
-                    </a:solidFill>
-                  </a:tcPr>
-                </a:tc>
-                <a:tc>
-                  <a:txBody>
-                    <a:bodyPr/>
-                    <a:lstStyle/>
-                    <a:p>
-                      <a:r>
-                        <a:rPr lang="en-US" sz="1600" b="0" dirty="0">
-                          <a:solidFill>
-                            <a:schemeClr val="tx1">
-                              <a:lumMod val="95000"/>
-                              <a:lumOff val="5000"/>
-                            </a:schemeClr>
-                          </a:solidFill>
-                        </a:rPr>
-                        <a:t>Book owner</a:t>
-                      </a:r>
-                    </a:p>
-                  </a:txBody>
-                  <a:tcPr marL="92354" marR="92354">
-                    <a:solidFill>
-                      <a:schemeClr val="bg2"/>
-                    </a:solidFill>
-                  </a:tcPr>
-                </a:tc>
-                <a:tc>
-                  <a:txBody>
-                    <a:bodyPr/>
-                    <a:lstStyle/>
-                    <a:p>
-                      <a:r>
-                        <a:rPr lang="en-US" sz="1600" b="0" dirty="0">
-                          <a:solidFill>
-                            <a:schemeClr val="tx1">
-                              <a:lumMod val="95000"/>
-                              <a:lumOff val="5000"/>
-                            </a:schemeClr>
-                          </a:solidFill>
-                        </a:rPr>
-                        <a:t>      Cancel</a:t>
-                      </a:r>
-                    </a:p>
-                  </a:txBody>
-                  <a:tcPr marL="92354" marR="92354">
-                    <a:solidFill>
-                      <a:schemeClr val="bg2"/>
-                    </a:solidFill>
-                  </a:tcPr>
-                </a:tc>
-                <a:extLst>
-                  <a:ext uri="{0D108BD9-81ED-4DB2-BD59-A6C34878D82A}">
-                    <a16:rowId xmlns:a16="http://schemas.microsoft.com/office/drawing/2014/main" val="2663844818"/>
-                  </a:ext>
-                </a:extLst>
-              </a:tr>
-            </a:tbl>
-          </a:graphicData>
-        </a:graphic>
-      </p:graphicFrame>
-      <p:sp>
-        <p:nvSpPr>
-          <p:cNvPr id="23" name="TextBox 22">
-            <a:extLst>
-              <a:ext uri="{FF2B5EF4-FFF2-40B4-BE49-F238E27FC236}">
-                <a16:creationId xmlns:a16="http://schemas.microsoft.com/office/drawing/2014/main" id="{EECDD8B2-CFBB-4687-8DA9-E248E949346A}"/>
-              </a:ext>
-            </a:extLst>
-          </p:cNvPr>
-          <p:cNvSpPr txBox="1"/>
-          <p:nvPr/>
-        </p:nvSpPr>
-        <p:spPr>
-          <a:xfrm>
-            <a:off x="6133792" y="2967119"/>
-            <a:ext cx="2212042" cy="369332"/>
-          </a:xfrm>
-          <a:prstGeom prst="rect">
-            <a:avLst/>
-          </a:prstGeom>
-          <a:solidFill>
-            <a:schemeClr val="bg1"/>
-          </a:solidFill>
-        </p:spPr>
-        <p:style>
-          <a:lnRef idx="2">
-            <a:schemeClr val="accent3"/>
-          </a:lnRef>
-          <a:fillRef idx="1">
-            <a:schemeClr val="lt1"/>
-          </a:fillRef>
-          <a:effectRef idx="0">
-            <a:schemeClr val="accent3"/>
-          </a:effectRef>
-          <a:fontRef idx="minor">
-            <a:schemeClr val="dk1"/>
-          </a:fontRef>
-        </p:style>
-        <p:txBody>
-          <a:bodyPr wrap="square" rtlCol="0">
-            <a:spAutoFit/>
-          </a:bodyPr>
-          <a:lstStyle/>
-          <a:p>
-            <a:r>
-              <a:rPr lang="en-US" dirty="0"/>
-              <a:t>Requests to me</a:t>
-            </a:r>
-          </a:p>
-        </p:txBody>
-      </p:sp>
-      <p:sp>
-        <p:nvSpPr>
-          <p:cNvPr id="24" name="TextBox 23">
-            <a:extLst>
-              <a:ext uri="{FF2B5EF4-FFF2-40B4-BE49-F238E27FC236}">
-                <a16:creationId xmlns:a16="http://schemas.microsoft.com/office/drawing/2014/main" id="{7AD16E87-113D-4325-9FBC-66CE57073BA2}"/>
-              </a:ext>
-            </a:extLst>
-          </p:cNvPr>
-          <p:cNvSpPr txBox="1"/>
-          <p:nvPr/>
-        </p:nvSpPr>
-        <p:spPr>
-          <a:xfrm>
-            <a:off x="8532625" y="2967119"/>
-            <a:ext cx="2212042" cy="369332"/>
-          </a:xfrm>
-          <a:prstGeom prst="rect">
-            <a:avLst/>
-          </a:prstGeom>
-          <a:solidFill>
-            <a:schemeClr val="accent5">
-              <a:lumMod val="75000"/>
-            </a:schemeClr>
-          </a:solidFill>
-        </p:spPr>
-        <p:style>
-          <a:lnRef idx="2">
-            <a:schemeClr val="accent3"/>
-          </a:lnRef>
-          <a:fillRef idx="1">
-            <a:schemeClr val="lt1"/>
-          </a:fillRef>
-          <a:effectRef idx="0">
-            <a:schemeClr val="accent3"/>
-          </a:effectRef>
-          <a:fontRef idx="minor">
-            <a:schemeClr val="dk1"/>
-          </a:fontRef>
-        </p:style>
-        <p:txBody>
-          <a:bodyPr wrap="square" rtlCol="0">
-            <a:spAutoFit/>
-          </a:bodyPr>
-          <a:lstStyle/>
-          <a:p>
-            <a:r>
-              <a:rPr lang="en-US" dirty="0"/>
-              <a:t>Requested by me</a:t>
-            </a:r>
-          </a:p>
-        </p:txBody>
-      </p:sp>
-      <p:pic>
-        <p:nvPicPr>
-          <p:cNvPr id="25" name="Graphic 24" descr="Checkbox Checked outline">
-            <a:extLst>
-              <a:ext uri="{FF2B5EF4-FFF2-40B4-BE49-F238E27FC236}">
-                <a16:creationId xmlns:a16="http://schemas.microsoft.com/office/drawing/2014/main" id="{7FBCEEE7-9F7F-4566-B769-541E48C9C9DE}"/>
-              </a:ext>
-            </a:extLst>
-          </p:cNvPr>
-          <p:cNvPicPr>
-            <a:picLocks noChangeAspect="1"/>
-          </p:cNvPicPr>
-          <p:nvPr/>
-        </p:nvPicPr>
-        <p:blipFill>
-          <a:blip r:embed="rId3">
-            <a:extLst>
-              <a:ext uri="{28A0092B-C50C-407E-A947-70E740481C1C}">
-                <a14:useLocalDpi xmlns:a14="http://schemas.microsoft.com/office/drawing/2010/main" val="0"/>
-              </a:ext>
-              <a:ext uri="{96DAC541-7B7A-43D3-8B79-37D633B846F1}">
-                <asvg:svgBlip xmlns:asvg="http://schemas.microsoft.com/office/drawing/2016/SVG/main" r:embed="rId4"/>
-              </a:ext>
-            </a:extLst>
-          </a:blip>
-          <a:stretch>
-            <a:fillRect/>
-          </a:stretch>
-        </p:blipFill>
-        <p:spPr>
-          <a:xfrm>
-            <a:off x="7874094" y="3552827"/>
-            <a:ext cx="294290" cy="294290"/>
-          </a:xfrm>
-          <a:prstGeom prst="rect">
-            <a:avLst/>
-          </a:prstGeom>
-        </p:spPr>
-      </p:pic>
-    </p:spTree>
-    <p:extLst>
-      <p:ext uri="{BB962C8B-B14F-4D97-AF65-F5344CB8AC3E}">
-        <p14:creationId xmlns:p14="http://schemas.microsoft.com/office/powerpoint/2010/main" val="4152070897"/>
       </p:ext>
     </p:extLst>
   </p:cSld>

--- a/Construction 1/UI Prototypes.pptx
+++ b/Construction 1/UI Prototypes.pptx
@@ -340,7 +340,7 @@
           <a:p>
             <a:fld id="{034BAC6A-0E2C-43AD-ADB1-F06FA3E3FDA4}" type="datetimeFigureOut">
               <a:rPr lang="en-US" smtClean="0"/>
-              <a:t>2/25/2021</a:t>
+              <a:t>3/9/2021</a:t>
             </a:fld>
             <a:endParaRPr lang="en-US"/>
           </a:p>
@@ -578,7 +578,7 @@
           <a:p>
             <a:fld id="{034BAC6A-0E2C-43AD-ADB1-F06FA3E3FDA4}" type="datetimeFigureOut">
               <a:rPr lang="en-US" smtClean="0"/>
-              <a:t>2/25/2021</a:t>
+              <a:t>3/9/2021</a:t>
             </a:fld>
             <a:endParaRPr lang="en-US"/>
           </a:p>
@@ -816,7 +816,7 @@
           <a:p>
             <a:fld id="{034BAC6A-0E2C-43AD-ADB1-F06FA3E3FDA4}" type="datetimeFigureOut">
               <a:rPr lang="en-US" smtClean="0"/>
-              <a:t>2/25/2021</a:t>
+              <a:t>3/9/2021</a:t>
             </a:fld>
             <a:endParaRPr lang="en-US"/>
           </a:p>
@@ -1066,7 +1066,7 @@
           <a:p>
             <a:fld id="{034BAC6A-0E2C-43AD-ADB1-F06FA3E3FDA4}" type="datetimeFigureOut">
               <a:rPr lang="en-US" smtClean="0"/>
-              <a:t>2/25/2021</a:t>
+              <a:t>3/9/2021</a:t>
             </a:fld>
             <a:endParaRPr lang="en-US"/>
           </a:p>
@@ -1304,7 +1304,7 @@
           <a:p>
             <a:fld id="{034BAC6A-0E2C-43AD-ADB1-F06FA3E3FDA4}" type="datetimeFigureOut">
               <a:rPr lang="en-US" smtClean="0"/>
-              <a:t>2/25/2021</a:t>
+              <a:t>3/9/2021</a:t>
             </a:fld>
             <a:endParaRPr lang="en-US"/>
           </a:p>
@@ -1609,7 +1609,7 @@
           <a:p>
             <a:fld id="{034BAC6A-0E2C-43AD-ADB1-F06FA3E3FDA4}" type="datetimeFigureOut">
               <a:rPr lang="en-US" smtClean="0"/>
-              <a:t>2/25/2021</a:t>
+              <a:t>3/9/2021</a:t>
             </a:fld>
             <a:endParaRPr lang="en-US"/>
           </a:p>
@@ -1912,7 +1912,7 @@
           <a:p>
             <a:fld id="{034BAC6A-0E2C-43AD-ADB1-F06FA3E3FDA4}" type="datetimeFigureOut">
               <a:rPr lang="en-US" smtClean="0"/>
-              <a:t>2/25/2021</a:t>
+              <a:t>3/9/2021</a:t>
             </a:fld>
             <a:endParaRPr lang="en-US"/>
           </a:p>
@@ -2363,7 +2363,7 @@
           <a:p>
             <a:fld id="{034BAC6A-0E2C-43AD-ADB1-F06FA3E3FDA4}" type="datetimeFigureOut">
               <a:rPr lang="en-US" smtClean="0"/>
-              <a:t>2/25/2021</a:t>
+              <a:t>3/9/2021</a:t>
             </a:fld>
             <a:endParaRPr lang="en-US"/>
           </a:p>
@@ -2536,7 +2536,7 @@
           <a:p>
             <a:fld id="{034BAC6A-0E2C-43AD-ADB1-F06FA3E3FDA4}" type="datetimeFigureOut">
               <a:rPr lang="en-US" smtClean="0"/>
-              <a:t>2/25/2021</a:t>
+              <a:t>3/9/2021</a:t>
             </a:fld>
             <a:endParaRPr lang="en-US"/>
           </a:p>
@@ -2673,7 +2673,7 @@
           <a:p>
             <a:fld id="{034BAC6A-0E2C-43AD-ADB1-F06FA3E3FDA4}" type="datetimeFigureOut">
               <a:rPr lang="en-US" smtClean="0"/>
-              <a:t>2/25/2021</a:t>
+              <a:t>3/9/2021</a:t>
             </a:fld>
             <a:endParaRPr lang="en-US"/>
           </a:p>
@@ -3017,7 +3017,7 @@
           <a:p>
             <a:fld id="{034BAC6A-0E2C-43AD-ADB1-F06FA3E3FDA4}" type="datetimeFigureOut">
               <a:rPr lang="en-US" smtClean="0"/>
-              <a:t>2/25/2021</a:t>
+              <a:t>3/9/2021</a:t>
             </a:fld>
             <a:endParaRPr lang="en-US"/>
           </a:p>
@@ -3255,7 +3255,7 @@
           <a:p>
             <a:fld id="{034BAC6A-0E2C-43AD-ADB1-F06FA3E3FDA4}" type="datetimeFigureOut">
               <a:rPr lang="en-US" smtClean="0"/>
-              <a:t>2/25/2021</a:t>
+              <a:t>3/9/2021</a:t>
             </a:fld>
             <a:endParaRPr lang="en-US"/>
           </a:p>
@@ -3576,7 +3576,7 @@
           <a:p>
             <a:fld id="{034BAC6A-0E2C-43AD-ADB1-F06FA3E3FDA4}" type="datetimeFigureOut">
               <a:rPr lang="en-US" smtClean="0"/>
-              <a:t>2/25/2021</a:t>
+              <a:t>3/9/2021</a:t>
             </a:fld>
             <a:endParaRPr lang="en-US"/>
           </a:p>
@@ -3814,7 +3814,7 @@
           <a:p>
             <a:fld id="{034BAC6A-0E2C-43AD-ADB1-F06FA3E3FDA4}" type="datetimeFigureOut">
               <a:rPr lang="en-US" smtClean="0"/>
-              <a:t>2/25/2021</a:t>
+              <a:t>3/9/2021</a:t>
             </a:fld>
             <a:endParaRPr lang="en-US"/>
           </a:p>
@@ -4052,7 +4052,7 @@
           <a:p>
             <a:fld id="{034BAC6A-0E2C-43AD-ADB1-F06FA3E3FDA4}" type="datetimeFigureOut">
               <a:rPr lang="en-US" smtClean="0"/>
-              <a:t>2/25/2021</a:t>
+              <a:t>3/9/2021</a:t>
             </a:fld>
             <a:endParaRPr lang="en-US"/>
           </a:p>
@@ -4357,7 +4357,7 @@
           <a:p>
             <a:fld id="{034BAC6A-0E2C-43AD-ADB1-F06FA3E3FDA4}" type="datetimeFigureOut">
               <a:rPr lang="en-US" smtClean="0"/>
-              <a:t>2/25/2021</a:t>
+              <a:t>3/9/2021</a:t>
             </a:fld>
             <a:endParaRPr lang="en-US"/>
           </a:p>
@@ -4660,7 +4660,7 @@
           <a:p>
             <a:fld id="{034BAC6A-0E2C-43AD-ADB1-F06FA3E3FDA4}" type="datetimeFigureOut">
               <a:rPr lang="en-US" smtClean="0"/>
-              <a:t>2/25/2021</a:t>
+              <a:t>3/9/2021</a:t>
             </a:fld>
             <a:endParaRPr lang="en-US"/>
           </a:p>
@@ -5111,7 +5111,7 @@
           <a:p>
             <a:fld id="{034BAC6A-0E2C-43AD-ADB1-F06FA3E3FDA4}" type="datetimeFigureOut">
               <a:rPr lang="en-US" smtClean="0"/>
-              <a:t>2/25/2021</a:t>
+              <a:t>3/9/2021</a:t>
             </a:fld>
             <a:endParaRPr lang="en-US"/>
           </a:p>
@@ -5284,7 +5284,7 @@
           <a:p>
             <a:fld id="{034BAC6A-0E2C-43AD-ADB1-F06FA3E3FDA4}" type="datetimeFigureOut">
               <a:rPr lang="en-US" smtClean="0"/>
-              <a:t>2/25/2021</a:t>
+              <a:t>3/9/2021</a:t>
             </a:fld>
             <a:endParaRPr lang="en-US"/>
           </a:p>
@@ -5421,7 +5421,7 @@
           <a:p>
             <a:fld id="{034BAC6A-0E2C-43AD-ADB1-F06FA3E3FDA4}" type="datetimeFigureOut">
               <a:rPr lang="en-US" smtClean="0"/>
-              <a:t>2/25/2021</a:t>
+              <a:t>3/9/2021</a:t>
             </a:fld>
             <a:endParaRPr lang="en-US"/>
           </a:p>
@@ -5765,7 +5765,7 @@
           <a:p>
             <a:fld id="{034BAC6A-0E2C-43AD-ADB1-F06FA3E3FDA4}" type="datetimeFigureOut">
               <a:rPr lang="en-US" smtClean="0"/>
-              <a:t>2/25/2021</a:t>
+              <a:t>3/9/2021</a:t>
             </a:fld>
             <a:endParaRPr lang="en-US"/>
           </a:p>
@@ -6086,7 +6086,7 @@
           <a:p>
             <a:fld id="{034BAC6A-0E2C-43AD-ADB1-F06FA3E3FDA4}" type="datetimeFigureOut">
               <a:rPr lang="en-US" smtClean="0"/>
-              <a:t>2/25/2021</a:t>
+              <a:t>3/9/2021</a:t>
             </a:fld>
             <a:endParaRPr lang="en-US"/>
           </a:p>
@@ -8790,8 +8790,8 @@
         </p:nvSpPr>
         <p:spPr>
           <a:xfrm>
-            <a:off x="3758454" y="2958353"/>
-            <a:ext cx="2212042" cy="369332"/>
+            <a:off x="5448665" y="2972402"/>
+            <a:ext cx="1622603" cy="369332"/>
           </a:xfrm>
           <a:prstGeom prst="rect">
             <a:avLst/>
@@ -8841,13 +8841,13 @@
           <p:nvPr>
             <p:extLst>
               <p:ext uri="{D42A27DB-BD31-4B8C-83A1-F6EECF244321}">
-                <p14:modId xmlns:p14="http://schemas.microsoft.com/office/powerpoint/2010/main" val="1978372941"/>
+                <p14:modId xmlns:p14="http://schemas.microsoft.com/office/powerpoint/2010/main" val="2591043384"/>
               </p:ext>
             </p:extLst>
           </p:nvPr>
         </p:nvGraphicFramePr>
         <p:xfrm>
-          <a:off x="3363310" y="3544061"/>
+          <a:off x="3363309" y="3531902"/>
           <a:ext cx="7583213" cy="670560"/>
         </p:xfrm>
         <a:graphic>
@@ -8857,21 +8857,21 @@
                 <a:tableStyleId>{5C22544A-7EE6-4342-B048-85BDC9FD1C3A}</a:tableStyleId>
               </a:tblPr>
               <a:tblGrid>
-                <a:gridCol w="1882807">
+                <a:gridCol w="1476705">
                   <a:extLst>
                     <a:ext uri="{9D8B030D-6E8A-4147-A177-3AD203B41FA5}">
                       <a16:colId xmlns:a16="http://schemas.microsoft.com/office/drawing/2014/main" val="556389192"/>
                     </a:ext>
                   </a:extLst>
                 </a:gridCol>
-                <a:gridCol w="1132165">
+                <a:gridCol w="977462">
                   <a:extLst>
                     <a:ext uri="{9D8B030D-6E8A-4147-A177-3AD203B41FA5}">
                       <a16:colId xmlns:a16="http://schemas.microsoft.com/office/drawing/2014/main" val="3912181672"/>
                     </a:ext>
                   </a:extLst>
                 </a:gridCol>
-                <a:gridCol w="1461701">
+                <a:gridCol w="2022506">
                   <a:extLst>
                     <a:ext uri="{9D8B030D-6E8A-4147-A177-3AD203B41FA5}">
                       <a16:colId xmlns:a16="http://schemas.microsoft.com/office/drawing/2014/main" val="1978353106"/>
@@ -8967,7 +8967,7 @@
                             </a:schemeClr>
                           </a:solidFill>
                         </a:rPr>
-                        <a:t>Availability</a:t>
+                        <a:t>Allow to borrow</a:t>
                       </a:r>
                     </a:p>
                   </a:txBody>
@@ -9094,7 +9094,7 @@
                             </a:schemeClr>
                           </a:solidFill>
                         </a:rPr>
-                        <a:t>       Availability</a:t>
+                        <a:t>       Allow to borrow</a:t>
                       </a:r>
                       <a:endParaRPr lang="en-US" sz="1600" dirty="0">
                         <a:solidFill>
@@ -9170,84 +9170,6 @@
           </a:graphicData>
         </a:graphic>
       </p:graphicFrame>
-      <p:pic>
-        <p:nvPicPr>
-          <p:cNvPr id="14" name="Graphic 13" descr="Toggle outline">
-            <a:extLst>
-              <a:ext uri="{FF2B5EF4-FFF2-40B4-BE49-F238E27FC236}">
-                <a16:creationId xmlns:a16="http://schemas.microsoft.com/office/drawing/2014/main" id="{6048EAD6-588D-4792-8FB2-F03C38582201}"/>
-              </a:ext>
-            </a:extLst>
-          </p:cNvPr>
-          <p:cNvPicPr>
-            <a:picLocks noChangeAspect="1"/>
-          </p:cNvPicPr>
-          <p:nvPr/>
-        </p:nvPicPr>
-        <p:blipFill>
-          <a:blip r:embed="rId3">
-            <a:extLst>
-              <a:ext uri="{28A0092B-C50C-407E-A947-70E740481C1C}">
-                <a14:useLocalDpi xmlns:a14="http://schemas.microsoft.com/office/drawing/2010/main" val="0"/>
-              </a:ext>
-              <a:ext uri="{96DAC541-7B7A-43D3-8B79-37D633B846F1}">
-                <asvg:svgBlip xmlns:asvg="http://schemas.microsoft.com/office/drawing/2016/SVG/main" r:embed="rId4"/>
-              </a:ext>
-            </a:extLst>
-          </a:blip>
-          <a:stretch>
-            <a:fillRect/>
-          </a:stretch>
-        </p:blipFill>
-        <p:spPr>
-          <a:xfrm>
-            <a:off x="6439162" y="3557806"/>
-            <a:ext cx="307790" cy="307790"/>
-          </a:xfrm>
-          <a:prstGeom prst="rect">
-            <a:avLst/>
-          </a:prstGeom>
-        </p:spPr>
-      </p:pic>
-      <p:pic>
-        <p:nvPicPr>
-          <p:cNvPr id="15" name="Graphic 14" descr="Toggle outline">
-            <a:extLst>
-              <a:ext uri="{FF2B5EF4-FFF2-40B4-BE49-F238E27FC236}">
-                <a16:creationId xmlns:a16="http://schemas.microsoft.com/office/drawing/2014/main" id="{D44E1067-3469-4371-9B6E-48613FDAEC79}"/>
-              </a:ext>
-            </a:extLst>
-          </p:cNvPr>
-          <p:cNvPicPr>
-            <a:picLocks noChangeAspect="1"/>
-          </p:cNvPicPr>
-          <p:nvPr/>
-        </p:nvPicPr>
-        <p:blipFill>
-          <a:blip r:embed="rId3">
-            <a:extLst>
-              <a:ext uri="{28A0092B-C50C-407E-A947-70E740481C1C}">
-                <a14:useLocalDpi xmlns:a14="http://schemas.microsoft.com/office/drawing/2010/main" val="0"/>
-              </a:ext>
-              <a:ext uri="{96DAC541-7B7A-43D3-8B79-37D633B846F1}">
-                <asvg:svgBlip xmlns:asvg="http://schemas.microsoft.com/office/drawing/2016/SVG/main" r:embed="rId4"/>
-              </a:ext>
-            </a:extLst>
-          </a:blip>
-          <a:stretch>
-            <a:fillRect/>
-          </a:stretch>
-        </p:blipFill>
-        <p:spPr>
-          <a:xfrm>
-            <a:off x="6439162" y="3879341"/>
-            <a:ext cx="307790" cy="307790"/>
-          </a:xfrm>
-          <a:prstGeom prst="rect">
-            <a:avLst/>
-          </a:prstGeom>
-        </p:spPr>
-      </p:pic>
       <p:sp>
         <p:nvSpPr>
           <p:cNvPr id="17" name="TextBox 16">
@@ -9262,7 +9184,7 @@
         </p:nvSpPr>
         <p:spPr>
           <a:xfrm>
-            <a:off x="6365559" y="5219004"/>
+            <a:off x="4946662" y="5016096"/>
             <a:ext cx="2642347" cy="369331"/>
           </a:xfrm>
           <a:prstGeom prst="rect">
@@ -9311,13 +9233,13 @@
           <p:nvPr/>
         </p:nvPicPr>
         <p:blipFill>
-          <a:blip r:embed="rId5">
+          <a:blip r:embed="rId3">
             <a:extLst>
               <a:ext uri="{28A0092B-C50C-407E-A947-70E740481C1C}">
                 <a14:useLocalDpi xmlns:a14="http://schemas.microsoft.com/office/drawing/2010/main" val="0"/>
               </a:ext>
               <a:ext uri="{96DAC541-7B7A-43D3-8B79-37D633B846F1}">
-                <asvg:svgBlip xmlns:asvg="http://schemas.microsoft.com/office/drawing/2016/SVG/main" r:embed="rId6"/>
+                <asvg:svgBlip xmlns:asvg="http://schemas.microsoft.com/office/drawing/2016/SVG/main" r:embed="rId4"/>
               </a:ext>
             </a:extLst>
           </a:blip>
@@ -9327,7 +9249,7 @@
         </p:blipFill>
         <p:spPr>
           <a:xfrm>
-            <a:off x="6439162" y="5228252"/>
+            <a:off x="5088582" y="5026065"/>
             <a:ext cx="360083" cy="360083"/>
           </a:xfrm>
           <a:prstGeom prst="rect">
@@ -9341,6 +9263,84 @@
             <a:extLst>
               <a:ext uri="{FF2B5EF4-FFF2-40B4-BE49-F238E27FC236}">
                 <a16:creationId xmlns:a16="http://schemas.microsoft.com/office/drawing/2014/main" id="{8FB77953-FB1B-4449-9577-14E0A885FD1C}"/>
+              </a:ext>
+            </a:extLst>
+          </p:cNvPr>
+          <p:cNvPicPr>
+            <a:picLocks noChangeAspect="1"/>
+          </p:cNvPicPr>
+          <p:nvPr/>
+        </p:nvPicPr>
+        <p:blipFill>
+          <a:blip r:embed="rId5">
+            <a:extLst>
+              <a:ext uri="{28A0092B-C50C-407E-A947-70E740481C1C}">
+                <a14:useLocalDpi xmlns:a14="http://schemas.microsoft.com/office/drawing/2010/main" val="0"/>
+              </a:ext>
+              <a:ext uri="{96DAC541-7B7A-43D3-8B79-37D633B846F1}">
+                <asvg:svgBlip xmlns:asvg="http://schemas.microsoft.com/office/drawing/2016/SVG/main" r:embed="rId6"/>
+              </a:ext>
+            </a:extLst>
+          </a:blip>
+          <a:stretch>
+            <a:fillRect/>
+          </a:stretch>
+        </p:blipFill>
+        <p:spPr>
+          <a:xfrm>
+            <a:off x="7854031" y="3557805"/>
+            <a:ext cx="307791" cy="307791"/>
+          </a:xfrm>
+          <a:prstGeom prst="rect">
+            <a:avLst/>
+          </a:prstGeom>
+        </p:spPr>
+      </p:pic>
+      <p:pic>
+        <p:nvPicPr>
+          <p:cNvPr id="22" name="Graphic 21" descr="Pencil outline">
+            <a:extLst>
+              <a:ext uri="{FF2B5EF4-FFF2-40B4-BE49-F238E27FC236}">
+                <a16:creationId xmlns:a16="http://schemas.microsoft.com/office/drawing/2014/main" id="{CF7AE1CB-0316-4514-A5C5-8AF53A690C2B}"/>
+              </a:ext>
+            </a:extLst>
+          </p:cNvPr>
+          <p:cNvPicPr>
+            <a:picLocks noChangeAspect="1"/>
+          </p:cNvPicPr>
+          <p:nvPr/>
+        </p:nvPicPr>
+        <p:blipFill>
+          <a:blip r:embed="rId5">
+            <a:extLst>
+              <a:ext uri="{28A0092B-C50C-407E-A947-70E740481C1C}">
+                <a14:useLocalDpi xmlns:a14="http://schemas.microsoft.com/office/drawing/2010/main" val="0"/>
+              </a:ext>
+              <a:ext uri="{96DAC541-7B7A-43D3-8B79-37D633B846F1}">
+                <asvg:svgBlip xmlns:asvg="http://schemas.microsoft.com/office/drawing/2016/SVG/main" r:embed="rId6"/>
+              </a:ext>
+            </a:extLst>
+          </a:blip>
+          <a:stretch>
+            <a:fillRect/>
+          </a:stretch>
+        </p:blipFill>
+        <p:spPr>
+          <a:xfrm>
+            <a:off x="7874094" y="3880222"/>
+            <a:ext cx="307791" cy="307791"/>
+          </a:xfrm>
+          <a:prstGeom prst="rect">
+            <a:avLst/>
+          </a:prstGeom>
+        </p:spPr>
+      </p:pic>
+      <p:pic>
+        <p:nvPicPr>
+          <p:cNvPr id="4" name="Graphic 3" descr="Garbage outline">
+            <a:extLst>
+              <a:ext uri="{FF2B5EF4-FFF2-40B4-BE49-F238E27FC236}">
+                <a16:creationId xmlns:a16="http://schemas.microsoft.com/office/drawing/2014/main" id="{BB9DC6C0-29FA-4FBC-BC24-8A7226EAE53B}"/>
               </a:ext>
             </a:extLst>
           </p:cNvPr>
@@ -9366,8 +9366,8 @@
         </p:blipFill>
         <p:spPr>
           <a:xfrm>
-            <a:off x="7854031" y="3557805"/>
-            <a:ext cx="307791" cy="307791"/>
+            <a:off x="9427058" y="3577484"/>
+            <a:ext cx="268432" cy="268432"/>
           </a:xfrm>
           <a:prstGeom prst="rect">
             <a:avLst/>
@@ -9376,10 +9376,10 @@
       </p:pic>
       <p:pic>
         <p:nvPicPr>
-          <p:cNvPr id="22" name="Graphic 21" descr="Pencil outline">
-            <a:extLst>
-              <a:ext uri="{FF2B5EF4-FFF2-40B4-BE49-F238E27FC236}">
-                <a16:creationId xmlns:a16="http://schemas.microsoft.com/office/drawing/2014/main" id="{CF7AE1CB-0316-4514-A5C5-8AF53A690C2B}"/>
+          <p:cNvPr id="16" name="Graphic 15" descr="Garbage outline">
+            <a:extLst>
+              <a:ext uri="{FF2B5EF4-FFF2-40B4-BE49-F238E27FC236}">
+                <a16:creationId xmlns:a16="http://schemas.microsoft.com/office/drawing/2014/main" id="{79EF5534-976D-4248-A10B-A04E280FD128}"/>
               </a:ext>
             </a:extLst>
           </p:cNvPr>
@@ -9405,84 +9405,6 @@
         </p:blipFill>
         <p:spPr>
           <a:xfrm>
-            <a:off x="7874094" y="3880222"/>
-            <a:ext cx="307791" cy="307791"/>
-          </a:xfrm>
-          <a:prstGeom prst="rect">
-            <a:avLst/>
-          </a:prstGeom>
-        </p:spPr>
-      </p:pic>
-      <p:pic>
-        <p:nvPicPr>
-          <p:cNvPr id="4" name="Graphic 3" descr="Garbage outline">
-            <a:extLst>
-              <a:ext uri="{FF2B5EF4-FFF2-40B4-BE49-F238E27FC236}">
-                <a16:creationId xmlns:a16="http://schemas.microsoft.com/office/drawing/2014/main" id="{BB9DC6C0-29FA-4FBC-BC24-8A7226EAE53B}"/>
-              </a:ext>
-            </a:extLst>
-          </p:cNvPr>
-          <p:cNvPicPr>
-            <a:picLocks noChangeAspect="1"/>
-          </p:cNvPicPr>
-          <p:nvPr/>
-        </p:nvPicPr>
-        <p:blipFill>
-          <a:blip r:embed="rId9">
-            <a:extLst>
-              <a:ext uri="{28A0092B-C50C-407E-A947-70E740481C1C}">
-                <a14:useLocalDpi xmlns:a14="http://schemas.microsoft.com/office/drawing/2010/main" val="0"/>
-              </a:ext>
-              <a:ext uri="{96DAC541-7B7A-43D3-8B79-37D633B846F1}">
-                <asvg:svgBlip xmlns:asvg="http://schemas.microsoft.com/office/drawing/2016/SVG/main" r:embed="rId10"/>
-              </a:ext>
-            </a:extLst>
-          </a:blip>
-          <a:stretch>
-            <a:fillRect/>
-          </a:stretch>
-        </p:blipFill>
-        <p:spPr>
-          <a:xfrm>
-            <a:off x="9427058" y="3577484"/>
-            <a:ext cx="268432" cy="268432"/>
-          </a:xfrm>
-          <a:prstGeom prst="rect">
-            <a:avLst/>
-          </a:prstGeom>
-        </p:spPr>
-      </p:pic>
-      <p:pic>
-        <p:nvPicPr>
-          <p:cNvPr id="16" name="Graphic 15" descr="Garbage outline">
-            <a:extLst>
-              <a:ext uri="{FF2B5EF4-FFF2-40B4-BE49-F238E27FC236}">
-                <a16:creationId xmlns:a16="http://schemas.microsoft.com/office/drawing/2014/main" id="{79EF5534-976D-4248-A10B-A04E280FD128}"/>
-              </a:ext>
-            </a:extLst>
-          </p:cNvPr>
-          <p:cNvPicPr>
-            <a:picLocks noChangeAspect="1"/>
-          </p:cNvPicPr>
-          <p:nvPr/>
-        </p:nvPicPr>
-        <p:blipFill>
-          <a:blip r:embed="rId9">
-            <a:extLst>
-              <a:ext uri="{28A0092B-C50C-407E-A947-70E740481C1C}">
-                <a14:useLocalDpi xmlns:a14="http://schemas.microsoft.com/office/drawing/2010/main" val="0"/>
-              </a:ext>
-              <a:ext uri="{96DAC541-7B7A-43D3-8B79-37D633B846F1}">
-                <asvg:svgBlip xmlns:asvg="http://schemas.microsoft.com/office/drawing/2016/SVG/main" r:embed="rId10"/>
-              </a:ext>
-            </a:extLst>
-          </a:blip>
-          <a:stretch>
-            <a:fillRect/>
-          </a:stretch>
-        </p:blipFill>
-        <p:spPr>
-          <a:xfrm>
             <a:off x="9447870" y="3899020"/>
             <a:ext cx="268432" cy="268432"/>
           </a:xfrm>
@@ -9493,10 +9415,10 @@
       </p:pic>
       <p:sp>
         <p:nvSpPr>
-          <p:cNvPr id="20" name="TextBox 19">
-            <a:extLst>
-              <a:ext uri="{FF2B5EF4-FFF2-40B4-BE49-F238E27FC236}">
-                <a16:creationId xmlns:a16="http://schemas.microsoft.com/office/drawing/2014/main" id="{4D07F791-BD0D-4BB1-A17D-D038BADEAD65}"/>
+          <p:cNvPr id="23" name="TextBox 22">
+            <a:extLst>
+              <a:ext uri="{FF2B5EF4-FFF2-40B4-BE49-F238E27FC236}">
+                <a16:creationId xmlns:a16="http://schemas.microsoft.com/office/drawing/2014/main" id="{EECDD8B2-CFBB-4687-8DA9-E248E949346A}"/>
               </a:ext>
             </a:extLst>
           </p:cNvPr>
@@ -9505,57 +9427,8 @@
         </p:nvSpPr>
         <p:spPr>
           <a:xfrm>
-            <a:off x="5067611" y="5219004"/>
-            <a:ext cx="902885" cy="374947"/>
-          </a:xfrm>
-          <a:prstGeom prst="rect">
-            <a:avLst/>
-          </a:prstGeom>
-        </p:spPr>
-        <p:style>
-          <a:lnRef idx="1">
-            <a:schemeClr val="accent1"/>
-          </a:lnRef>
-          <a:fillRef idx="2">
-            <a:schemeClr val="accent1"/>
-          </a:fillRef>
-          <a:effectRef idx="1">
-            <a:schemeClr val="accent1"/>
-          </a:effectRef>
-          <a:fontRef idx="minor">
-            <a:schemeClr val="dk1"/>
-          </a:fontRef>
-        </p:style>
-        <p:txBody>
-          <a:bodyPr wrap="square" rtlCol="0">
-            <a:spAutoFit/>
-          </a:bodyPr>
-          <a:lstStyle/>
-          <a:p>
-            <a:pPr algn="ctr"/>
-            <a:r>
-              <a:rPr lang="en-US" dirty="0"/>
-              <a:t>Save</a:t>
-            </a:r>
-          </a:p>
-        </p:txBody>
-      </p:sp>
-      <p:sp>
-        <p:nvSpPr>
-          <p:cNvPr id="23" name="TextBox 22">
-            <a:extLst>
-              <a:ext uri="{FF2B5EF4-FFF2-40B4-BE49-F238E27FC236}">
-                <a16:creationId xmlns:a16="http://schemas.microsoft.com/office/drawing/2014/main" id="{EECDD8B2-CFBB-4687-8DA9-E248E949346A}"/>
-              </a:ext>
-            </a:extLst>
-          </p:cNvPr>
-          <p:cNvSpPr txBox="1"/>
-          <p:nvPr/>
-        </p:nvSpPr>
-        <p:spPr>
-          <a:xfrm>
-            <a:off x="6133792" y="2967119"/>
-            <a:ext cx="2212042" cy="369332"/>
+            <a:off x="7268457" y="2972402"/>
+            <a:ext cx="1622603" cy="369332"/>
           </a:xfrm>
           <a:prstGeom prst="rect">
             <a:avLst/>
@@ -9602,8 +9475,8 @@
         </p:nvSpPr>
         <p:spPr>
           <a:xfrm>
-            <a:off x="8532625" y="2967119"/>
-            <a:ext cx="2212042" cy="369332"/>
+            <a:off x="9035422" y="2965066"/>
+            <a:ext cx="1911100" cy="369332"/>
           </a:xfrm>
           <a:prstGeom prst="rect">
             <a:avLst/>
@@ -9636,6 +9509,132 @@
           </a:p>
         </p:txBody>
       </p:sp>
+      <p:sp>
+        <p:nvSpPr>
+          <p:cNvPr id="18" name="TextBox 17">
+            <a:extLst>
+              <a:ext uri="{FF2B5EF4-FFF2-40B4-BE49-F238E27FC236}">
+                <a16:creationId xmlns:a16="http://schemas.microsoft.com/office/drawing/2014/main" id="{1CB0A7A6-D8DA-4D29-BD2F-D17F5A175C73}"/>
+              </a:ext>
+            </a:extLst>
+          </p:cNvPr>
+          <p:cNvSpPr txBox="1"/>
+          <p:nvPr/>
+        </p:nvSpPr>
+        <p:spPr>
+          <a:xfrm>
+            <a:off x="3558037" y="2976307"/>
+            <a:ext cx="1622603" cy="369332"/>
+          </a:xfrm>
+          <a:prstGeom prst="rect">
+            <a:avLst/>
+          </a:prstGeom>
+        </p:spPr>
+        <p:style>
+          <a:lnRef idx="2">
+            <a:schemeClr val="accent3"/>
+          </a:lnRef>
+          <a:fillRef idx="1">
+            <a:schemeClr val="lt1"/>
+          </a:fillRef>
+          <a:effectRef idx="0">
+            <a:schemeClr val="accent3"/>
+          </a:effectRef>
+          <a:fontRef idx="minor">
+            <a:schemeClr val="dk1"/>
+          </a:fontRef>
+        </p:style>
+        <p:txBody>
+          <a:bodyPr wrap="square" rtlCol="0">
+            <a:spAutoFit/>
+          </a:bodyPr>
+          <a:lstStyle/>
+          <a:p>
+            <a:r>
+              <a:rPr lang="en-US" dirty="0"/>
+              <a:t>Profile</a:t>
+            </a:r>
+          </a:p>
+        </p:txBody>
+      </p:sp>
+      <p:pic>
+        <p:nvPicPr>
+          <p:cNvPr id="13" name="Graphic 12" descr="Checkbox Checked outline">
+            <a:extLst>
+              <a:ext uri="{FF2B5EF4-FFF2-40B4-BE49-F238E27FC236}">
+                <a16:creationId xmlns:a16="http://schemas.microsoft.com/office/drawing/2014/main" id="{9BD5FF58-1FB4-48D7-B925-A870E6A5C9FC}"/>
+              </a:ext>
+            </a:extLst>
+          </p:cNvPr>
+          <p:cNvPicPr>
+            <a:picLocks noChangeAspect="1"/>
+          </p:cNvPicPr>
+          <p:nvPr/>
+        </p:nvPicPr>
+        <p:blipFill>
+          <a:blip r:embed="rId9">
+            <a:extLst>
+              <a:ext uri="{28A0092B-C50C-407E-A947-70E740481C1C}">
+                <a14:useLocalDpi xmlns:a14="http://schemas.microsoft.com/office/drawing/2010/main" val="0"/>
+              </a:ext>
+              <a:ext uri="{96DAC541-7B7A-43D3-8B79-37D633B846F1}">
+                <asvg:svgBlip xmlns:asvg="http://schemas.microsoft.com/office/drawing/2016/SVG/main" r:embed="rId10"/>
+              </a:ext>
+            </a:extLst>
+          </a:blip>
+          <a:stretch>
+            <a:fillRect/>
+          </a:stretch>
+        </p:blipFill>
+        <p:spPr>
+          <a:xfrm>
+            <a:off x="5862917" y="3557805"/>
+            <a:ext cx="304800" cy="304800"/>
+          </a:xfrm>
+          <a:prstGeom prst="rect">
+            <a:avLst/>
+          </a:prstGeom>
+        </p:spPr>
+      </p:pic>
+      <p:pic>
+        <p:nvPicPr>
+          <p:cNvPr id="26" name="Graphic 25" descr="Checkbox Checked outline">
+            <a:extLst>
+              <a:ext uri="{FF2B5EF4-FFF2-40B4-BE49-F238E27FC236}">
+                <a16:creationId xmlns:a16="http://schemas.microsoft.com/office/drawing/2014/main" id="{7169E690-4C3C-42DC-9EC5-3514EA1F583A}"/>
+              </a:ext>
+            </a:extLst>
+          </p:cNvPr>
+          <p:cNvPicPr>
+            <a:picLocks noChangeAspect="1"/>
+          </p:cNvPicPr>
+          <p:nvPr/>
+        </p:nvPicPr>
+        <p:blipFill>
+          <a:blip r:embed="rId9">
+            <a:extLst>
+              <a:ext uri="{28A0092B-C50C-407E-A947-70E740481C1C}">
+                <a14:useLocalDpi xmlns:a14="http://schemas.microsoft.com/office/drawing/2010/main" val="0"/>
+              </a:ext>
+              <a:ext uri="{96DAC541-7B7A-43D3-8B79-37D633B846F1}">
+                <asvg:svgBlip xmlns:asvg="http://schemas.microsoft.com/office/drawing/2016/SVG/main" r:embed="rId10"/>
+              </a:ext>
+            </a:extLst>
+          </a:blip>
+          <a:stretch>
+            <a:fillRect/>
+          </a:stretch>
+        </p:blipFill>
+        <p:spPr>
+          <a:xfrm>
+            <a:off x="5862917" y="3899020"/>
+            <a:ext cx="304800" cy="304800"/>
+          </a:xfrm>
+          <a:prstGeom prst="rect">
+            <a:avLst/>
+          </a:prstGeom>
+        </p:spPr>
+      </p:pic>
     </p:spTree>
     <p:extLst>
       <p:ext uri="{BB962C8B-B14F-4D97-AF65-F5344CB8AC3E}">
@@ -9786,8 +9785,8 @@
         </p:nvSpPr>
         <p:spPr>
           <a:xfrm>
-            <a:off x="3758454" y="2967119"/>
-            <a:ext cx="2212042" cy="369332"/>
+            <a:off x="5308011" y="2985667"/>
+            <a:ext cx="1460651" cy="369332"/>
           </a:xfrm>
           <a:prstGeom prst="rect">
             <a:avLst/>
@@ -9832,7 +9831,13 @@
           <p:cNvGraphicFramePr>
             <a:graphicFrameLocks noGrp="1"/>
           </p:cNvGraphicFramePr>
-          <p:nvPr/>
+          <p:nvPr>
+            <p:extLst>
+              <p:ext uri="{D42A27DB-BD31-4B8C-83A1-F6EECF244321}">
+                <p14:modId xmlns:p14="http://schemas.microsoft.com/office/powerpoint/2010/main" val="417765943"/>
+              </p:ext>
+            </p:extLst>
+          </p:nvPr>
         </p:nvGraphicFramePr>
         <p:xfrm>
           <a:off x="3363310" y="3544061"/>
@@ -9845,21 +9850,21 @@
                 <a:tableStyleId>{5C22544A-7EE6-4342-B048-85BDC9FD1C3A}</a:tableStyleId>
               </a:tblPr>
               <a:tblGrid>
-                <a:gridCol w="1882807">
+                <a:gridCol w="1119352">
                   <a:extLst>
                     <a:ext uri="{9D8B030D-6E8A-4147-A177-3AD203B41FA5}">
                       <a16:colId xmlns:a16="http://schemas.microsoft.com/office/drawing/2014/main" val="556389192"/>
                     </a:ext>
                   </a:extLst>
                 </a:gridCol>
-                <a:gridCol w="1132165">
+                <a:gridCol w="1093076">
                   <a:extLst>
                     <a:ext uri="{9D8B030D-6E8A-4147-A177-3AD203B41FA5}">
                       <a16:colId xmlns:a16="http://schemas.microsoft.com/office/drawing/2014/main" val="3912181672"/>
                     </a:ext>
                   </a:extLst>
                 </a:gridCol>
-                <a:gridCol w="1461701">
+                <a:gridCol w="2264245">
                   <a:extLst>
                     <a:ext uri="{9D8B030D-6E8A-4147-A177-3AD203B41FA5}">
                       <a16:colId xmlns:a16="http://schemas.microsoft.com/office/drawing/2014/main" val="1978353106"/>
@@ -9955,7 +9960,7 @@
                             </a:schemeClr>
                           </a:solidFill>
                         </a:rPr>
-                        <a:t>Availability</a:t>
+                        <a:t>Allow to borrow</a:t>
                       </a:r>
                     </a:p>
                   </a:txBody>
@@ -10082,7 +10087,7 @@
                             </a:schemeClr>
                           </a:solidFill>
                         </a:rPr>
-                        <a:t>       Availability</a:t>
+                        <a:t>       Allow to borrow</a:t>
                       </a:r>
                       <a:endParaRPr lang="en-US" sz="1600" dirty="0">
                         <a:solidFill>
@@ -10160,10 +10165,10 @@
       </p:graphicFrame>
       <p:pic>
         <p:nvPicPr>
-          <p:cNvPr id="14" name="Graphic 13" descr="Toggle outline">
-            <a:extLst>
-              <a:ext uri="{FF2B5EF4-FFF2-40B4-BE49-F238E27FC236}">
-                <a16:creationId xmlns:a16="http://schemas.microsoft.com/office/drawing/2014/main" id="{6048EAD6-588D-4792-8FB2-F03C38582201}"/>
+          <p:cNvPr id="21" name="Graphic 20" descr="Pencil outline">
+            <a:extLst>
+              <a:ext uri="{FF2B5EF4-FFF2-40B4-BE49-F238E27FC236}">
+                <a16:creationId xmlns:a16="http://schemas.microsoft.com/office/drawing/2014/main" id="{8FB77953-FB1B-4449-9577-14E0A885FD1C}"/>
               </a:ext>
             </a:extLst>
           </p:cNvPr>
@@ -10189,8 +10194,8 @@
         </p:blipFill>
         <p:spPr>
           <a:xfrm>
-            <a:off x="6439162" y="3557806"/>
-            <a:ext cx="307790" cy="307790"/>
+            <a:off x="7854031" y="3557805"/>
+            <a:ext cx="307791" cy="307791"/>
           </a:xfrm>
           <a:prstGeom prst="rect">
             <a:avLst/>
@@ -10199,10 +10204,10 @@
       </p:pic>
       <p:pic>
         <p:nvPicPr>
-          <p:cNvPr id="15" name="Graphic 14" descr="Toggle outline">
-            <a:extLst>
-              <a:ext uri="{FF2B5EF4-FFF2-40B4-BE49-F238E27FC236}">
-                <a16:creationId xmlns:a16="http://schemas.microsoft.com/office/drawing/2014/main" id="{D44E1067-3469-4371-9B6E-48613FDAEC79}"/>
+          <p:cNvPr id="22" name="Graphic 21" descr="Pencil outline">
+            <a:extLst>
+              <a:ext uri="{FF2B5EF4-FFF2-40B4-BE49-F238E27FC236}">
+                <a16:creationId xmlns:a16="http://schemas.microsoft.com/office/drawing/2014/main" id="{CF7AE1CB-0316-4514-A5C5-8AF53A690C2B}"/>
               </a:ext>
             </a:extLst>
           </p:cNvPr>
@@ -10228,8 +10233,8 @@
         </p:blipFill>
         <p:spPr>
           <a:xfrm>
-            <a:off x="6439162" y="3879341"/>
-            <a:ext cx="307790" cy="307790"/>
+            <a:off x="7874094" y="3880222"/>
+            <a:ext cx="307791" cy="307791"/>
           </a:xfrm>
           <a:prstGeom prst="rect">
             <a:avLst/>
@@ -10238,10 +10243,10 @@
       </p:pic>
       <p:pic>
         <p:nvPicPr>
-          <p:cNvPr id="21" name="Graphic 20" descr="Pencil outline">
-            <a:extLst>
-              <a:ext uri="{FF2B5EF4-FFF2-40B4-BE49-F238E27FC236}">
-                <a16:creationId xmlns:a16="http://schemas.microsoft.com/office/drawing/2014/main" id="{8FB77953-FB1B-4449-9577-14E0A885FD1C}"/>
+          <p:cNvPr id="4" name="Graphic 3" descr="Garbage outline">
+            <a:extLst>
+              <a:ext uri="{FF2B5EF4-FFF2-40B4-BE49-F238E27FC236}">
+                <a16:creationId xmlns:a16="http://schemas.microsoft.com/office/drawing/2014/main" id="{BB9DC6C0-29FA-4FBC-BC24-8A7226EAE53B}"/>
               </a:ext>
             </a:extLst>
           </p:cNvPr>
@@ -10267,8 +10272,8 @@
         </p:blipFill>
         <p:spPr>
           <a:xfrm>
-            <a:off x="7854031" y="3557805"/>
-            <a:ext cx="307791" cy="307791"/>
+            <a:off x="9427058" y="3577484"/>
+            <a:ext cx="268432" cy="268432"/>
           </a:xfrm>
           <a:prstGeom prst="rect">
             <a:avLst/>
@@ -10277,10 +10282,10 @@
       </p:pic>
       <p:pic>
         <p:nvPicPr>
-          <p:cNvPr id="22" name="Graphic 21" descr="Pencil outline">
-            <a:extLst>
-              <a:ext uri="{FF2B5EF4-FFF2-40B4-BE49-F238E27FC236}">
-                <a16:creationId xmlns:a16="http://schemas.microsoft.com/office/drawing/2014/main" id="{CF7AE1CB-0316-4514-A5C5-8AF53A690C2B}"/>
+          <p:cNvPr id="16" name="Graphic 15" descr="Garbage outline">
+            <a:extLst>
+              <a:ext uri="{FF2B5EF4-FFF2-40B4-BE49-F238E27FC236}">
+                <a16:creationId xmlns:a16="http://schemas.microsoft.com/office/drawing/2014/main" id="{79EF5534-976D-4248-A10B-A04E280FD128}"/>
               </a:ext>
             </a:extLst>
           </p:cNvPr>
@@ -10306,84 +10311,6 @@
         </p:blipFill>
         <p:spPr>
           <a:xfrm>
-            <a:off x="7874094" y="3880222"/>
-            <a:ext cx="307791" cy="307791"/>
-          </a:xfrm>
-          <a:prstGeom prst="rect">
-            <a:avLst/>
-          </a:prstGeom>
-        </p:spPr>
-      </p:pic>
-      <p:pic>
-        <p:nvPicPr>
-          <p:cNvPr id="4" name="Graphic 3" descr="Garbage outline">
-            <a:extLst>
-              <a:ext uri="{FF2B5EF4-FFF2-40B4-BE49-F238E27FC236}">
-                <a16:creationId xmlns:a16="http://schemas.microsoft.com/office/drawing/2014/main" id="{BB9DC6C0-29FA-4FBC-BC24-8A7226EAE53B}"/>
-              </a:ext>
-            </a:extLst>
-          </p:cNvPr>
-          <p:cNvPicPr>
-            <a:picLocks noChangeAspect="1"/>
-          </p:cNvPicPr>
-          <p:nvPr/>
-        </p:nvPicPr>
-        <p:blipFill>
-          <a:blip r:embed="rId7">
-            <a:extLst>
-              <a:ext uri="{28A0092B-C50C-407E-A947-70E740481C1C}">
-                <a14:useLocalDpi xmlns:a14="http://schemas.microsoft.com/office/drawing/2010/main" val="0"/>
-              </a:ext>
-              <a:ext uri="{96DAC541-7B7A-43D3-8B79-37D633B846F1}">
-                <asvg:svgBlip xmlns:asvg="http://schemas.microsoft.com/office/drawing/2016/SVG/main" r:embed="rId8"/>
-              </a:ext>
-            </a:extLst>
-          </a:blip>
-          <a:stretch>
-            <a:fillRect/>
-          </a:stretch>
-        </p:blipFill>
-        <p:spPr>
-          <a:xfrm>
-            <a:off x="9427058" y="3577484"/>
-            <a:ext cx="268432" cy="268432"/>
-          </a:xfrm>
-          <a:prstGeom prst="rect">
-            <a:avLst/>
-          </a:prstGeom>
-        </p:spPr>
-      </p:pic>
-      <p:pic>
-        <p:nvPicPr>
-          <p:cNvPr id="16" name="Graphic 15" descr="Garbage outline">
-            <a:extLst>
-              <a:ext uri="{FF2B5EF4-FFF2-40B4-BE49-F238E27FC236}">
-                <a16:creationId xmlns:a16="http://schemas.microsoft.com/office/drawing/2014/main" id="{79EF5534-976D-4248-A10B-A04E280FD128}"/>
-              </a:ext>
-            </a:extLst>
-          </p:cNvPr>
-          <p:cNvPicPr>
-            <a:picLocks noChangeAspect="1"/>
-          </p:cNvPicPr>
-          <p:nvPr/>
-        </p:nvPicPr>
-        <p:blipFill>
-          <a:blip r:embed="rId7">
-            <a:extLst>
-              <a:ext uri="{28A0092B-C50C-407E-A947-70E740481C1C}">
-                <a14:useLocalDpi xmlns:a14="http://schemas.microsoft.com/office/drawing/2010/main" val="0"/>
-              </a:ext>
-              <a:ext uri="{96DAC541-7B7A-43D3-8B79-37D633B846F1}">
-                <asvg:svgBlip xmlns:asvg="http://schemas.microsoft.com/office/drawing/2016/SVG/main" r:embed="rId8"/>
-              </a:ext>
-            </a:extLst>
-          </a:blip>
-          <a:stretch>
-            <a:fillRect/>
-          </a:stretch>
-        </p:blipFill>
-        <p:spPr>
-          <a:xfrm>
             <a:off x="9447870" y="3899020"/>
             <a:ext cx="268432" cy="268432"/>
           </a:xfrm>
@@ -10406,8 +10333,8 @@
         </p:nvSpPr>
         <p:spPr>
           <a:xfrm>
-            <a:off x="6133792" y="2967119"/>
-            <a:ext cx="2212042" cy="369332"/>
+            <a:off x="6999177" y="2985667"/>
+            <a:ext cx="1709708" cy="369332"/>
           </a:xfrm>
           <a:prstGeom prst="rect">
             <a:avLst/>
@@ -10454,8 +10381,8 @@
         </p:nvSpPr>
         <p:spPr>
           <a:xfrm>
-            <a:off x="8532625" y="2967119"/>
-            <a:ext cx="2212042" cy="369332"/>
+            <a:off x="9099178" y="2981809"/>
+            <a:ext cx="1837150" cy="369332"/>
           </a:xfrm>
           <a:prstGeom prst="rect">
             <a:avLst/>
@@ -10503,13 +10430,13 @@
           <p:nvPr/>
         </p:nvPicPr>
         <p:blipFill>
-          <a:blip r:embed="rId9">
+          <a:blip r:embed="rId7">
             <a:extLst>
               <a:ext uri="{28A0092B-C50C-407E-A947-70E740481C1C}">
                 <a14:useLocalDpi xmlns:a14="http://schemas.microsoft.com/office/drawing/2010/main" val="0"/>
               </a:ext>
               <a:ext uri="{96DAC541-7B7A-43D3-8B79-37D633B846F1}">
-                <asvg:svgBlip xmlns:asvg="http://schemas.microsoft.com/office/drawing/2016/SVG/main" r:embed="rId10"/>
+                <asvg:svgBlip xmlns:asvg="http://schemas.microsoft.com/office/drawing/2016/SVG/main" r:embed="rId8"/>
               </a:ext>
             </a:extLst>
           </a:blip>
@@ -10714,6 +10641,132 @@
             <a:r>
               <a:rPr lang="en-US" dirty="0"/>
               <a:t>Cancel</a:t>
+            </a:r>
+          </a:p>
+        </p:txBody>
+      </p:sp>
+      <p:pic>
+        <p:nvPicPr>
+          <p:cNvPr id="20" name="Graphic 19" descr="Checkbox Checked outline">
+            <a:extLst>
+              <a:ext uri="{FF2B5EF4-FFF2-40B4-BE49-F238E27FC236}">
+                <a16:creationId xmlns:a16="http://schemas.microsoft.com/office/drawing/2014/main" id="{7DE5B34C-EA38-4D9B-95FE-0FEC4758A76B}"/>
+              </a:ext>
+            </a:extLst>
+          </p:cNvPr>
+          <p:cNvPicPr>
+            <a:picLocks noChangeAspect="1"/>
+          </p:cNvPicPr>
+          <p:nvPr/>
+        </p:nvPicPr>
+        <p:blipFill>
+          <a:blip r:embed="rId9">
+            <a:extLst>
+              <a:ext uri="{28A0092B-C50C-407E-A947-70E740481C1C}">
+                <a14:useLocalDpi xmlns:a14="http://schemas.microsoft.com/office/drawing/2010/main" val="0"/>
+              </a:ext>
+              <a:ext uri="{96DAC541-7B7A-43D3-8B79-37D633B846F1}">
+                <asvg:svgBlip xmlns:asvg="http://schemas.microsoft.com/office/drawing/2016/SVG/main" r:embed="rId10"/>
+              </a:ext>
+            </a:extLst>
+          </a:blip>
+          <a:stretch>
+            <a:fillRect/>
+          </a:stretch>
+        </p:blipFill>
+        <p:spPr>
+          <a:xfrm>
+            <a:off x="5660324" y="3872877"/>
+            <a:ext cx="304800" cy="304800"/>
+          </a:xfrm>
+          <a:prstGeom prst="rect">
+            <a:avLst/>
+          </a:prstGeom>
+        </p:spPr>
+      </p:pic>
+      <p:pic>
+        <p:nvPicPr>
+          <p:cNvPr id="26" name="Graphic 25" descr="Checkbox Checked outline">
+            <a:extLst>
+              <a:ext uri="{FF2B5EF4-FFF2-40B4-BE49-F238E27FC236}">
+                <a16:creationId xmlns:a16="http://schemas.microsoft.com/office/drawing/2014/main" id="{5A6D747D-66FE-4C3C-82F9-337551FA5D2E}"/>
+              </a:ext>
+            </a:extLst>
+          </p:cNvPr>
+          <p:cNvPicPr>
+            <a:picLocks noChangeAspect="1"/>
+          </p:cNvPicPr>
+          <p:nvPr/>
+        </p:nvPicPr>
+        <p:blipFill>
+          <a:blip r:embed="rId9">
+            <a:extLst>
+              <a:ext uri="{28A0092B-C50C-407E-A947-70E740481C1C}">
+                <a14:useLocalDpi xmlns:a14="http://schemas.microsoft.com/office/drawing/2010/main" val="0"/>
+              </a:ext>
+              <a:ext uri="{96DAC541-7B7A-43D3-8B79-37D633B846F1}">
+                <asvg:svgBlip xmlns:asvg="http://schemas.microsoft.com/office/drawing/2016/SVG/main" r:embed="rId10"/>
+              </a:ext>
+            </a:extLst>
+          </a:blip>
+          <a:stretch>
+            <a:fillRect/>
+          </a:stretch>
+        </p:blipFill>
+        <p:spPr>
+          <a:xfrm>
+            <a:off x="5665696" y="3582141"/>
+            <a:ext cx="304800" cy="304800"/>
+          </a:xfrm>
+          <a:prstGeom prst="rect">
+            <a:avLst/>
+          </a:prstGeom>
+        </p:spPr>
+      </p:pic>
+      <p:sp>
+        <p:nvSpPr>
+          <p:cNvPr id="27" name="TextBox 26">
+            <a:extLst>
+              <a:ext uri="{FF2B5EF4-FFF2-40B4-BE49-F238E27FC236}">
+                <a16:creationId xmlns:a16="http://schemas.microsoft.com/office/drawing/2014/main" id="{CA95BBC4-2779-4919-BBF1-D1EE1F0E2A00}"/>
+              </a:ext>
+            </a:extLst>
+          </p:cNvPr>
+          <p:cNvSpPr txBox="1"/>
+          <p:nvPr/>
+        </p:nvSpPr>
+        <p:spPr>
+          <a:xfrm>
+            <a:off x="3309159" y="2985667"/>
+            <a:ext cx="1622603" cy="369332"/>
+          </a:xfrm>
+          <a:prstGeom prst="rect">
+            <a:avLst/>
+          </a:prstGeom>
+        </p:spPr>
+        <p:style>
+          <a:lnRef idx="2">
+            <a:schemeClr val="accent3"/>
+          </a:lnRef>
+          <a:fillRef idx="1">
+            <a:schemeClr val="lt1"/>
+          </a:fillRef>
+          <a:effectRef idx="0">
+            <a:schemeClr val="accent3"/>
+          </a:effectRef>
+          <a:fontRef idx="minor">
+            <a:schemeClr val="dk1"/>
+          </a:fontRef>
+        </p:style>
+        <p:txBody>
+          <a:bodyPr wrap="square" rtlCol="0">
+            <a:spAutoFit/>
+          </a:bodyPr>
+          <a:lstStyle/>
+          <a:p>
+            <a:r>
+              <a:rPr lang="en-US" dirty="0"/>
+              <a:t>Profile</a:t>
             </a:r>
           </a:p>
         </p:txBody>
@@ -12294,8 +12347,8 @@
         </p:nvSpPr>
         <p:spPr>
           <a:xfrm>
-            <a:off x="3758454" y="2958353"/>
-            <a:ext cx="2212042" cy="369332"/>
+            <a:off x="5364303" y="2978549"/>
+            <a:ext cx="1541614" cy="369332"/>
           </a:xfrm>
           <a:prstGeom prst="rect">
             <a:avLst/>
@@ -12342,7 +12395,13 @@
           <p:cNvGraphicFramePr>
             <a:graphicFrameLocks noGrp="1"/>
           </p:cNvGraphicFramePr>
-          <p:nvPr/>
+          <p:nvPr>
+            <p:extLst>
+              <p:ext uri="{D42A27DB-BD31-4B8C-83A1-F6EECF244321}">
+                <p14:modId xmlns:p14="http://schemas.microsoft.com/office/powerpoint/2010/main" val="2274886165"/>
+              </p:ext>
+            </p:extLst>
+          </p:nvPr>
         </p:nvGraphicFramePr>
         <p:xfrm>
           <a:off x="3363310" y="3544061"/>
@@ -12355,21 +12414,21 @@
                 <a:tableStyleId>{5C22544A-7EE6-4342-B048-85BDC9FD1C3A}</a:tableStyleId>
               </a:tblPr>
               <a:tblGrid>
-                <a:gridCol w="1882807">
+                <a:gridCol w="1240221">
                   <a:extLst>
                     <a:ext uri="{9D8B030D-6E8A-4147-A177-3AD203B41FA5}">
                       <a16:colId xmlns:a16="http://schemas.microsoft.com/office/drawing/2014/main" val="556389192"/>
                     </a:ext>
                   </a:extLst>
                 </a:gridCol>
-                <a:gridCol w="1132165">
+                <a:gridCol w="1182414">
                   <a:extLst>
                     <a:ext uri="{9D8B030D-6E8A-4147-A177-3AD203B41FA5}">
                       <a16:colId xmlns:a16="http://schemas.microsoft.com/office/drawing/2014/main" val="3912181672"/>
                     </a:ext>
                   </a:extLst>
                 </a:gridCol>
-                <a:gridCol w="1461701">
+                <a:gridCol w="2054038">
                   <a:extLst>
                     <a:ext uri="{9D8B030D-6E8A-4147-A177-3AD203B41FA5}">
                       <a16:colId xmlns:a16="http://schemas.microsoft.com/office/drawing/2014/main" val="1978353106"/>
@@ -12465,7 +12524,7 @@
                             </a:schemeClr>
                           </a:solidFill>
                         </a:rPr>
-                        <a:t>Availability</a:t>
+                        <a:t>Allow to borrow</a:t>
                       </a:r>
                     </a:p>
                   </a:txBody>
@@ -12592,7 +12651,7 @@
                             </a:schemeClr>
                           </a:solidFill>
                         </a:rPr>
-                        <a:t>       Availability</a:t>
+                        <a:t>       Allow to borrow</a:t>
                       </a:r>
                       <a:endParaRPr lang="en-US" sz="1600" dirty="0">
                         <a:solidFill>
@@ -12668,84 +12727,6 @@
           </a:graphicData>
         </a:graphic>
       </p:graphicFrame>
-      <p:pic>
-        <p:nvPicPr>
-          <p:cNvPr id="14" name="Graphic 13" descr="Toggle outline">
-            <a:extLst>
-              <a:ext uri="{FF2B5EF4-FFF2-40B4-BE49-F238E27FC236}">
-                <a16:creationId xmlns:a16="http://schemas.microsoft.com/office/drawing/2014/main" id="{6048EAD6-588D-4792-8FB2-F03C38582201}"/>
-              </a:ext>
-            </a:extLst>
-          </p:cNvPr>
-          <p:cNvPicPr>
-            <a:picLocks noChangeAspect="1"/>
-          </p:cNvPicPr>
-          <p:nvPr/>
-        </p:nvPicPr>
-        <p:blipFill>
-          <a:blip r:embed="rId3">
-            <a:extLst>
-              <a:ext uri="{28A0092B-C50C-407E-A947-70E740481C1C}">
-                <a14:useLocalDpi xmlns:a14="http://schemas.microsoft.com/office/drawing/2010/main" val="0"/>
-              </a:ext>
-              <a:ext uri="{96DAC541-7B7A-43D3-8B79-37D633B846F1}">
-                <asvg:svgBlip xmlns:asvg="http://schemas.microsoft.com/office/drawing/2016/SVG/main" r:embed="rId4"/>
-              </a:ext>
-            </a:extLst>
-          </a:blip>
-          <a:stretch>
-            <a:fillRect/>
-          </a:stretch>
-        </p:blipFill>
-        <p:spPr>
-          <a:xfrm>
-            <a:off x="6439162" y="3557806"/>
-            <a:ext cx="307790" cy="307790"/>
-          </a:xfrm>
-          <a:prstGeom prst="rect">
-            <a:avLst/>
-          </a:prstGeom>
-        </p:spPr>
-      </p:pic>
-      <p:pic>
-        <p:nvPicPr>
-          <p:cNvPr id="15" name="Graphic 14" descr="Toggle outline">
-            <a:extLst>
-              <a:ext uri="{FF2B5EF4-FFF2-40B4-BE49-F238E27FC236}">
-                <a16:creationId xmlns:a16="http://schemas.microsoft.com/office/drawing/2014/main" id="{D44E1067-3469-4371-9B6E-48613FDAEC79}"/>
-              </a:ext>
-            </a:extLst>
-          </p:cNvPr>
-          <p:cNvPicPr>
-            <a:picLocks noChangeAspect="1"/>
-          </p:cNvPicPr>
-          <p:nvPr/>
-        </p:nvPicPr>
-        <p:blipFill>
-          <a:blip r:embed="rId3">
-            <a:extLst>
-              <a:ext uri="{28A0092B-C50C-407E-A947-70E740481C1C}">
-                <a14:useLocalDpi xmlns:a14="http://schemas.microsoft.com/office/drawing/2010/main" val="0"/>
-              </a:ext>
-              <a:ext uri="{96DAC541-7B7A-43D3-8B79-37D633B846F1}">
-                <asvg:svgBlip xmlns:asvg="http://schemas.microsoft.com/office/drawing/2016/SVG/main" r:embed="rId4"/>
-              </a:ext>
-            </a:extLst>
-          </a:blip>
-          <a:stretch>
-            <a:fillRect/>
-          </a:stretch>
-        </p:blipFill>
-        <p:spPr>
-          <a:xfrm>
-            <a:off x="6439162" y="3879341"/>
-            <a:ext cx="307790" cy="307790"/>
-          </a:xfrm>
-          <a:prstGeom prst="rect">
-            <a:avLst/>
-          </a:prstGeom>
-        </p:spPr>
-      </p:pic>
       <p:sp>
         <p:nvSpPr>
           <p:cNvPr id="17" name="TextBox 16">
@@ -12809,13 +12790,13 @@
           <p:nvPr/>
         </p:nvPicPr>
         <p:blipFill>
-          <a:blip r:embed="rId5">
+          <a:blip r:embed="rId3">
             <a:extLst>
               <a:ext uri="{28A0092B-C50C-407E-A947-70E740481C1C}">
                 <a14:useLocalDpi xmlns:a14="http://schemas.microsoft.com/office/drawing/2010/main" val="0"/>
               </a:ext>
               <a:ext uri="{96DAC541-7B7A-43D3-8B79-37D633B846F1}">
-                <asvg:svgBlip xmlns:asvg="http://schemas.microsoft.com/office/drawing/2016/SVG/main" r:embed="rId6"/>
+                <asvg:svgBlip xmlns:asvg="http://schemas.microsoft.com/office/drawing/2016/SVG/main" r:embed="rId4"/>
               </a:ext>
             </a:extLst>
           </a:blip>
@@ -12839,6 +12820,84 @@
             <a:extLst>
               <a:ext uri="{FF2B5EF4-FFF2-40B4-BE49-F238E27FC236}">
                 <a16:creationId xmlns:a16="http://schemas.microsoft.com/office/drawing/2014/main" id="{8FB77953-FB1B-4449-9577-14E0A885FD1C}"/>
+              </a:ext>
+            </a:extLst>
+          </p:cNvPr>
+          <p:cNvPicPr>
+            <a:picLocks noChangeAspect="1"/>
+          </p:cNvPicPr>
+          <p:nvPr/>
+        </p:nvPicPr>
+        <p:blipFill>
+          <a:blip r:embed="rId5">
+            <a:extLst>
+              <a:ext uri="{28A0092B-C50C-407E-A947-70E740481C1C}">
+                <a14:useLocalDpi xmlns:a14="http://schemas.microsoft.com/office/drawing/2010/main" val="0"/>
+              </a:ext>
+              <a:ext uri="{96DAC541-7B7A-43D3-8B79-37D633B846F1}">
+                <asvg:svgBlip xmlns:asvg="http://schemas.microsoft.com/office/drawing/2016/SVG/main" r:embed="rId6"/>
+              </a:ext>
+            </a:extLst>
+          </a:blip>
+          <a:stretch>
+            <a:fillRect/>
+          </a:stretch>
+        </p:blipFill>
+        <p:spPr>
+          <a:xfrm>
+            <a:off x="7854031" y="3557805"/>
+            <a:ext cx="307791" cy="307791"/>
+          </a:xfrm>
+          <a:prstGeom prst="rect">
+            <a:avLst/>
+          </a:prstGeom>
+        </p:spPr>
+      </p:pic>
+      <p:pic>
+        <p:nvPicPr>
+          <p:cNvPr id="22" name="Graphic 21" descr="Pencil outline">
+            <a:extLst>
+              <a:ext uri="{FF2B5EF4-FFF2-40B4-BE49-F238E27FC236}">
+                <a16:creationId xmlns:a16="http://schemas.microsoft.com/office/drawing/2014/main" id="{CF7AE1CB-0316-4514-A5C5-8AF53A690C2B}"/>
+              </a:ext>
+            </a:extLst>
+          </p:cNvPr>
+          <p:cNvPicPr>
+            <a:picLocks noChangeAspect="1"/>
+          </p:cNvPicPr>
+          <p:nvPr/>
+        </p:nvPicPr>
+        <p:blipFill>
+          <a:blip r:embed="rId5">
+            <a:extLst>
+              <a:ext uri="{28A0092B-C50C-407E-A947-70E740481C1C}">
+                <a14:useLocalDpi xmlns:a14="http://schemas.microsoft.com/office/drawing/2010/main" val="0"/>
+              </a:ext>
+              <a:ext uri="{96DAC541-7B7A-43D3-8B79-37D633B846F1}">
+                <asvg:svgBlip xmlns:asvg="http://schemas.microsoft.com/office/drawing/2016/SVG/main" r:embed="rId6"/>
+              </a:ext>
+            </a:extLst>
+          </a:blip>
+          <a:stretch>
+            <a:fillRect/>
+          </a:stretch>
+        </p:blipFill>
+        <p:spPr>
+          <a:xfrm>
+            <a:off x="7874094" y="3880222"/>
+            <a:ext cx="307791" cy="307791"/>
+          </a:xfrm>
+          <a:prstGeom prst="rect">
+            <a:avLst/>
+          </a:prstGeom>
+        </p:spPr>
+      </p:pic>
+      <p:pic>
+        <p:nvPicPr>
+          <p:cNvPr id="4" name="Graphic 3" descr="Garbage outline">
+            <a:extLst>
+              <a:ext uri="{FF2B5EF4-FFF2-40B4-BE49-F238E27FC236}">
+                <a16:creationId xmlns:a16="http://schemas.microsoft.com/office/drawing/2014/main" id="{BB9DC6C0-29FA-4FBC-BC24-8A7226EAE53B}"/>
               </a:ext>
             </a:extLst>
           </p:cNvPr>
@@ -12864,8 +12923,8 @@
         </p:blipFill>
         <p:spPr>
           <a:xfrm>
-            <a:off x="7854031" y="3557805"/>
-            <a:ext cx="307791" cy="307791"/>
+            <a:off x="9427058" y="3577484"/>
+            <a:ext cx="268432" cy="268432"/>
           </a:xfrm>
           <a:prstGeom prst="rect">
             <a:avLst/>
@@ -12874,10 +12933,10 @@
       </p:pic>
       <p:pic>
         <p:nvPicPr>
-          <p:cNvPr id="22" name="Graphic 21" descr="Pencil outline">
-            <a:extLst>
-              <a:ext uri="{FF2B5EF4-FFF2-40B4-BE49-F238E27FC236}">
-                <a16:creationId xmlns:a16="http://schemas.microsoft.com/office/drawing/2014/main" id="{CF7AE1CB-0316-4514-A5C5-8AF53A690C2B}"/>
+          <p:cNvPr id="16" name="Graphic 15" descr="Garbage outline">
+            <a:extLst>
+              <a:ext uri="{FF2B5EF4-FFF2-40B4-BE49-F238E27FC236}">
+                <a16:creationId xmlns:a16="http://schemas.microsoft.com/office/drawing/2014/main" id="{79EF5534-976D-4248-A10B-A04E280FD128}"/>
               </a:ext>
             </a:extLst>
           </p:cNvPr>
@@ -12894,84 +12953,6 @@
               </a:ext>
               <a:ext uri="{96DAC541-7B7A-43D3-8B79-37D633B846F1}">
                 <asvg:svgBlip xmlns:asvg="http://schemas.microsoft.com/office/drawing/2016/SVG/main" r:embed="rId8"/>
-              </a:ext>
-            </a:extLst>
-          </a:blip>
-          <a:stretch>
-            <a:fillRect/>
-          </a:stretch>
-        </p:blipFill>
-        <p:spPr>
-          <a:xfrm>
-            <a:off x="7874094" y="3880222"/>
-            <a:ext cx="307791" cy="307791"/>
-          </a:xfrm>
-          <a:prstGeom prst="rect">
-            <a:avLst/>
-          </a:prstGeom>
-        </p:spPr>
-      </p:pic>
-      <p:pic>
-        <p:nvPicPr>
-          <p:cNvPr id="4" name="Graphic 3" descr="Garbage outline">
-            <a:extLst>
-              <a:ext uri="{FF2B5EF4-FFF2-40B4-BE49-F238E27FC236}">
-                <a16:creationId xmlns:a16="http://schemas.microsoft.com/office/drawing/2014/main" id="{BB9DC6C0-29FA-4FBC-BC24-8A7226EAE53B}"/>
-              </a:ext>
-            </a:extLst>
-          </p:cNvPr>
-          <p:cNvPicPr>
-            <a:picLocks noChangeAspect="1"/>
-          </p:cNvPicPr>
-          <p:nvPr/>
-        </p:nvPicPr>
-        <p:blipFill>
-          <a:blip r:embed="rId9">
-            <a:extLst>
-              <a:ext uri="{28A0092B-C50C-407E-A947-70E740481C1C}">
-                <a14:useLocalDpi xmlns:a14="http://schemas.microsoft.com/office/drawing/2010/main" val="0"/>
-              </a:ext>
-              <a:ext uri="{96DAC541-7B7A-43D3-8B79-37D633B846F1}">
-                <asvg:svgBlip xmlns:asvg="http://schemas.microsoft.com/office/drawing/2016/SVG/main" r:embed="rId10"/>
-              </a:ext>
-            </a:extLst>
-          </a:blip>
-          <a:stretch>
-            <a:fillRect/>
-          </a:stretch>
-        </p:blipFill>
-        <p:spPr>
-          <a:xfrm>
-            <a:off x="9427058" y="3577484"/>
-            <a:ext cx="268432" cy="268432"/>
-          </a:xfrm>
-          <a:prstGeom prst="rect">
-            <a:avLst/>
-          </a:prstGeom>
-        </p:spPr>
-      </p:pic>
-      <p:pic>
-        <p:nvPicPr>
-          <p:cNvPr id="16" name="Graphic 15" descr="Garbage outline">
-            <a:extLst>
-              <a:ext uri="{FF2B5EF4-FFF2-40B4-BE49-F238E27FC236}">
-                <a16:creationId xmlns:a16="http://schemas.microsoft.com/office/drawing/2014/main" id="{79EF5534-976D-4248-A10B-A04E280FD128}"/>
-              </a:ext>
-            </a:extLst>
-          </p:cNvPr>
-          <p:cNvPicPr>
-            <a:picLocks noChangeAspect="1"/>
-          </p:cNvPicPr>
-          <p:nvPr/>
-        </p:nvPicPr>
-        <p:blipFill>
-          <a:blip r:embed="rId9">
-            <a:extLst>
-              <a:ext uri="{28A0092B-C50C-407E-A947-70E740481C1C}">
-                <a14:useLocalDpi xmlns:a14="http://schemas.microsoft.com/office/drawing/2010/main" val="0"/>
-              </a:ext>
-              <a:ext uri="{96DAC541-7B7A-43D3-8B79-37D633B846F1}">
-                <asvg:svgBlip xmlns:asvg="http://schemas.microsoft.com/office/drawing/2016/SVG/main" r:embed="rId10"/>
               </a:ext>
             </a:extLst>
           </a:blip>
@@ -13052,8 +13033,8 @@
         </p:nvSpPr>
         <p:spPr>
           <a:xfrm>
-            <a:off x="6133792" y="2967119"/>
-            <a:ext cx="2212042" cy="369332"/>
+            <a:off x="7257392" y="2978549"/>
+            <a:ext cx="1671765" cy="369332"/>
           </a:xfrm>
           <a:prstGeom prst="rect">
             <a:avLst/>
@@ -13100,8 +13081,8 @@
         </p:nvSpPr>
         <p:spPr>
           <a:xfrm>
-            <a:off x="8532625" y="2967119"/>
-            <a:ext cx="2212042" cy="369332"/>
+            <a:off x="9114628" y="2990690"/>
+            <a:ext cx="1831895" cy="369332"/>
           </a:xfrm>
           <a:prstGeom prst="rect">
             <a:avLst/>
@@ -13149,13 +13130,13 @@
           <p:nvPr/>
         </p:nvPicPr>
         <p:blipFill>
-          <a:blip r:embed="rId11">
+          <a:blip r:embed="rId9">
             <a:extLst>
               <a:ext uri="{28A0092B-C50C-407E-A947-70E740481C1C}">
                 <a14:useLocalDpi xmlns:a14="http://schemas.microsoft.com/office/drawing/2010/main" val="0"/>
               </a:ext>
               <a:ext uri="{96DAC541-7B7A-43D3-8B79-37D633B846F1}">
-                <asvg:svgBlip xmlns:asvg="http://schemas.microsoft.com/office/drawing/2016/SVG/main" r:embed="rId12"/>
+                <asvg:svgBlip xmlns:asvg="http://schemas.microsoft.com/office/drawing/2016/SVG/main" r:embed="rId10"/>
               </a:ext>
             </a:extLst>
           </a:blip>
@@ -13167,6 +13148,132 @@
           <a:xfrm>
             <a:off x="8345834" y="5378766"/>
             <a:ext cx="419138" cy="419138"/>
+          </a:xfrm>
+          <a:prstGeom prst="rect">
+            <a:avLst/>
+          </a:prstGeom>
+        </p:spPr>
+      </p:pic>
+      <p:sp>
+        <p:nvSpPr>
+          <p:cNvPr id="25" name="TextBox 24">
+            <a:extLst>
+              <a:ext uri="{FF2B5EF4-FFF2-40B4-BE49-F238E27FC236}">
+                <a16:creationId xmlns:a16="http://schemas.microsoft.com/office/drawing/2014/main" id="{391A576E-F0A8-47F7-BDEA-46C26371D126}"/>
+              </a:ext>
+            </a:extLst>
+          </p:cNvPr>
+          <p:cNvSpPr txBox="1"/>
+          <p:nvPr/>
+        </p:nvSpPr>
+        <p:spPr>
+          <a:xfrm>
+            <a:off x="3363310" y="2999305"/>
+            <a:ext cx="1622603" cy="369332"/>
+          </a:xfrm>
+          <a:prstGeom prst="rect">
+            <a:avLst/>
+          </a:prstGeom>
+        </p:spPr>
+        <p:style>
+          <a:lnRef idx="2">
+            <a:schemeClr val="accent3"/>
+          </a:lnRef>
+          <a:fillRef idx="1">
+            <a:schemeClr val="lt1"/>
+          </a:fillRef>
+          <a:effectRef idx="0">
+            <a:schemeClr val="accent3"/>
+          </a:effectRef>
+          <a:fontRef idx="minor">
+            <a:schemeClr val="dk1"/>
+          </a:fontRef>
+        </p:style>
+        <p:txBody>
+          <a:bodyPr wrap="square" rtlCol="0">
+            <a:spAutoFit/>
+          </a:bodyPr>
+          <a:lstStyle/>
+          <a:p>
+            <a:r>
+              <a:rPr lang="en-US" dirty="0"/>
+              <a:t>Profile</a:t>
+            </a:r>
+          </a:p>
+        </p:txBody>
+      </p:sp>
+      <p:pic>
+        <p:nvPicPr>
+          <p:cNvPr id="26" name="Graphic 25" descr="Checkbox Checked outline">
+            <a:extLst>
+              <a:ext uri="{FF2B5EF4-FFF2-40B4-BE49-F238E27FC236}">
+                <a16:creationId xmlns:a16="http://schemas.microsoft.com/office/drawing/2014/main" id="{9F2017BD-3B04-483E-A6C9-77D4F7A99B2C}"/>
+              </a:ext>
+            </a:extLst>
+          </p:cNvPr>
+          <p:cNvPicPr>
+            <a:picLocks noChangeAspect="1"/>
+          </p:cNvPicPr>
+          <p:nvPr/>
+        </p:nvPicPr>
+        <p:blipFill>
+          <a:blip r:embed="rId11">
+            <a:extLst>
+              <a:ext uri="{28A0092B-C50C-407E-A947-70E740481C1C}">
+                <a14:useLocalDpi xmlns:a14="http://schemas.microsoft.com/office/drawing/2010/main" val="0"/>
+              </a:ext>
+              <a:ext uri="{96DAC541-7B7A-43D3-8B79-37D633B846F1}">
+                <asvg:svgBlip xmlns:asvg="http://schemas.microsoft.com/office/drawing/2016/SVG/main" r:embed="rId12"/>
+              </a:ext>
+            </a:extLst>
+          </a:blip>
+          <a:stretch>
+            <a:fillRect/>
+          </a:stretch>
+        </p:blipFill>
+        <p:spPr>
+          <a:xfrm>
+            <a:off x="5862917" y="3557805"/>
+            <a:ext cx="304800" cy="304800"/>
+          </a:xfrm>
+          <a:prstGeom prst="rect">
+            <a:avLst/>
+          </a:prstGeom>
+        </p:spPr>
+      </p:pic>
+      <p:pic>
+        <p:nvPicPr>
+          <p:cNvPr id="27" name="Graphic 26" descr="Checkbox Checked outline">
+            <a:extLst>
+              <a:ext uri="{FF2B5EF4-FFF2-40B4-BE49-F238E27FC236}">
+                <a16:creationId xmlns:a16="http://schemas.microsoft.com/office/drawing/2014/main" id="{13CEFE50-10D8-440C-8F59-31EFC3BE4ACB}"/>
+              </a:ext>
+            </a:extLst>
+          </p:cNvPr>
+          <p:cNvPicPr>
+            <a:picLocks noChangeAspect="1"/>
+          </p:cNvPicPr>
+          <p:nvPr/>
+        </p:nvPicPr>
+        <p:blipFill>
+          <a:blip r:embed="rId11">
+            <a:extLst>
+              <a:ext uri="{28A0092B-C50C-407E-A947-70E740481C1C}">
+                <a14:useLocalDpi xmlns:a14="http://schemas.microsoft.com/office/drawing/2010/main" val="0"/>
+              </a:ext>
+              <a:ext uri="{96DAC541-7B7A-43D3-8B79-37D633B846F1}">
+                <asvg:svgBlip xmlns:asvg="http://schemas.microsoft.com/office/drawing/2016/SVG/main" r:embed="rId12"/>
+              </a:ext>
+            </a:extLst>
+          </a:blip>
+          <a:stretch>
+            <a:fillRect/>
+          </a:stretch>
+        </p:blipFill>
+        <p:spPr>
+          <a:xfrm>
+            <a:off x="5862917" y="3899020"/>
+            <a:ext cx="304800" cy="304800"/>
           </a:xfrm>
           <a:prstGeom prst="rect">
             <a:avLst/>
@@ -14605,8 +14712,8 @@
         </p:nvSpPr>
         <p:spPr>
           <a:xfrm>
-            <a:off x="3758454" y="2958353"/>
-            <a:ext cx="2212042" cy="369332"/>
+            <a:off x="5320907" y="2955650"/>
+            <a:ext cx="1235586" cy="369332"/>
           </a:xfrm>
           <a:prstGeom prst="rect">
             <a:avLst/>
@@ -14981,8 +15088,8 @@
         </p:nvSpPr>
         <p:spPr>
           <a:xfrm>
-            <a:off x="6133792" y="2967119"/>
-            <a:ext cx="2212042" cy="369332"/>
+            <a:off x="6871094" y="2955650"/>
+            <a:ext cx="2034300" cy="369332"/>
           </a:xfrm>
           <a:prstGeom prst="rect">
             <a:avLst/>
@@ -15029,8 +15136,8 @@
         </p:nvSpPr>
         <p:spPr>
           <a:xfrm>
-            <a:off x="8532625" y="2967119"/>
-            <a:ext cx="2212042" cy="369332"/>
+            <a:off x="9151414" y="2958353"/>
+            <a:ext cx="1805619" cy="369332"/>
           </a:xfrm>
           <a:prstGeom prst="rect">
             <a:avLst/>
@@ -15232,6 +15339,54 @@
           <a:p>
             <a:pPr algn="ctr"/>
             <a:endParaRPr lang="en-US"/>
+          </a:p>
+        </p:txBody>
+      </p:sp>
+      <p:sp>
+        <p:nvSpPr>
+          <p:cNvPr id="13" name="TextBox 12">
+            <a:extLst>
+              <a:ext uri="{FF2B5EF4-FFF2-40B4-BE49-F238E27FC236}">
+                <a16:creationId xmlns:a16="http://schemas.microsoft.com/office/drawing/2014/main" id="{6D981BE5-1C53-4F29-913E-E9200E84F505}"/>
+              </a:ext>
+            </a:extLst>
+          </p:cNvPr>
+          <p:cNvSpPr txBox="1"/>
+          <p:nvPr/>
+        </p:nvSpPr>
+        <p:spPr>
+          <a:xfrm>
+            <a:off x="3383703" y="2954516"/>
+            <a:ext cx="1622603" cy="369332"/>
+          </a:xfrm>
+          <a:prstGeom prst="rect">
+            <a:avLst/>
+          </a:prstGeom>
+        </p:spPr>
+        <p:style>
+          <a:lnRef idx="2">
+            <a:schemeClr val="accent3"/>
+          </a:lnRef>
+          <a:fillRef idx="1">
+            <a:schemeClr val="lt1"/>
+          </a:fillRef>
+          <a:effectRef idx="0">
+            <a:schemeClr val="accent3"/>
+          </a:effectRef>
+          <a:fontRef idx="minor">
+            <a:schemeClr val="dk1"/>
+          </a:fontRef>
+        </p:style>
+        <p:txBody>
+          <a:bodyPr wrap="square" rtlCol="0">
+            <a:spAutoFit/>
+          </a:bodyPr>
+          <a:lstStyle/>
+          <a:p>
+            <a:r>
+              <a:rPr lang="en-US" dirty="0"/>
+              <a:t>Profile</a:t>
+            </a:r>
           </a:p>
         </p:txBody>
       </p:sp>
@@ -15395,8 +15550,8 @@
         </p:nvSpPr>
         <p:spPr>
           <a:xfrm>
-            <a:off x="3758454" y="2958353"/>
-            <a:ext cx="2212042" cy="369332"/>
+            <a:off x="5299977" y="2965155"/>
+            <a:ext cx="1335434" cy="369332"/>
           </a:xfrm>
           <a:prstGeom prst="rect">
             <a:avLst/>
@@ -15771,8 +15926,8 @@
         </p:nvSpPr>
         <p:spPr>
           <a:xfrm>
-            <a:off x="6133792" y="2967119"/>
-            <a:ext cx="2212042" cy="369332"/>
+            <a:off x="7173542" y="2958097"/>
+            <a:ext cx="1634979" cy="369332"/>
           </a:xfrm>
           <a:prstGeom prst="rect">
             <a:avLst/>
@@ -15819,8 +15974,8 @@
         </p:nvSpPr>
         <p:spPr>
           <a:xfrm>
-            <a:off x="8532625" y="2967119"/>
-            <a:ext cx="2212042" cy="369332"/>
+            <a:off x="9085958" y="2960730"/>
+            <a:ext cx="1879191" cy="369332"/>
           </a:xfrm>
           <a:prstGeom prst="rect">
             <a:avLst/>
@@ -16185,6 +16340,54 @@
             <a:r>
               <a:rPr lang="en-US" dirty="0"/>
               <a:t>Contact information</a:t>
+            </a:r>
+          </a:p>
+        </p:txBody>
+      </p:sp>
+      <p:sp>
+        <p:nvSpPr>
+          <p:cNvPr id="17" name="TextBox 16">
+            <a:extLst>
+              <a:ext uri="{FF2B5EF4-FFF2-40B4-BE49-F238E27FC236}">
+                <a16:creationId xmlns:a16="http://schemas.microsoft.com/office/drawing/2014/main" id="{08548445-0F39-46BB-8B4E-189F1C9BA4FD}"/>
+              </a:ext>
+            </a:extLst>
+          </p:cNvPr>
+          <p:cNvSpPr txBox="1"/>
+          <p:nvPr/>
+        </p:nvSpPr>
+        <p:spPr>
+          <a:xfrm>
+            <a:off x="3370261" y="2978549"/>
+            <a:ext cx="1622603" cy="369332"/>
+          </a:xfrm>
+          <a:prstGeom prst="rect">
+            <a:avLst/>
+          </a:prstGeom>
+        </p:spPr>
+        <p:style>
+          <a:lnRef idx="2">
+            <a:schemeClr val="accent3"/>
+          </a:lnRef>
+          <a:fillRef idx="1">
+            <a:schemeClr val="lt1"/>
+          </a:fillRef>
+          <a:effectRef idx="0">
+            <a:schemeClr val="accent3"/>
+          </a:effectRef>
+          <a:fontRef idx="minor">
+            <a:schemeClr val="dk1"/>
+          </a:fontRef>
+        </p:style>
+        <p:txBody>
+          <a:bodyPr wrap="square" rtlCol="0">
+            <a:spAutoFit/>
+          </a:bodyPr>
+          <a:lstStyle/>
+          <a:p>
+            <a:r>
+              <a:rPr lang="en-US" dirty="0"/>
+              <a:t>Profile</a:t>
             </a:r>
           </a:p>
         </p:txBody>
@@ -16349,8 +16552,8 @@
         </p:nvSpPr>
         <p:spPr>
           <a:xfrm>
-            <a:off x="3758454" y="2958353"/>
-            <a:ext cx="2212042" cy="369332"/>
+            <a:off x="5407571" y="2968483"/>
+            <a:ext cx="1267117" cy="369332"/>
           </a:xfrm>
           <a:prstGeom prst="rect">
             <a:avLst/>
@@ -16670,8 +16873,8 @@
         </p:nvSpPr>
         <p:spPr>
           <a:xfrm>
-            <a:off x="6133792" y="2967119"/>
-            <a:ext cx="2212042" cy="369332"/>
+            <a:off x="6993667" y="2967119"/>
+            <a:ext cx="1671765" cy="369332"/>
           </a:xfrm>
           <a:prstGeom prst="rect">
             <a:avLst/>
@@ -16721,8 +16924,8 @@
         </p:nvSpPr>
         <p:spPr>
           <a:xfrm>
-            <a:off x="8532625" y="2967119"/>
-            <a:ext cx="2212042" cy="369332"/>
+            <a:off x="8875985" y="2967119"/>
+            <a:ext cx="1868681" cy="369332"/>
           </a:xfrm>
           <a:prstGeom prst="rect">
             <a:avLst/>
@@ -16797,6 +17000,54 @@
           <a:p>
             <a:pPr algn="ctr"/>
             <a:endParaRPr lang="en-US"/>
+          </a:p>
+        </p:txBody>
+      </p:sp>
+      <p:sp>
+        <p:nvSpPr>
+          <p:cNvPr id="10" name="TextBox 9">
+            <a:extLst>
+              <a:ext uri="{FF2B5EF4-FFF2-40B4-BE49-F238E27FC236}">
+                <a16:creationId xmlns:a16="http://schemas.microsoft.com/office/drawing/2014/main" id="{567F6FC2-9A80-474E-90D1-50F6D20689D1}"/>
+              </a:ext>
+            </a:extLst>
+          </p:cNvPr>
+          <p:cNvSpPr txBox="1"/>
+          <p:nvPr/>
+        </p:nvSpPr>
+        <p:spPr>
+          <a:xfrm>
+            <a:off x="3371222" y="2967119"/>
+            <a:ext cx="1622603" cy="369332"/>
+          </a:xfrm>
+          <a:prstGeom prst="rect">
+            <a:avLst/>
+          </a:prstGeom>
+        </p:spPr>
+        <p:style>
+          <a:lnRef idx="2">
+            <a:schemeClr val="accent3"/>
+          </a:lnRef>
+          <a:fillRef idx="1">
+            <a:schemeClr val="lt1"/>
+          </a:fillRef>
+          <a:effectRef idx="0">
+            <a:schemeClr val="accent3"/>
+          </a:effectRef>
+          <a:fontRef idx="minor">
+            <a:schemeClr val="dk1"/>
+          </a:fontRef>
+        </p:style>
+        <p:txBody>
+          <a:bodyPr wrap="square" rtlCol="0">
+            <a:spAutoFit/>
+          </a:bodyPr>
+          <a:lstStyle/>
+          <a:p>
+            <a:r>
+              <a:rPr lang="en-US" dirty="0"/>
+              <a:t>Profile</a:t>
+            </a:r>
           </a:p>
         </p:txBody>
       </p:sp>

--- a/Construction 1/UI Prototypes.pptx
+++ b/Construction 1/UI Prototypes.pptx
@@ -340,7 +340,7 @@
           <a:p>
             <a:fld id="{034BAC6A-0E2C-43AD-ADB1-F06FA3E3FDA4}" type="datetimeFigureOut">
               <a:rPr lang="en-US" smtClean="0"/>
-              <a:t>3/9/2021</a:t>
+              <a:t>3/18/2021</a:t>
             </a:fld>
             <a:endParaRPr lang="en-US"/>
           </a:p>
@@ -578,7 +578,7 @@
           <a:p>
             <a:fld id="{034BAC6A-0E2C-43AD-ADB1-F06FA3E3FDA4}" type="datetimeFigureOut">
               <a:rPr lang="en-US" smtClean="0"/>
-              <a:t>3/9/2021</a:t>
+              <a:t>3/18/2021</a:t>
             </a:fld>
             <a:endParaRPr lang="en-US"/>
           </a:p>
@@ -816,7 +816,7 @@
           <a:p>
             <a:fld id="{034BAC6A-0E2C-43AD-ADB1-F06FA3E3FDA4}" type="datetimeFigureOut">
               <a:rPr lang="en-US" smtClean="0"/>
-              <a:t>3/9/2021</a:t>
+              <a:t>3/18/2021</a:t>
             </a:fld>
             <a:endParaRPr lang="en-US"/>
           </a:p>
@@ -1066,7 +1066,7 @@
           <a:p>
             <a:fld id="{034BAC6A-0E2C-43AD-ADB1-F06FA3E3FDA4}" type="datetimeFigureOut">
               <a:rPr lang="en-US" smtClean="0"/>
-              <a:t>3/9/2021</a:t>
+              <a:t>3/18/2021</a:t>
             </a:fld>
             <a:endParaRPr lang="en-US"/>
           </a:p>
@@ -1304,7 +1304,7 @@
           <a:p>
             <a:fld id="{034BAC6A-0E2C-43AD-ADB1-F06FA3E3FDA4}" type="datetimeFigureOut">
               <a:rPr lang="en-US" smtClean="0"/>
-              <a:t>3/9/2021</a:t>
+              <a:t>3/18/2021</a:t>
             </a:fld>
             <a:endParaRPr lang="en-US"/>
           </a:p>
@@ -1609,7 +1609,7 @@
           <a:p>
             <a:fld id="{034BAC6A-0E2C-43AD-ADB1-F06FA3E3FDA4}" type="datetimeFigureOut">
               <a:rPr lang="en-US" smtClean="0"/>
-              <a:t>3/9/2021</a:t>
+              <a:t>3/18/2021</a:t>
             </a:fld>
             <a:endParaRPr lang="en-US"/>
           </a:p>
@@ -1912,7 +1912,7 @@
           <a:p>
             <a:fld id="{034BAC6A-0E2C-43AD-ADB1-F06FA3E3FDA4}" type="datetimeFigureOut">
               <a:rPr lang="en-US" smtClean="0"/>
-              <a:t>3/9/2021</a:t>
+              <a:t>3/18/2021</a:t>
             </a:fld>
             <a:endParaRPr lang="en-US"/>
           </a:p>
@@ -2363,7 +2363,7 @@
           <a:p>
             <a:fld id="{034BAC6A-0E2C-43AD-ADB1-F06FA3E3FDA4}" type="datetimeFigureOut">
               <a:rPr lang="en-US" smtClean="0"/>
-              <a:t>3/9/2021</a:t>
+              <a:t>3/18/2021</a:t>
             </a:fld>
             <a:endParaRPr lang="en-US"/>
           </a:p>
@@ -2536,7 +2536,7 @@
           <a:p>
             <a:fld id="{034BAC6A-0E2C-43AD-ADB1-F06FA3E3FDA4}" type="datetimeFigureOut">
               <a:rPr lang="en-US" smtClean="0"/>
-              <a:t>3/9/2021</a:t>
+              <a:t>3/18/2021</a:t>
             </a:fld>
             <a:endParaRPr lang="en-US"/>
           </a:p>
@@ -2673,7 +2673,7 @@
           <a:p>
             <a:fld id="{034BAC6A-0E2C-43AD-ADB1-F06FA3E3FDA4}" type="datetimeFigureOut">
               <a:rPr lang="en-US" smtClean="0"/>
-              <a:t>3/9/2021</a:t>
+              <a:t>3/18/2021</a:t>
             </a:fld>
             <a:endParaRPr lang="en-US"/>
           </a:p>
@@ -3017,7 +3017,7 @@
           <a:p>
             <a:fld id="{034BAC6A-0E2C-43AD-ADB1-F06FA3E3FDA4}" type="datetimeFigureOut">
               <a:rPr lang="en-US" smtClean="0"/>
-              <a:t>3/9/2021</a:t>
+              <a:t>3/18/2021</a:t>
             </a:fld>
             <a:endParaRPr lang="en-US"/>
           </a:p>
@@ -3255,7 +3255,7 @@
           <a:p>
             <a:fld id="{034BAC6A-0E2C-43AD-ADB1-F06FA3E3FDA4}" type="datetimeFigureOut">
               <a:rPr lang="en-US" smtClean="0"/>
-              <a:t>3/9/2021</a:t>
+              <a:t>3/18/2021</a:t>
             </a:fld>
             <a:endParaRPr lang="en-US"/>
           </a:p>
@@ -3576,7 +3576,7 @@
           <a:p>
             <a:fld id="{034BAC6A-0E2C-43AD-ADB1-F06FA3E3FDA4}" type="datetimeFigureOut">
               <a:rPr lang="en-US" smtClean="0"/>
-              <a:t>3/9/2021</a:t>
+              <a:t>3/18/2021</a:t>
             </a:fld>
             <a:endParaRPr lang="en-US"/>
           </a:p>
@@ -3814,7 +3814,7 @@
           <a:p>
             <a:fld id="{034BAC6A-0E2C-43AD-ADB1-F06FA3E3FDA4}" type="datetimeFigureOut">
               <a:rPr lang="en-US" smtClean="0"/>
-              <a:t>3/9/2021</a:t>
+              <a:t>3/18/2021</a:t>
             </a:fld>
             <a:endParaRPr lang="en-US"/>
           </a:p>
@@ -4052,7 +4052,7 @@
           <a:p>
             <a:fld id="{034BAC6A-0E2C-43AD-ADB1-F06FA3E3FDA4}" type="datetimeFigureOut">
               <a:rPr lang="en-US" smtClean="0"/>
-              <a:t>3/9/2021</a:t>
+              <a:t>3/18/2021</a:t>
             </a:fld>
             <a:endParaRPr lang="en-US"/>
           </a:p>
@@ -4357,7 +4357,7 @@
           <a:p>
             <a:fld id="{034BAC6A-0E2C-43AD-ADB1-F06FA3E3FDA4}" type="datetimeFigureOut">
               <a:rPr lang="en-US" smtClean="0"/>
-              <a:t>3/9/2021</a:t>
+              <a:t>3/18/2021</a:t>
             </a:fld>
             <a:endParaRPr lang="en-US"/>
           </a:p>
@@ -4660,7 +4660,7 @@
           <a:p>
             <a:fld id="{034BAC6A-0E2C-43AD-ADB1-F06FA3E3FDA4}" type="datetimeFigureOut">
               <a:rPr lang="en-US" smtClean="0"/>
-              <a:t>3/9/2021</a:t>
+              <a:t>3/18/2021</a:t>
             </a:fld>
             <a:endParaRPr lang="en-US"/>
           </a:p>
@@ -5111,7 +5111,7 @@
           <a:p>
             <a:fld id="{034BAC6A-0E2C-43AD-ADB1-F06FA3E3FDA4}" type="datetimeFigureOut">
               <a:rPr lang="en-US" smtClean="0"/>
-              <a:t>3/9/2021</a:t>
+              <a:t>3/18/2021</a:t>
             </a:fld>
             <a:endParaRPr lang="en-US"/>
           </a:p>
@@ -5284,7 +5284,7 @@
           <a:p>
             <a:fld id="{034BAC6A-0E2C-43AD-ADB1-F06FA3E3FDA4}" type="datetimeFigureOut">
               <a:rPr lang="en-US" smtClean="0"/>
-              <a:t>3/9/2021</a:t>
+              <a:t>3/18/2021</a:t>
             </a:fld>
             <a:endParaRPr lang="en-US"/>
           </a:p>
@@ -5421,7 +5421,7 @@
           <a:p>
             <a:fld id="{034BAC6A-0E2C-43AD-ADB1-F06FA3E3FDA4}" type="datetimeFigureOut">
               <a:rPr lang="en-US" smtClean="0"/>
-              <a:t>3/9/2021</a:t>
+              <a:t>3/18/2021</a:t>
             </a:fld>
             <a:endParaRPr lang="en-US"/>
           </a:p>
@@ -5765,7 +5765,7 @@
           <a:p>
             <a:fld id="{034BAC6A-0E2C-43AD-ADB1-F06FA3E3FDA4}" type="datetimeFigureOut">
               <a:rPr lang="en-US" smtClean="0"/>
-              <a:t>3/9/2021</a:t>
+              <a:t>3/18/2021</a:t>
             </a:fld>
             <a:endParaRPr lang="en-US"/>
           </a:p>
@@ -6086,7 +6086,7 @@
           <a:p>
             <a:fld id="{034BAC6A-0E2C-43AD-ADB1-F06FA3E3FDA4}" type="datetimeFigureOut">
               <a:rPr lang="en-US" smtClean="0"/>
-              <a:t>3/9/2021</a:t>
+              <a:t>3/18/2021</a:t>
             </a:fld>
             <a:endParaRPr lang="en-US"/>
           </a:p>
@@ -8338,7 +8338,7 @@
             <a:pPr algn="ctr"/>
             <a:r>
               <a:rPr lang="en-US" dirty="0"/>
-              <a:t>Not available</a:t>
+              <a:t>Cancel Request</a:t>
             </a:r>
           </a:p>
         </p:txBody>
@@ -11797,7 +11797,7 @@
         </p:nvSpPr>
         <p:spPr>
           <a:xfrm>
-            <a:off x="4847665" y="4087179"/>
+            <a:off x="4847665" y="4005499"/>
             <a:ext cx="2857500" cy="369332"/>
           </a:xfrm>
           <a:prstGeom prst="rect">
@@ -11832,7 +11832,7 @@
         </p:nvSpPr>
         <p:spPr>
           <a:xfrm>
-            <a:off x="4847665" y="4472967"/>
+            <a:off x="4847665" y="4384611"/>
             <a:ext cx="5607424" cy="1477328"/>
           </a:xfrm>
           <a:prstGeom prst="rect">
@@ -12092,97 +12092,45 @@
       </p:sp>
       <p:sp>
         <p:nvSpPr>
-          <p:cNvPr id="14" name="Rectangle: Rounded Corners 13">
-            <a:extLst>
-              <a:ext uri="{FF2B5EF4-FFF2-40B4-BE49-F238E27FC236}">
-                <a16:creationId xmlns:a16="http://schemas.microsoft.com/office/drawing/2014/main" id="{6F5BC5FA-497F-4826-88D6-907DC2EE2392}"/>
-              </a:ext>
-            </a:extLst>
-          </p:cNvPr>
-          <p:cNvSpPr/>
+          <p:cNvPr id="15" name="TextBox 14">
+            <a:extLst>
+              <a:ext uri="{FF2B5EF4-FFF2-40B4-BE49-F238E27FC236}">
+                <a16:creationId xmlns:a16="http://schemas.microsoft.com/office/drawing/2014/main" id="{92D9A771-7798-4ADE-98DD-B2C606D54950}"/>
+              </a:ext>
+            </a:extLst>
+          </p:cNvPr>
+          <p:cNvSpPr txBox="1"/>
           <p:nvPr/>
         </p:nvSpPr>
         <p:spPr>
           <a:xfrm>
-            <a:off x="4814047" y="6007242"/>
-            <a:ext cx="2041301" cy="369331"/>
-          </a:xfrm>
-          <a:prstGeom prst="roundRect">
-            <a:avLst/>
-          </a:prstGeom>
-          <a:solidFill>
-            <a:schemeClr val="bg1">
-              <a:lumMod val="85000"/>
-            </a:schemeClr>
-          </a:solidFill>
-        </p:spPr>
-        <p:style>
-          <a:lnRef idx="2">
-            <a:schemeClr val="accent1">
-              <a:shade val="50000"/>
-            </a:schemeClr>
-          </a:lnRef>
-          <a:fillRef idx="1">
-            <a:schemeClr val="accent1"/>
-          </a:fillRef>
-          <a:effectRef idx="0">
-            <a:schemeClr val="accent1"/>
-          </a:effectRef>
-          <a:fontRef idx="minor">
-            <a:schemeClr val="lt1"/>
-          </a:fontRef>
-        </p:style>
-        <p:txBody>
-          <a:bodyPr rtlCol="0" anchor="ctr"/>
-          <a:lstStyle/>
-          <a:p>
-            <a:pPr algn="ctr"/>
-            <a:r>
-              <a:rPr lang="en-US" dirty="0"/>
-              <a:t>Request book</a:t>
-            </a:r>
-          </a:p>
-        </p:txBody>
-      </p:sp>
-      <p:pic>
-        <p:nvPicPr>
-          <p:cNvPr id="3" name="Graphic 2" descr="Checkbox Checked outline">
-            <a:extLst>
-              <a:ext uri="{FF2B5EF4-FFF2-40B4-BE49-F238E27FC236}">
-                <a16:creationId xmlns:a16="http://schemas.microsoft.com/office/drawing/2014/main" id="{28369671-F577-4444-BD8A-BE9DA09E9DEC}"/>
-              </a:ext>
-            </a:extLst>
-          </p:cNvPr>
-          <p:cNvPicPr>
-            <a:picLocks noChangeAspect="1"/>
-          </p:cNvPicPr>
-          <p:nvPr/>
-        </p:nvPicPr>
-        <p:blipFill>
-          <a:blip r:embed="rId3">
-            <a:extLst>
-              <a:ext uri="{28A0092B-C50C-407E-A947-70E740481C1C}">
-                <a14:useLocalDpi xmlns:a14="http://schemas.microsoft.com/office/drawing/2010/main" val="0"/>
-              </a:ext>
-              <a:ext uri="{96DAC541-7B7A-43D3-8B79-37D633B846F1}">
-                <asvg:svgBlip xmlns:asvg="http://schemas.microsoft.com/office/drawing/2016/SVG/main" r:embed="rId4"/>
-              </a:ext>
-            </a:extLst>
-          </a:blip>
-          <a:stretch>
-            <a:fillRect/>
-          </a:stretch>
-        </p:blipFill>
-        <p:spPr>
-          <a:xfrm>
-            <a:off x="4847665" y="6058673"/>
-            <a:ext cx="294290" cy="294290"/>
-          </a:xfrm>
-          <a:prstGeom prst="rect">
-            <a:avLst/>
-          </a:prstGeom>
-        </p:spPr>
-      </p:pic>
+            <a:off x="4814047" y="6048108"/>
+            <a:ext cx="3486769" cy="369332"/>
+          </a:xfrm>
+          <a:prstGeom prst="rect">
+            <a:avLst/>
+          </a:prstGeom>
+          <a:noFill/>
+        </p:spPr>
+        <p:txBody>
+          <a:bodyPr wrap="square">
+            <a:spAutoFit/>
+          </a:bodyPr>
+          <a:lstStyle/>
+          <a:p>
+            <a:r>
+              <a:rPr lang="en-US" sz="1800" b="1" dirty="0">
+                <a:solidFill>
+                  <a:srgbClr val="000000"/>
+                </a:solidFill>
+                <a:latin typeface="Consolas" panose="020B0609020204030204" pitchFamily="49" charset="0"/>
+              </a:rPr>
+              <a:t>Log in to request the book</a:t>
+            </a:r>
+            <a:endParaRPr lang="en-US" b="1" dirty="0"/>
+          </a:p>
+        </p:txBody>
+      </p:sp>
     </p:spTree>
     <p:extLst>
       <p:ext uri="{BB962C8B-B14F-4D97-AF65-F5344CB8AC3E}">
@@ -12741,7 +12689,7 @@
         </p:nvSpPr>
         <p:spPr>
           <a:xfrm>
-            <a:off x="6365559" y="5219004"/>
+            <a:off x="5231747" y="5145432"/>
             <a:ext cx="2642347" cy="369331"/>
           </a:xfrm>
           <a:prstGeom prst="rect">
@@ -12806,7 +12754,7 @@
         </p:blipFill>
         <p:spPr>
           <a:xfrm>
-            <a:off x="6439162" y="5228252"/>
+            <a:off x="5360146" y="5154680"/>
             <a:ext cx="360083" cy="360083"/>
           </a:xfrm>
           <a:prstGeom prst="rect">
@@ -12970,55 +12918,6 @@
           </a:prstGeom>
         </p:spPr>
       </p:pic>
-      <p:sp>
-        <p:nvSpPr>
-          <p:cNvPr id="20" name="TextBox 19">
-            <a:extLst>
-              <a:ext uri="{FF2B5EF4-FFF2-40B4-BE49-F238E27FC236}">
-                <a16:creationId xmlns:a16="http://schemas.microsoft.com/office/drawing/2014/main" id="{4D07F791-BD0D-4BB1-A17D-D038BADEAD65}"/>
-              </a:ext>
-            </a:extLst>
-          </p:cNvPr>
-          <p:cNvSpPr txBox="1"/>
-          <p:nvPr/>
-        </p:nvSpPr>
-        <p:spPr>
-          <a:xfrm>
-            <a:off x="5067611" y="5219004"/>
-            <a:ext cx="902885" cy="374947"/>
-          </a:xfrm>
-          <a:prstGeom prst="rect">
-            <a:avLst/>
-          </a:prstGeom>
-        </p:spPr>
-        <p:style>
-          <a:lnRef idx="1">
-            <a:schemeClr val="accent1"/>
-          </a:lnRef>
-          <a:fillRef idx="2">
-            <a:schemeClr val="accent1"/>
-          </a:fillRef>
-          <a:effectRef idx="1">
-            <a:schemeClr val="accent1"/>
-          </a:effectRef>
-          <a:fontRef idx="minor">
-            <a:schemeClr val="dk1"/>
-          </a:fontRef>
-        </p:style>
-        <p:txBody>
-          <a:bodyPr wrap="square" rtlCol="0">
-            <a:spAutoFit/>
-          </a:bodyPr>
-          <a:lstStyle/>
-          <a:p>
-            <a:pPr algn="ctr"/>
-            <a:r>
-              <a:rPr lang="en-US" dirty="0"/>
-              <a:t>Save</a:t>
-            </a:r>
-          </a:p>
-        </p:txBody>
-      </p:sp>
       <p:sp>
         <p:nvSpPr>
           <p:cNvPr id="23" name="TextBox 22">
@@ -13146,7 +13045,7 @@
         </p:blipFill>
         <p:spPr>
           <a:xfrm>
-            <a:off x="8345834" y="5378766"/>
+            <a:off x="7368372" y="5247387"/>
             <a:ext cx="419138" cy="419138"/>
           </a:xfrm>
           <a:prstGeom prst="rect">
@@ -14044,10 +13943,10 @@
       </p:sp>
       <p:sp>
         <p:nvSpPr>
-          <p:cNvPr id="9" name="Rectangle 8">
-            <a:extLst>
-              <a:ext uri="{FF2B5EF4-FFF2-40B4-BE49-F238E27FC236}">
-                <a16:creationId xmlns:a16="http://schemas.microsoft.com/office/drawing/2014/main" id="{7BF2A391-BA7B-4C40-88CD-B4D8A147A422}"/>
+          <p:cNvPr id="10" name="Rectangle 9">
+            <a:extLst>
+              <a:ext uri="{FF2B5EF4-FFF2-40B4-BE49-F238E27FC236}">
+                <a16:creationId xmlns:a16="http://schemas.microsoft.com/office/drawing/2014/main" id="{648D9ED7-0579-4381-9AE2-BBAD65EBD1B3}"/>
               </a:ext>
             </a:extLst>
           </p:cNvPr>
@@ -14056,7 +13955,7 @@
         </p:nvSpPr>
         <p:spPr>
           <a:xfrm>
-            <a:off x="4814047" y="3429000"/>
+            <a:off x="4814047" y="3449883"/>
             <a:ext cx="2319617" cy="400110"/>
           </a:xfrm>
           <a:prstGeom prst="rect">
@@ -14095,65 +13994,6 @@
                   </a:outerShdw>
                 </a:effectLst>
               </a:rPr>
-              <a:t>Available</a:t>
-            </a:r>
-            <a:endParaRPr lang="en-US" dirty="0"/>
-          </a:p>
-        </p:txBody>
-      </p:sp>
-      <p:sp>
-        <p:nvSpPr>
-          <p:cNvPr id="10" name="Rectangle 9">
-            <a:extLst>
-              <a:ext uri="{FF2B5EF4-FFF2-40B4-BE49-F238E27FC236}">
-                <a16:creationId xmlns:a16="http://schemas.microsoft.com/office/drawing/2014/main" id="{648D9ED7-0579-4381-9AE2-BBAD65EBD1B3}"/>
-              </a:ext>
-            </a:extLst>
-          </p:cNvPr>
-          <p:cNvSpPr/>
-          <p:nvPr/>
-        </p:nvSpPr>
-        <p:spPr>
-          <a:xfrm>
-            <a:off x="7779124" y="3429000"/>
-            <a:ext cx="2319617" cy="400110"/>
-          </a:xfrm>
-          <a:prstGeom prst="rect">
-            <a:avLst/>
-          </a:prstGeom>
-        </p:spPr>
-        <p:style>
-          <a:lnRef idx="2">
-            <a:schemeClr val="accent6"/>
-          </a:lnRef>
-          <a:fillRef idx="1">
-            <a:schemeClr val="lt1"/>
-          </a:fillRef>
-          <a:effectRef idx="0">
-            <a:schemeClr val="accent6"/>
-          </a:effectRef>
-          <a:fontRef idx="minor">
-            <a:schemeClr val="dk1"/>
-          </a:fontRef>
-        </p:style>
-        <p:txBody>
-          <a:bodyPr rtlCol="0" anchor="ctr"/>
-          <a:lstStyle/>
-          <a:p>
-            <a:r>
-              <a:rPr lang="en-US" dirty="0">
-                <a:ln w="0"/>
-                <a:solidFill>
-                  <a:schemeClr val="tx1"/>
-                </a:solidFill>
-                <a:effectLst>
-                  <a:outerShdw blurRad="38100" dist="19050" dir="2700000" algn="tl" rotWithShape="0">
-                    <a:schemeClr val="dk1">
-                      <a:alpha val="40000"/>
-                    </a:schemeClr>
-                  </a:outerShdw>
-                </a:effectLst>
-              </a:rPr>
               <a:t>Reviews (3)</a:t>
             </a:r>
             <a:endParaRPr lang="en-US" dirty="0"/>
@@ -14509,50 +14349,11 @@
             <a:pPr algn="ctr"/>
             <a:r>
               <a:rPr lang="en-US" dirty="0"/>
-              <a:t>    Book requested</a:t>
-            </a:r>
-          </a:p>
-        </p:txBody>
-      </p:sp>
-      <p:pic>
-        <p:nvPicPr>
-          <p:cNvPr id="5" name="Graphic 4" descr="Checkbox Checked with solid fill">
-            <a:extLst>
-              <a:ext uri="{FF2B5EF4-FFF2-40B4-BE49-F238E27FC236}">
-                <a16:creationId xmlns:a16="http://schemas.microsoft.com/office/drawing/2014/main" id="{B4DDE1CE-1FB6-4DFF-9B4C-51F76174EF73}"/>
-              </a:ext>
-            </a:extLst>
-          </p:cNvPr>
-          <p:cNvPicPr>
-            <a:picLocks noChangeAspect="1"/>
-          </p:cNvPicPr>
-          <p:nvPr/>
-        </p:nvPicPr>
-        <p:blipFill>
-          <a:blip r:embed="rId3">
-            <a:extLst>
-              <a:ext uri="{28A0092B-C50C-407E-A947-70E740481C1C}">
-                <a14:useLocalDpi xmlns:a14="http://schemas.microsoft.com/office/drawing/2010/main" val="0"/>
-              </a:ext>
-              <a:ext uri="{96DAC541-7B7A-43D3-8B79-37D633B846F1}">
-                <asvg:svgBlip xmlns:asvg="http://schemas.microsoft.com/office/drawing/2016/SVG/main" r:embed="rId4"/>
-              </a:ext>
-            </a:extLst>
-          </a:blip>
-          <a:stretch>
-            <a:fillRect/>
-          </a:stretch>
-        </p:blipFill>
-        <p:spPr>
-          <a:xfrm>
-            <a:off x="4814046" y="6040434"/>
-            <a:ext cx="330768" cy="330768"/>
-          </a:xfrm>
-          <a:prstGeom prst="rect">
-            <a:avLst/>
-          </a:prstGeom>
-        </p:spPr>
-      </p:pic>
+              <a:t>    Cancel request</a:t>
+            </a:r>
+          </a:p>
+        </p:txBody>
+      </p:sp>
     </p:spTree>
     <p:extLst>
       <p:ext uri="{BB962C8B-B14F-4D97-AF65-F5344CB8AC3E}">
